--- a/powerpoint.pptx
+++ b/powerpoint.pptx
@@ -6,11 +6,12 @@
   </p:sldMasterIdLst>
   <p:sldIdLst>
     <p:sldId id="256" r:id="rId2"/>
-    <p:sldId id="257" r:id="rId3"/>
-    <p:sldId id="262" r:id="rId4"/>
-    <p:sldId id="263" r:id="rId5"/>
-    <p:sldId id="264" r:id="rId6"/>
-    <p:sldId id="265" r:id="rId7"/>
+    <p:sldId id="266" r:id="rId3"/>
+    <p:sldId id="267" r:id="rId4"/>
+    <p:sldId id="262" r:id="rId5"/>
+    <p:sldId id="263" r:id="rId6"/>
+    <p:sldId id="264" r:id="rId7"/>
+    <p:sldId id="265" r:id="rId8"/>
   </p:sldIdLst>
   <p:sldSz cx="12192000" cy="6858000"/>
   <p:notesSz cx="6858000" cy="9144000"/>
@@ -109,6 +110,11 @@
       </a:defRPr>
     </a:lvl9pPr>
   </p:defaultTextStyle>
+  <p:extLst>
+    <p:ext uri="{EFAFB233-063F-42B5-8137-9DF3F51BA10A}">
+      <p15:sldGuideLst xmlns:p15="http://schemas.microsoft.com/office/powerpoint/2012/main"/>
+    </p:ext>
+  </p:extLst>
 </p:presentation>
 </file>
 
@@ -259,7 +265,7 @@
           <a:p>
             <a:fld id="{9249FF70-B285-4D3D-80DB-5BA50DBCDABD}" type="datetimeFigureOut">
               <a:rPr lang="hu-HU" smtClean="0"/>
-              <a:t>2024.01.26</a:t>
+              <a:t>2024. 01. 28.</a:t>
             </a:fld>
             <a:endParaRPr lang="hu-HU"/>
           </a:p>
@@ -457,7 +463,7 @@
           <a:p>
             <a:fld id="{9249FF70-B285-4D3D-80DB-5BA50DBCDABD}" type="datetimeFigureOut">
               <a:rPr lang="hu-HU" smtClean="0"/>
-              <a:t>2024.01.26</a:t>
+              <a:t>2024. 01. 28.</a:t>
             </a:fld>
             <a:endParaRPr lang="hu-HU"/>
           </a:p>
@@ -665,7 +671,7 @@
           <a:p>
             <a:fld id="{9249FF70-B285-4D3D-80DB-5BA50DBCDABD}" type="datetimeFigureOut">
               <a:rPr lang="hu-HU" smtClean="0"/>
-              <a:t>2024.01.26</a:t>
+              <a:t>2024. 01. 28.</a:t>
             </a:fld>
             <a:endParaRPr lang="hu-HU"/>
           </a:p>
@@ -863,7 +869,7 @@
           <a:p>
             <a:fld id="{9249FF70-B285-4D3D-80DB-5BA50DBCDABD}" type="datetimeFigureOut">
               <a:rPr lang="hu-HU" smtClean="0"/>
-              <a:t>2024.01.26</a:t>
+              <a:t>2024. 01. 28.</a:t>
             </a:fld>
             <a:endParaRPr lang="hu-HU"/>
           </a:p>
@@ -1138,7 +1144,7 @@
           <a:p>
             <a:fld id="{9249FF70-B285-4D3D-80DB-5BA50DBCDABD}" type="datetimeFigureOut">
               <a:rPr lang="hu-HU" smtClean="0"/>
-              <a:t>2024.01.26</a:t>
+              <a:t>2024. 01. 28.</a:t>
             </a:fld>
             <a:endParaRPr lang="hu-HU"/>
           </a:p>
@@ -1403,7 +1409,7 @@
           <a:p>
             <a:fld id="{9249FF70-B285-4D3D-80DB-5BA50DBCDABD}" type="datetimeFigureOut">
               <a:rPr lang="hu-HU" smtClean="0"/>
-              <a:t>2024.01.26</a:t>
+              <a:t>2024. 01. 28.</a:t>
             </a:fld>
             <a:endParaRPr lang="hu-HU"/>
           </a:p>
@@ -1815,7 +1821,7 @@
           <a:p>
             <a:fld id="{9249FF70-B285-4D3D-80DB-5BA50DBCDABD}" type="datetimeFigureOut">
               <a:rPr lang="hu-HU" smtClean="0"/>
-              <a:t>2024.01.26</a:t>
+              <a:t>2024. 01. 28.</a:t>
             </a:fld>
             <a:endParaRPr lang="hu-HU"/>
           </a:p>
@@ -1956,7 +1962,7 @@
           <a:p>
             <a:fld id="{9249FF70-B285-4D3D-80DB-5BA50DBCDABD}" type="datetimeFigureOut">
               <a:rPr lang="hu-HU" smtClean="0"/>
-              <a:t>2024.01.26</a:t>
+              <a:t>2024. 01. 28.</a:t>
             </a:fld>
             <a:endParaRPr lang="hu-HU"/>
           </a:p>
@@ -2069,7 +2075,7 @@
           <a:p>
             <a:fld id="{9249FF70-B285-4D3D-80DB-5BA50DBCDABD}" type="datetimeFigureOut">
               <a:rPr lang="hu-HU" smtClean="0"/>
-              <a:t>2024.01.26</a:t>
+              <a:t>2024. 01. 28.</a:t>
             </a:fld>
             <a:endParaRPr lang="hu-HU"/>
           </a:p>
@@ -2380,7 +2386,7 @@
           <a:p>
             <a:fld id="{9249FF70-B285-4D3D-80DB-5BA50DBCDABD}" type="datetimeFigureOut">
               <a:rPr lang="hu-HU" smtClean="0"/>
-              <a:t>2024.01.26</a:t>
+              <a:t>2024. 01. 28.</a:t>
             </a:fld>
             <a:endParaRPr lang="hu-HU"/>
           </a:p>
@@ -2668,7 +2674,7 @@
           <a:p>
             <a:fld id="{9249FF70-B285-4D3D-80DB-5BA50DBCDABD}" type="datetimeFigureOut">
               <a:rPr lang="hu-HU" smtClean="0"/>
-              <a:t>2024.01.26</a:t>
+              <a:t>2024. 01. 28.</a:t>
             </a:fld>
             <a:endParaRPr lang="hu-HU"/>
           </a:p>
@@ -2909,7 +2915,7 @@
           <a:p>
             <a:fld id="{9249FF70-B285-4D3D-80DB-5BA50DBCDABD}" type="datetimeFigureOut">
               <a:rPr lang="hu-HU" smtClean="0"/>
-              <a:t>2024.01.26</a:t>
+              <a:t>2024. 01. 28.</a:t>
             </a:fld>
             <a:endParaRPr lang="hu-HU"/>
           </a:p>
@@ -3326,56 +3332,6 @@
           <a:chExt cx="0" cy="0"/>
         </a:xfrm>
       </p:grpSpPr>
-      <p:sp>
-        <p:nvSpPr>
-          <p:cNvPr id="2" name="Cím 1">
-            <a:extLst>
-              <a:ext uri="{FF2B5EF4-FFF2-40B4-BE49-F238E27FC236}">
-                <a16:creationId xmlns:a16="http://schemas.microsoft.com/office/drawing/2014/main" id="{7C754CA1-5BF4-4480-B3AD-48E417E6BD74}"/>
-              </a:ext>
-            </a:extLst>
-          </p:cNvPr>
-          <p:cNvSpPr>
-            <a:spLocks noGrp="1"/>
-          </p:cNvSpPr>
-          <p:nvPr>
-            <p:ph type="ctrTitle"/>
-          </p:nvPr>
-        </p:nvSpPr>
-        <p:spPr/>
-        <p:txBody>
-          <a:bodyPr/>
-          <a:lstStyle/>
-          <a:p>
-            <a:endParaRPr lang="hu-HU"/>
-          </a:p>
-        </p:txBody>
-      </p:sp>
-      <p:sp>
-        <p:nvSpPr>
-          <p:cNvPr id="3" name="Alcím 2">
-            <a:extLst>
-              <a:ext uri="{FF2B5EF4-FFF2-40B4-BE49-F238E27FC236}">
-                <a16:creationId xmlns:a16="http://schemas.microsoft.com/office/drawing/2014/main" id="{6D713451-3440-44DF-B3E3-ABBE4493B601}"/>
-              </a:ext>
-            </a:extLst>
-          </p:cNvPr>
-          <p:cNvSpPr>
-            <a:spLocks noGrp="1"/>
-          </p:cNvSpPr>
-          <p:nvPr>
-            <p:ph type="subTitle" idx="1"/>
-          </p:nvPr>
-        </p:nvSpPr>
-        <p:spPr/>
-        <p:txBody>
-          <a:bodyPr/>
-          <a:lstStyle/>
-          <a:p>
-            <a:endParaRPr lang="hu-HU" dirty="0"/>
-          </a:p>
-        </p:txBody>
-      </p:sp>
       <p:grpSp>
         <p:nvGrpSpPr>
           <p:cNvPr id="16" name="Csoportba foglalás 15">
@@ -3876,6 +3832,215 @@
           </p:txBody>
         </p:sp>
       </p:grpSp>
+      <p:sp>
+        <p:nvSpPr>
+          <p:cNvPr id="17" name="Szövegdoboz 16">
+            <a:extLst>
+              <a:ext uri="{FF2B5EF4-FFF2-40B4-BE49-F238E27FC236}">
+                <a16:creationId xmlns:a16="http://schemas.microsoft.com/office/drawing/2014/main" id="{3BAB75E4-6B87-40B0-A4F5-A52B036323A1}"/>
+              </a:ext>
+            </a:extLst>
+          </p:cNvPr>
+          <p:cNvSpPr txBox="1"/>
+          <p:nvPr/>
+        </p:nvSpPr>
+        <p:spPr>
+          <a:xfrm>
+            <a:off x="4897395" y="1230235"/>
+            <a:ext cx="6692900" cy="1015663"/>
+          </a:xfrm>
+          <a:prstGeom prst="rect">
+            <a:avLst/>
+          </a:prstGeom>
+          <a:noFill/>
+        </p:spPr>
+        <p:txBody>
+          <a:bodyPr wrap="square" rtlCol="0">
+            <a:spAutoFit/>
+          </a:bodyPr>
+          <a:lstStyle/>
+          <a:p>
+            <a:r>
+              <a:rPr lang="hu-HU" sz="6000" dirty="0" err="1">
+                <a:latin typeface="Palatino Linotype" panose="02040502050505030304" pitchFamily="18" charset="0"/>
+              </a:rPr>
+              <a:t>Pygame</a:t>
+            </a:r>
+            <a:r>
+              <a:rPr lang="hu-HU" sz="6000" dirty="0">
+                <a:latin typeface="Palatino Linotype" panose="02040502050505030304" pitchFamily="18" charset="0"/>
+              </a:rPr>
+              <a:t> II. Fejezet</a:t>
+            </a:r>
+          </a:p>
+        </p:txBody>
+      </p:sp>
+      <p:sp>
+        <p:nvSpPr>
+          <p:cNvPr id="18" name="Szövegdoboz 17">
+            <a:extLst>
+              <a:ext uri="{FF2B5EF4-FFF2-40B4-BE49-F238E27FC236}">
+                <a16:creationId xmlns:a16="http://schemas.microsoft.com/office/drawing/2014/main" id="{AD3158ED-4678-4065-8505-739896A3738E}"/>
+              </a:ext>
+            </a:extLst>
+          </p:cNvPr>
+          <p:cNvSpPr txBox="1"/>
+          <p:nvPr/>
+        </p:nvSpPr>
+        <p:spPr>
+          <a:xfrm>
+            <a:off x="4351234" y="2600058"/>
+            <a:ext cx="7190102" cy="1446550"/>
+          </a:xfrm>
+          <a:prstGeom prst="rect">
+            <a:avLst/>
+          </a:prstGeom>
+          <a:noFill/>
+        </p:spPr>
+        <p:txBody>
+          <a:bodyPr wrap="square" rtlCol="0">
+            <a:spAutoFit/>
+          </a:bodyPr>
+          <a:lstStyle/>
+          <a:p>
+            <a:pPr algn="ctr"/>
+            <a:r>
+              <a:rPr lang="hu-HU" sz="8800" dirty="0">
+                <a:latin typeface="Lilita one" panose="02000000000000000000" pitchFamily="2" charset="0"/>
+              </a:rPr>
+              <a:t>Animációk</a:t>
+            </a:r>
+          </a:p>
+        </p:txBody>
+      </p:sp>
+      <p:sp>
+        <p:nvSpPr>
+          <p:cNvPr id="19" name="Szövegdoboz 18">
+            <a:extLst>
+              <a:ext uri="{FF2B5EF4-FFF2-40B4-BE49-F238E27FC236}">
+                <a16:creationId xmlns:a16="http://schemas.microsoft.com/office/drawing/2014/main" id="{5F1367CD-8C85-487D-BF24-A93245F7FD18}"/>
+              </a:ext>
+            </a:extLst>
+          </p:cNvPr>
+          <p:cNvSpPr txBox="1"/>
+          <p:nvPr/>
+        </p:nvSpPr>
+        <p:spPr>
+          <a:xfrm>
+            <a:off x="5908586" y="6519446"/>
+            <a:ext cx="6813144" cy="338554"/>
+          </a:xfrm>
+          <a:prstGeom prst="rect">
+            <a:avLst/>
+          </a:prstGeom>
+          <a:noFill/>
+        </p:spPr>
+        <p:txBody>
+          <a:bodyPr wrap="square" rtlCol="0">
+            <a:spAutoFit/>
+          </a:bodyPr>
+          <a:lstStyle/>
+          <a:p>
+            <a:r>
+              <a:rPr lang="hu-HU" sz="1600" dirty="0">
+                <a:latin typeface="Palatino Linotype" panose="02040502050505030304" pitchFamily="18" charset="0"/>
+              </a:rPr>
+              <a:t>Készítette: Baracskai Dóra, Major Bálint István, Szollinger Rajmund</a:t>
+            </a:r>
+          </a:p>
+        </p:txBody>
+      </p:sp>
+      <p:pic>
+        <p:nvPicPr>
+          <p:cNvPr id="21" name="Picture 2" descr="File:Python-logo-notext.svg - Wikipedia">
+            <a:extLst>
+              <a:ext uri="{FF2B5EF4-FFF2-40B4-BE49-F238E27FC236}">
+                <a16:creationId xmlns:a16="http://schemas.microsoft.com/office/drawing/2014/main" id="{840BCACD-93FD-432E-8DE6-FAD375E494D3}"/>
+              </a:ext>
+            </a:extLst>
+          </p:cNvPr>
+          <p:cNvPicPr>
+            <a:picLocks noChangeAspect="1" noChangeArrowheads="1"/>
+          </p:cNvPicPr>
+          <p:nvPr/>
+        </p:nvPicPr>
+        <p:blipFill>
+          <a:blip r:embed="rId2">
+            <a:extLst>
+              <a:ext uri="{28A0092B-C50C-407E-A947-70E740481C1C}">
+                <a14:useLocalDpi xmlns:a14="http://schemas.microsoft.com/office/drawing/2010/main" val="0"/>
+              </a:ext>
+            </a:extLst>
+          </a:blip>
+          <a:srcRect/>
+          <a:stretch>
+            <a:fillRect/>
+          </a:stretch>
+        </p:blipFill>
+        <p:spPr bwMode="auto">
+          <a:xfrm>
+            <a:off x="6391186" y="7053129"/>
+            <a:ext cx="2824343" cy="3095171"/>
+          </a:xfrm>
+          <a:prstGeom prst="rect">
+            <a:avLst/>
+          </a:prstGeom>
+          <a:noFill/>
+          <a:extLst>
+            <a:ext uri="{909E8E84-426E-40DD-AFC4-6F175D3DCCD1}">
+              <a14:hiddenFill xmlns:a14="http://schemas.microsoft.com/office/drawing/2010/main">
+                <a:solidFill>
+                  <a:srgbClr val="FFFFFF"/>
+                </a:solidFill>
+              </a14:hiddenFill>
+            </a:ext>
+          </a:extLst>
+        </p:spPr>
+      </p:pic>
+      <p:sp>
+        <p:nvSpPr>
+          <p:cNvPr id="20" name="Szövegdoboz 19">
+            <a:extLst>
+              <a:ext uri="{FF2B5EF4-FFF2-40B4-BE49-F238E27FC236}">
+                <a16:creationId xmlns:a16="http://schemas.microsoft.com/office/drawing/2014/main" id="{C1A6223F-A684-4F28-86B1-29382685E165}"/>
+              </a:ext>
+            </a:extLst>
+          </p:cNvPr>
+          <p:cNvSpPr txBox="1"/>
+          <p:nvPr/>
+        </p:nvSpPr>
+        <p:spPr>
+          <a:xfrm>
+            <a:off x="4351234" y="2600058"/>
+            <a:ext cx="7190102" cy="1446550"/>
+          </a:xfrm>
+          <a:prstGeom prst="rect">
+            <a:avLst/>
+          </a:prstGeom>
+          <a:noFill/>
+        </p:spPr>
+        <p:txBody>
+          <a:bodyPr wrap="square" rtlCol="0">
+            <a:spAutoFit/>
+          </a:bodyPr>
+          <a:lstStyle/>
+          <a:p>
+            <a:pPr algn="ctr"/>
+            <a:r>
+              <a:rPr lang="hu-HU" sz="8800" dirty="0">
+                <a:ln>
+                  <a:solidFill>
+                    <a:schemeClr val="bg1"/>
+                  </a:solidFill>
+                </a:ln>
+                <a:noFill/>
+                <a:latin typeface="Lilita one" panose="02000000000000000000" pitchFamily="2" charset="0"/>
+              </a:rPr>
+              <a:t>Animációk</a:t>
+            </a:r>
+          </a:p>
+        </p:txBody>
+      </p:sp>
     </p:spTree>
     <p:extLst>
       <p:ext uri="{BB962C8B-B14F-4D97-AF65-F5344CB8AC3E}">
@@ -3886,13 +4051,13 @@
   <p:clrMapOvr>
     <a:masterClrMapping/>
   </p:clrMapOvr>
-  <mc:AlternateContent xmlns:mc="http://schemas.openxmlformats.org/markup-compatibility/2006">
-    <mc:Choice xmlns:p159="http://schemas.microsoft.com/office/powerpoint/2015/09/main" Requires="p159">
+  <mc:AlternateContent xmlns:mc="http://schemas.openxmlformats.org/markup-compatibility/2006" xmlns:p159="http://schemas.microsoft.com/office/powerpoint/2015/09/main">
+    <mc:Choice Requires="p159">
       <p:transition xmlns:p14="http://schemas.microsoft.com/office/powerpoint/2010/main" spd="slow" p14:dur="2000">
         <p159:morph option="byObject"/>
       </p:transition>
     </mc:Choice>
-    <mc:Fallback>
+    <mc:Fallback xmlns="">
       <p:transition spd="slow">
         <p:fade/>
       </p:transition>
@@ -3918,56 +4083,6 @@
           <a:chExt cx="0" cy="0"/>
         </a:xfrm>
       </p:grpSpPr>
-      <p:sp>
-        <p:nvSpPr>
-          <p:cNvPr id="2" name="Cím 1">
-            <a:extLst>
-              <a:ext uri="{FF2B5EF4-FFF2-40B4-BE49-F238E27FC236}">
-                <a16:creationId xmlns:a16="http://schemas.microsoft.com/office/drawing/2014/main" id="{7C754CA1-5BF4-4480-B3AD-48E417E6BD74}"/>
-              </a:ext>
-            </a:extLst>
-          </p:cNvPr>
-          <p:cNvSpPr>
-            <a:spLocks noGrp="1"/>
-          </p:cNvSpPr>
-          <p:nvPr>
-            <p:ph type="ctrTitle"/>
-          </p:nvPr>
-        </p:nvSpPr>
-        <p:spPr/>
-        <p:txBody>
-          <a:bodyPr/>
-          <a:lstStyle/>
-          <a:p>
-            <a:endParaRPr lang="hu-HU"/>
-          </a:p>
-        </p:txBody>
-      </p:sp>
-      <p:sp>
-        <p:nvSpPr>
-          <p:cNvPr id="3" name="Alcím 2">
-            <a:extLst>
-              <a:ext uri="{FF2B5EF4-FFF2-40B4-BE49-F238E27FC236}">
-                <a16:creationId xmlns:a16="http://schemas.microsoft.com/office/drawing/2014/main" id="{6D713451-3440-44DF-B3E3-ABBE4493B601}"/>
-              </a:ext>
-            </a:extLst>
-          </p:cNvPr>
-          <p:cNvSpPr>
-            <a:spLocks noGrp="1"/>
-          </p:cNvSpPr>
-          <p:nvPr>
-            <p:ph type="subTitle" idx="1"/>
-          </p:nvPr>
-        </p:nvSpPr>
-        <p:spPr/>
-        <p:txBody>
-          <a:bodyPr/>
-          <a:lstStyle/>
-          <a:p>
-            <a:endParaRPr lang="hu-HU" dirty="0"/>
-          </a:p>
-        </p:txBody>
-      </p:sp>
       <p:grpSp>
         <p:nvGrpSpPr>
           <p:cNvPr id="16" name="Csoportba foglalás 15">
@@ -3982,8 +4097,8 @@
         </p:nvGrpSpPr>
         <p:grpSpPr>
           <a:xfrm>
-            <a:off x="336954" y="0"/>
-            <a:ext cx="13611276" cy="6858000"/>
+            <a:off x="336956" y="0"/>
+            <a:ext cx="3833392" cy="6858000"/>
             <a:chOff x="336956" y="0"/>
             <a:chExt cx="3833392" cy="6858000"/>
           </a:xfrm>
@@ -4468,23 +4583,232 @@
           </p:txBody>
         </p:sp>
       </p:grpSp>
+      <p:sp>
+        <p:nvSpPr>
+          <p:cNvPr id="17" name="Szövegdoboz 16">
+            <a:extLst>
+              <a:ext uri="{FF2B5EF4-FFF2-40B4-BE49-F238E27FC236}">
+                <a16:creationId xmlns:a16="http://schemas.microsoft.com/office/drawing/2014/main" id="{3BAB75E4-6B87-40B0-A4F5-A52B036323A1}"/>
+              </a:ext>
+            </a:extLst>
+          </p:cNvPr>
+          <p:cNvSpPr txBox="1"/>
+          <p:nvPr/>
+        </p:nvSpPr>
+        <p:spPr>
+          <a:xfrm>
+            <a:off x="4897395" y="1230235"/>
+            <a:ext cx="6692900" cy="1015663"/>
+          </a:xfrm>
+          <a:prstGeom prst="rect">
+            <a:avLst/>
+          </a:prstGeom>
+          <a:noFill/>
+        </p:spPr>
+        <p:txBody>
+          <a:bodyPr wrap="square" rtlCol="0">
+            <a:spAutoFit/>
+          </a:bodyPr>
+          <a:lstStyle/>
+          <a:p>
+            <a:r>
+              <a:rPr lang="hu-HU" sz="6000" dirty="0" err="1">
+                <a:latin typeface="Palatino Linotype" panose="02040502050505030304" pitchFamily="18" charset="0"/>
+              </a:rPr>
+              <a:t>Pygame</a:t>
+            </a:r>
+            <a:r>
+              <a:rPr lang="hu-HU" sz="6000" dirty="0">
+                <a:latin typeface="Palatino Linotype" panose="02040502050505030304" pitchFamily="18" charset="0"/>
+              </a:rPr>
+              <a:t> II. Fejezet</a:t>
+            </a:r>
+          </a:p>
+        </p:txBody>
+      </p:sp>
+      <p:sp>
+        <p:nvSpPr>
+          <p:cNvPr id="18" name="Szövegdoboz 17">
+            <a:extLst>
+              <a:ext uri="{FF2B5EF4-FFF2-40B4-BE49-F238E27FC236}">
+                <a16:creationId xmlns:a16="http://schemas.microsoft.com/office/drawing/2014/main" id="{AD3158ED-4678-4065-8505-739896A3738E}"/>
+              </a:ext>
+            </a:extLst>
+          </p:cNvPr>
+          <p:cNvSpPr txBox="1"/>
+          <p:nvPr/>
+        </p:nvSpPr>
+        <p:spPr>
+          <a:xfrm>
+            <a:off x="4351234" y="3314118"/>
+            <a:ext cx="7190102" cy="1446550"/>
+          </a:xfrm>
+          <a:prstGeom prst="rect">
+            <a:avLst/>
+          </a:prstGeom>
+          <a:noFill/>
+        </p:spPr>
+        <p:txBody>
+          <a:bodyPr wrap="square" rtlCol="0">
+            <a:spAutoFit/>
+          </a:bodyPr>
+          <a:lstStyle/>
+          <a:p>
+            <a:pPr algn="ctr"/>
+            <a:r>
+              <a:rPr lang="hu-HU" sz="8800" dirty="0">
+                <a:latin typeface="Lilita one" panose="02000000000000000000" pitchFamily="2" charset="0"/>
+              </a:rPr>
+              <a:t>Animációk</a:t>
+            </a:r>
+          </a:p>
+        </p:txBody>
+      </p:sp>
+      <p:sp>
+        <p:nvSpPr>
+          <p:cNvPr id="19" name="Szövegdoboz 18">
+            <a:extLst>
+              <a:ext uri="{FF2B5EF4-FFF2-40B4-BE49-F238E27FC236}">
+                <a16:creationId xmlns:a16="http://schemas.microsoft.com/office/drawing/2014/main" id="{5F1367CD-8C85-487D-BF24-A93245F7FD18}"/>
+              </a:ext>
+            </a:extLst>
+          </p:cNvPr>
+          <p:cNvSpPr txBox="1"/>
+          <p:nvPr/>
+        </p:nvSpPr>
+        <p:spPr>
+          <a:xfrm>
+            <a:off x="5908586" y="6519446"/>
+            <a:ext cx="6813144" cy="338554"/>
+          </a:xfrm>
+          <a:prstGeom prst="rect">
+            <a:avLst/>
+          </a:prstGeom>
+          <a:noFill/>
+        </p:spPr>
+        <p:txBody>
+          <a:bodyPr wrap="square" rtlCol="0">
+            <a:spAutoFit/>
+          </a:bodyPr>
+          <a:lstStyle/>
+          <a:p>
+            <a:r>
+              <a:rPr lang="hu-HU" sz="1600" dirty="0">
+                <a:latin typeface="Palatino Linotype" panose="02040502050505030304" pitchFamily="18" charset="0"/>
+              </a:rPr>
+              <a:t>Készítette: Baracskai Dóra, Major Bálint István, Szollinger Rajmund</a:t>
+            </a:r>
+          </a:p>
+        </p:txBody>
+      </p:sp>
+      <p:pic>
+        <p:nvPicPr>
+          <p:cNvPr id="21" name="Picture 2" descr="File:Python-logo-notext.svg - Wikipedia">
+            <a:extLst>
+              <a:ext uri="{FF2B5EF4-FFF2-40B4-BE49-F238E27FC236}">
+                <a16:creationId xmlns:a16="http://schemas.microsoft.com/office/drawing/2014/main" id="{840BCACD-93FD-432E-8DE6-FAD375E494D3}"/>
+              </a:ext>
+            </a:extLst>
+          </p:cNvPr>
+          <p:cNvPicPr>
+            <a:picLocks noChangeAspect="1" noChangeArrowheads="1"/>
+          </p:cNvPicPr>
+          <p:nvPr/>
+        </p:nvPicPr>
+        <p:blipFill>
+          <a:blip r:embed="rId2">
+            <a:extLst>
+              <a:ext uri="{28A0092B-C50C-407E-A947-70E740481C1C}">
+                <a14:useLocalDpi xmlns:a14="http://schemas.microsoft.com/office/drawing/2010/main" val="0"/>
+              </a:ext>
+            </a:extLst>
+          </a:blip>
+          <a:srcRect/>
+          <a:stretch>
+            <a:fillRect/>
+          </a:stretch>
+        </p:blipFill>
+        <p:spPr bwMode="auto">
+          <a:xfrm>
+            <a:off x="6534113" y="2692105"/>
+            <a:ext cx="2824343" cy="3095171"/>
+          </a:xfrm>
+          <a:prstGeom prst="rect">
+            <a:avLst/>
+          </a:prstGeom>
+          <a:noFill/>
+          <a:extLst>
+            <a:ext uri="{909E8E84-426E-40DD-AFC4-6F175D3DCCD1}">
+              <a14:hiddenFill xmlns:a14="http://schemas.microsoft.com/office/drawing/2010/main">
+                <a:solidFill>
+                  <a:srgbClr val="FFFFFF"/>
+                </a:solidFill>
+              </a14:hiddenFill>
+            </a:ext>
+          </a:extLst>
+        </p:spPr>
+      </p:pic>
+      <p:sp>
+        <p:nvSpPr>
+          <p:cNvPr id="20" name="Szövegdoboz 19">
+            <a:extLst>
+              <a:ext uri="{FF2B5EF4-FFF2-40B4-BE49-F238E27FC236}">
+                <a16:creationId xmlns:a16="http://schemas.microsoft.com/office/drawing/2014/main" id="{C1A6223F-A684-4F28-86B1-29382685E165}"/>
+              </a:ext>
+            </a:extLst>
+          </p:cNvPr>
+          <p:cNvSpPr txBox="1"/>
+          <p:nvPr/>
+        </p:nvSpPr>
+        <p:spPr>
+          <a:xfrm>
+            <a:off x="4351233" y="3314118"/>
+            <a:ext cx="7190102" cy="1446550"/>
+          </a:xfrm>
+          <a:prstGeom prst="rect">
+            <a:avLst/>
+          </a:prstGeom>
+          <a:noFill/>
+        </p:spPr>
+        <p:txBody>
+          <a:bodyPr wrap="square" rtlCol="0">
+            <a:spAutoFit/>
+          </a:bodyPr>
+          <a:lstStyle/>
+          <a:p>
+            <a:pPr algn="ctr"/>
+            <a:r>
+              <a:rPr lang="hu-HU" sz="8800" dirty="0">
+                <a:ln>
+                  <a:solidFill>
+                    <a:schemeClr val="bg1"/>
+                  </a:solidFill>
+                </a:ln>
+                <a:noFill/>
+                <a:latin typeface="Lilita one" panose="02000000000000000000" pitchFamily="2" charset="0"/>
+              </a:rPr>
+              <a:t>Animációk</a:t>
+            </a:r>
+          </a:p>
+        </p:txBody>
+      </p:sp>
     </p:spTree>
     <p:extLst>
       <p:ext uri="{BB962C8B-B14F-4D97-AF65-F5344CB8AC3E}">
-        <p14:creationId xmlns:p14="http://schemas.microsoft.com/office/powerpoint/2010/main" val="478304244"/>
+        <p14:creationId xmlns:p14="http://schemas.microsoft.com/office/powerpoint/2010/main" val="2711512653"/>
       </p:ext>
     </p:extLst>
   </p:cSld>
   <p:clrMapOvr>
     <a:masterClrMapping/>
   </p:clrMapOvr>
-  <mc:AlternateContent xmlns:mc="http://schemas.openxmlformats.org/markup-compatibility/2006">
-    <mc:Choice xmlns:p159="http://schemas.microsoft.com/office/powerpoint/2015/09/main" Requires="p159">
+  <mc:AlternateContent xmlns:mc="http://schemas.openxmlformats.org/markup-compatibility/2006" xmlns:p159="http://schemas.microsoft.com/office/powerpoint/2015/09/main">
+    <mc:Choice Requires="p159">
       <p:transition xmlns:p14="http://schemas.microsoft.com/office/powerpoint/2010/main" spd="slow" p14:dur="2000">
         <p159:morph option="byObject"/>
       </p:transition>
     </mc:Choice>
-    <mc:Fallback>
+    <mc:Fallback xmlns="">
       <p:transition spd="slow">
         <p:fade/>
       </p:transition>
@@ -4512,51 +4836,39 @@
       </p:grpSpPr>
       <p:sp>
         <p:nvSpPr>
-          <p:cNvPr id="2" name="Cím 1">
-            <a:extLst>
-              <a:ext uri="{FF2B5EF4-FFF2-40B4-BE49-F238E27FC236}">
-                <a16:creationId xmlns:a16="http://schemas.microsoft.com/office/drawing/2014/main" id="{7C754CA1-5BF4-4480-B3AD-48E417E6BD74}"/>
-              </a:ext>
-            </a:extLst>
-          </p:cNvPr>
-          <p:cNvSpPr>
-            <a:spLocks noGrp="1"/>
-          </p:cNvSpPr>
-          <p:nvPr>
-            <p:ph type="ctrTitle"/>
-          </p:nvPr>
-        </p:nvSpPr>
-        <p:spPr/>
-        <p:txBody>
-          <a:bodyPr/>
+          <p:cNvPr id="32" name="Szövegdoboz 31">
+            <a:extLst>
+              <a:ext uri="{FF2B5EF4-FFF2-40B4-BE49-F238E27FC236}">
+                <a16:creationId xmlns:a16="http://schemas.microsoft.com/office/drawing/2014/main" id="{F9810F2C-49B9-44FA-A114-FC9559F0DD0B}"/>
+              </a:ext>
+            </a:extLst>
+          </p:cNvPr>
+          <p:cNvSpPr txBox="1"/>
+          <p:nvPr/>
+        </p:nvSpPr>
+        <p:spPr>
+          <a:xfrm>
+            <a:off x="13502834" y="3507378"/>
+            <a:ext cx="7190102" cy="1446550"/>
+          </a:xfrm>
+          <a:prstGeom prst="rect">
+            <a:avLst/>
+          </a:prstGeom>
+          <a:noFill/>
+        </p:spPr>
+        <p:txBody>
+          <a:bodyPr wrap="square" rtlCol="0">
+            <a:spAutoFit/>
+          </a:bodyPr>
           <a:lstStyle/>
           <a:p>
-            <a:endParaRPr lang="hu-HU"/>
-          </a:p>
-        </p:txBody>
-      </p:sp>
-      <p:sp>
-        <p:nvSpPr>
-          <p:cNvPr id="3" name="Alcím 2">
-            <a:extLst>
-              <a:ext uri="{FF2B5EF4-FFF2-40B4-BE49-F238E27FC236}">
-                <a16:creationId xmlns:a16="http://schemas.microsoft.com/office/drawing/2014/main" id="{6D713451-3440-44DF-B3E3-ABBE4493B601}"/>
-              </a:ext>
-            </a:extLst>
-          </p:cNvPr>
-          <p:cNvSpPr>
-            <a:spLocks noGrp="1"/>
-          </p:cNvSpPr>
-          <p:nvPr>
-            <p:ph type="subTitle" idx="1"/>
-          </p:nvPr>
-        </p:nvSpPr>
-        <p:spPr/>
-        <p:txBody>
-          <a:bodyPr/>
-          <a:lstStyle/>
-          <a:p>
-            <a:endParaRPr lang="hu-HU" dirty="0"/>
+            <a:pPr algn="ctr"/>
+            <a:r>
+              <a:rPr lang="hu-HU" sz="8800" dirty="0">
+                <a:latin typeface="Lilita one" panose="02000000000000000000" pitchFamily="2" charset="0"/>
+              </a:rPr>
+              <a:t>Animációk</a:t>
+            </a:r>
           </a:p>
         </p:txBody>
       </p:sp>
@@ -4574,8 +4886,8 @@
         </p:nvGrpSpPr>
         <p:grpSpPr>
           <a:xfrm>
-            <a:off x="336954" y="0"/>
-            <a:ext cx="13785445" cy="6858000"/>
+            <a:off x="488534" y="0"/>
+            <a:ext cx="13721944" cy="6858000"/>
             <a:chOff x="336956" y="0"/>
             <a:chExt cx="3833392" cy="6858000"/>
           </a:xfrm>
@@ -4699,8 +5011,8 @@
         </p:nvGrpSpPr>
         <p:grpSpPr>
           <a:xfrm>
-            <a:off x="-139820" y="0"/>
-            <a:ext cx="14683133" cy="6858000"/>
+            <a:off x="-139819" y="0"/>
+            <a:ext cx="3365084" cy="6858000"/>
             <a:chOff x="-139819" y="0"/>
             <a:chExt cx="3365084" cy="6858000"/>
           </a:xfrm>
@@ -5060,23 +5372,194 @@
           </p:txBody>
         </p:sp>
       </p:grpSp>
+      <p:sp>
+        <p:nvSpPr>
+          <p:cNvPr id="29" name="Szövegdoboz 28">
+            <a:extLst>
+              <a:ext uri="{FF2B5EF4-FFF2-40B4-BE49-F238E27FC236}">
+                <a16:creationId xmlns:a16="http://schemas.microsoft.com/office/drawing/2014/main" id="{E332F7E7-F366-4E5F-973D-F91489F6BC6E}"/>
+              </a:ext>
+            </a:extLst>
+          </p:cNvPr>
+          <p:cNvSpPr txBox="1"/>
+          <p:nvPr/>
+        </p:nvSpPr>
+        <p:spPr>
+          <a:xfrm>
+            <a:off x="14286678" y="1185729"/>
+            <a:ext cx="6692900" cy="1015663"/>
+          </a:xfrm>
+          <a:prstGeom prst="rect">
+            <a:avLst/>
+          </a:prstGeom>
+          <a:noFill/>
+        </p:spPr>
+        <p:txBody>
+          <a:bodyPr wrap="square" rtlCol="0">
+            <a:spAutoFit/>
+          </a:bodyPr>
+          <a:lstStyle/>
+          <a:p>
+            <a:r>
+              <a:rPr lang="hu-HU" sz="6000" dirty="0" err="1">
+                <a:latin typeface="Palatino Linotype" panose="02040502050505030304" pitchFamily="18" charset="0"/>
+              </a:rPr>
+              <a:t>Pygame</a:t>
+            </a:r>
+            <a:r>
+              <a:rPr lang="hu-HU" sz="6000" dirty="0">
+                <a:latin typeface="Palatino Linotype" panose="02040502050505030304" pitchFamily="18" charset="0"/>
+              </a:rPr>
+              <a:t> II. Fejezet</a:t>
+            </a:r>
+          </a:p>
+        </p:txBody>
+      </p:sp>
+      <p:pic>
+        <p:nvPicPr>
+          <p:cNvPr id="30" name="Picture 2" descr="File:Python-logo-notext.svg - Wikipedia">
+            <a:extLst>
+              <a:ext uri="{FF2B5EF4-FFF2-40B4-BE49-F238E27FC236}">
+                <a16:creationId xmlns:a16="http://schemas.microsoft.com/office/drawing/2014/main" id="{70C0B970-FFC1-4D92-BAC1-1AA7869A8C8B}"/>
+              </a:ext>
+            </a:extLst>
+          </p:cNvPr>
+          <p:cNvPicPr>
+            <a:picLocks noChangeAspect="1" noChangeArrowheads="1"/>
+          </p:cNvPicPr>
+          <p:nvPr/>
+        </p:nvPicPr>
+        <p:blipFill>
+          <a:blip r:embed="rId2">
+            <a:extLst>
+              <a:ext uri="{28A0092B-C50C-407E-A947-70E740481C1C}">
+                <a14:useLocalDpi xmlns:a14="http://schemas.microsoft.com/office/drawing/2010/main" val="0"/>
+              </a:ext>
+            </a:extLst>
+          </a:blip>
+          <a:srcRect/>
+          <a:stretch>
+            <a:fillRect/>
+          </a:stretch>
+        </p:blipFill>
+        <p:spPr bwMode="auto">
+          <a:xfrm>
+            <a:off x="15685713" y="2888749"/>
+            <a:ext cx="2824343" cy="3095171"/>
+          </a:xfrm>
+          <a:prstGeom prst="rect">
+            <a:avLst/>
+          </a:prstGeom>
+          <a:noFill/>
+          <a:extLst>
+            <a:ext uri="{909E8E84-426E-40DD-AFC4-6F175D3DCCD1}">
+              <a14:hiddenFill xmlns:a14="http://schemas.microsoft.com/office/drawing/2010/main">
+                <a:solidFill>
+                  <a:srgbClr val="FFFFFF"/>
+                </a:solidFill>
+              </a14:hiddenFill>
+            </a:ext>
+          </a:extLst>
+        </p:spPr>
+      </p:pic>
+      <p:sp>
+        <p:nvSpPr>
+          <p:cNvPr id="31" name="Szövegdoboz 30">
+            <a:extLst>
+              <a:ext uri="{FF2B5EF4-FFF2-40B4-BE49-F238E27FC236}">
+                <a16:creationId xmlns:a16="http://schemas.microsoft.com/office/drawing/2014/main" id="{660D3E53-A8B5-48A6-B827-94A472909BE4}"/>
+              </a:ext>
+            </a:extLst>
+          </p:cNvPr>
+          <p:cNvSpPr txBox="1"/>
+          <p:nvPr/>
+        </p:nvSpPr>
+        <p:spPr>
+          <a:xfrm>
+            <a:off x="13502834" y="3519923"/>
+            <a:ext cx="7190102" cy="1446550"/>
+          </a:xfrm>
+          <a:prstGeom prst="rect">
+            <a:avLst/>
+          </a:prstGeom>
+          <a:noFill/>
+        </p:spPr>
+        <p:txBody>
+          <a:bodyPr wrap="square" rtlCol="0">
+            <a:spAutoFit/>
+          </a:bodyPr>
+          <a:lstStyle/>
+          <a:p>
+            <a:pPr algn="ctr"/>
+            <a:r>
+              <a:rPr lang="hu-HU" sz="8800" dirty="0">
+                <a:ln>
+                  <a:solidFill>
+                    <a:schemeClr val="bg1"/>
+                  </a:solidFill>
+                </a:ln>
+                <a:noFill/>
+                <a:latin typeface="Lilita one" panose="02000000000000000000" pitchFamily="2" charset="0"/>
+              </a:rPr>
+              <a:t>Animációk</a:t>
+            </a:r>
+          </a:p>
+        </p:txBody>
+      </p:sp>
+      <p:sp>
+        <p:nvSpPr>
+          <p:cNvPr id="33" name="Szövegdoboz 32">
+            <a:extLst>
+              <a:ext uri="{FF2B5EF4-FFF2-40B4-BE49-F238E27FC236}">
+                <a16:creationId xmlns:a16="http://schemas.microsoft.com/office/drawing/2014/main" id="{A695312D-5836-45D5-98BC-C0BE3B3E8D0B}"/>
+              </a:ext>
+            </a:extLst>
+          </p:cNvPr>
+          <p:cNvSpPr txBox="1"/>
+          <p:nvPr/>
+        </p:nvSpPr>
+        <p:spPr>
+          <a:xfrm>
+            <a:off x="14481086" y="6387932"/>
+            <a:ext cx="6813144" cy="338554"/>
+          </a:xfrm>
+          <a:prstGeom prst="rect">
+            <a:avLst/>
+          </a:prstGeom>
+          <a:noFill/>
+        </p:spPr>
+        <p:txBody>
+          <a:bodyPr wrap="square" rtlCol="0">
+            <a:spAutoFit/>
+          </a:bodyPr>
+          <a:lstStyle/>
+          <a:p>
+            <a:r>
+              <a:rPr lang="hu-HU" sz="1600" dirty="0">
+                <a:latin typeface="Palatino Linotype" panose="02040502050505030304" pitchFamily="18" charset="0"/>
+              </a:rPr>
+              <a:t>Készítette: Baracskai Dóra, Major Bálint István, Szollinger Rajmund</a:t>
+            </a:r>
+          </a:p>
+        </p:txBody>
+      </p:sp>
     </p:spTree>
     <p:extLst>
       <p:ext uri="{BB962C8B-B14F-4D97-AF65-F5344CB8AC3E}">
-        <p14:creationId xmlns:p14="http://schemas.microsoft.com/office/powerpoint/2010/main" val="2221032264"/>
+        <p14:creationId xmlns:p14="http://schemas.microsoft.com/office/powerpoint/2010/main" val="2729689051"/>
       </p:ext>
     </p:extLst>
   </p:cSld>
   <p:clrMapOvr>
     <a:masterClrMapping/>
   </p:clrMapOvr>
-  <mc:AlternateContent xmlns:mc="http://schemas.openxmlformats.org/markup-compatibility/2006">
-    <mc:Choice xmlns:p159="http://schemas.microsoft.com/office/powerpoint/2015/09/main" Requires="p159">
+  <mc:AlternateContent xmlns:mc="http://schemas.openxmlformats.org/markup-compatibility/2006" xmlns:p159="http://schemas.microsoft.com/office/powerpoint/2015/09/main">
+    <mc:Choice Requires="p159">
       <p:transition xmlns:p14="http://schemas.microsoft.com/office/powerpoint/2010/main" spd="slow" p14:dur="2000">
         <p159:morph option="byObject"/>
       </p:transition>
     </mc:Choice>
-    <mc:Fallback>
+    <mc:Fallback xmlns="">
       <p:transition spd="slow">
         <p:fade/>
       </p:transition>
@@ -5417,7 +5900,7 @@
         <p:grpSpPr>
           <a:xfrm>
             <a:off x="-597427" y="0"/>
-            <a:ext cx="15605198" cy="6858000"/>
+            <a:ext cx="2918262" cy="6858000"/>
             <a:chOff x="-597427" y="0"/>
             <a:chExt cx="2918262" cy="6858000"/>
           </a:xfrm>
@@ -5652,23 +6135,70 @@
           </p:txBody>
         </p:sp>
       </p:grpSp>
+      <p:pic>
+        <p:nvPicPr>
+          <p:cNvPr id="17" name="Picture 2" descr="GitHub Logo, symbol, meaning, history, PNG, brand">
+            <a:extLst>
+              <a:ext uri="{FF2B5EF4-FFF2-40B4-BE49-F238E27FC236}">
+                <a16:creationId xmlns:a16="http://schemas.microsoft.com/office/drawing/2014/main" id="{F687E033-A347-49AE-A4BB-DCA50E2EE0CC}"/>
+              </a:ext>
+            </a:extLst>
+          </p:cNvPr>
+          <p:cNvPicPr>
+            <a:picLocks noChangeAspect="1" noChangeArrowheads="1"/>
+          </p:cNvPicPr>
+          <p:nvPr/>
+        </p:nvPicPr>
+        <p:blipFill>
+          <a:blip r:embed="rId2">
+            <a:extLst>
+              <a:ext uri="{28A0092B-C50C-407E-A947-70E740481C1C}">
+                <a14:useLocalDpi xmlns:a14="http://schemas.microsoft.com/office/drawing/2010/main" val="0"/>
+              </a:ext>
+            </a:extLst>
+          </a:blip>
+          <a:srcRect/>
+          <a:stretch>
+            <a:fillRect/>
+          </a:stretch>
+        </p:blipFill>
+        <p:spPr bwMode="auto">
+          <a:xfrm>
+            <a:off x="4307080" y="-24600862"/>
+            <a:ext cx="3577839" cy="2012534"/>
+          </a:xfrm>
+          <a:prstGeom prst="rect">
+            <a:avLst/>
+          </a:prstGeom>
+          <a:noFill/>
+          <a:extLst>
+            <a:ext uri="{909E8E84-426E-40DD-AFC4-6F175D3DCCD1}">
+              <a14:hiddenFill xmlns:a14="http://schemas.microsoft.com/office/drawing/2010/main">
+                <a:solidFill>
+                  <a:srgbClr val="FFFFFF"/>
+                </a:solidFill>
+              </a14:hiddenFill>
+            </a:ext>
+          </a:extLst>
+        </p:spPr>
+      </p:pic>
     </p:spTree>
     <p:extLst>
       <p:ext uri="{BB962C8B-B14F-4D97-AF65-F5344CB8AC3E}">
-        <p14:creationId xmlns:p14="http://schemas.microsoft.com/office/powerpoint/2010/main" val="3877356051"/>
+        <p14:creationId xmlns:p14="http://schemas.microsoft.com/office/powerpoint/2010/main" val="2221032264"/>
       </p:ext>
     </p:extLst>
   </p:cSld>
   <p:clrMapOvr>
     <a:masterClrMapping/>
   </p:clrMapOvr>
-  <mc:AlternateContent xmlns:mc="http://schemas.openxmlformats.org/markup-compatibility/2006">
-    <mc:Choice xmlns:p159="http://schemas.microsoft.com/office/powerpoint/2015/09/main" Requires="p159">
+  <mc:AlternateContent xmlns:mc="http://schemas.openxmlformats.org/markup-compatibility/2006" xmlns:p159="http://schemas.microsoft.com/office/powerpoint/2015/09/main">
+    <mc:Choice Requires="p159">
       <p:transition xmlns:p14="http://schemas.microsoft.com/office/powerpoint/2010/main" spd="slow" p14:dur="2000">
         <p159:morph option="byObject"/>
       </p:transition>
     </mc:Choice>
-    <mc:Fallback>
+    <mc:Fallback xmlns="">
       <p:transition spd="slow">
         <p:fade/>
       </p:transition>
@@ -6133,8 +6663,8 @@
         </p:nvGrpSpPr>
         <p:grpSpPr>
           <a:xfrm>
-            <a:off x="-1038839" y="0"/>
-            <a:ext cx="16627181" cy="6858000"/>
+            <a:off x="-1038838" y="0"/>
+            <a:ext cx="2305040" cy="6858000"/>
             <a:chOff x="-1038838" y="0"/>
             <a:chExt cx="2305040" cy="6858000"/>
           </a:xfrm>
@@ -6246,10 +6776,10 @@
       </p:grpSp>
       <p:pic>
         <p:nvPicPr>
-          <p:cNvPr id="18" name="Picture 2" descr="File:Python-logo-notext.svg - Wikipedia">
-            <a:extLst>
-              <a:ext uri="{FF2B5EF4-FFF2-40B4-BE49-F238E27FC236}">
-                <a16:creationId xmlns:a16="http://schemas.microsoft.com/office/drawing/2014/main" id="{7E97AB17-6273-43AB-BBC3-CFDE595CD1A5}"/>
+          <p:cNvPr id="1026" name="Picture 2" descr="GitHub Logo, symbol, meaning, history, PNG, brand">
+            <a:extLst>
+              <a:ext uri="{FF2B5EF4-FFF2-40B4-BE49-F238E27FC236}">
+                <a16:creationId xmlns:a16="http://schemas.microsoft.com/office/drawing/2014/main" id="{3B1F2D6C-7D7B-4687-9BD0-C12655D67D1F}"/>
               </a:ext>
             </a:extLst>
           </p:cNvPr>
@@ -6273,8 +6803,8 @@
         </p:blipFill>
         <p:spPr bwMode="auto">
           <a:xfrm>
-            <a:off x="-3310599" y="1334748"/>
-            <a:ext cx="2824343" cy="3095171"/>
+            <a:off x="4677464" y="-10696"/>
+            <a:ext cx="3577839" cy="2012534"/>
           </a:xfrm>
           <a:prstGeom prst="rect">
             <a:avLst/>
@@ -6291,23 +6821,186 @@
           </a:extLst>
         </p:spPr>
       </p:pic>
+      <p:sp>
+        <p:nvSpPr>
+          <p:cNvPr id="17" name="Téglalap: lekerekített 16">
+            <a:extLst>
+              <a:ext uri="{FF2B5EF4-FFF2-40B4-BE49-F238E27FC236}">
+                <a16:creationId xmlns:a16="http://schemas.microsoft.com/office/drawing/2014/main" id="{0ACA913B-D459-40B7-BE92-033907617751}"/>
+              </a:ext>
+            </a:extLst>
+          </p:cNvPr>
+          <p:cNvSpPr/>
+          <p:nvPr/>
+        </p:nvSpPr>
+        <p:spPr>
+          <a:xfrm>
+            <a:off x="1108520" y="17017712"/>
+            <a:ext cx="3619500" cy="4412040"/>
+          </a:xfrm>
+          <a:prstGeom prst="roundRect">
+            <a:avLst/>
+          </a:prstGeom>
+          <a:blipFill>
+            <a:blip r:embed="rId3"/>
+            <a:stretch>
+              <a:fillRect/>
+            </a:stretch>
+          </a:blipFill>
+          <a:ln>
+            <a:noFill/>
+          </a:ln>
+        </p:spPr>
+        <p:style>
+          <a:lnRef idx="2">
+            <a:schemeClr val="accent1">
+              <a:shade val="50000"/>
+            </a:schemeClr>
+          </a:lnRef>
+          <a:fillRef idx="1">
+            <a:schemeClr val="accent1"/>
+          </a:fillRef>
+          <a:effectRef idx="0">
+            <a:schemeClr val="accent1"/>
+          </a:effectRef>
+          <a:fontRef idx="minor">
+            <a:schemeClr val="lt1"/>
+          </a:fontRef>
+        </p:style>
+        <p:txBody>
+          <a:bodyPr rtlCol="0" anchor="ctr"/>
+          <a:lstStyle/>
+          <a:p>
+            <a:pPr algn="ctr"/>
+            <a:endParaRPr lang="hu-HU"/>
+          </a:p>
+        </p:txBody>
+      </p:sp>
+      <p:sp>
+        <p:nvSpPr>
+          <p:cNvPr id="18" name="Téglalap: lekerekített 17">
+            <a:extLst>
+              <a:ext uri="{FF2B5EF4-FFF2-40B4-BE49-F238E27FC236}">
+                <a16:creationId xmlns:a16="http://schemas.microsoft.com/office/drawing/2014/main" id="{DD491E94-BEC7-45A2-9794-6397BAB5F07F}"/>
+              </a:ext>
+            </a:extLst>
+          </p:cNvPr>
+          <p:cNvSpPr/>
+          <p:nvPr/>
+        </p:nvSpPr>
+        <p:spPr>
+          <a:xfrm>
+            <a:off x="9910696" y="28193712"/>
+            <a:ext cx="3619500" cy="4381278"/>
+          </a:xfrm>
+          <a:prstGeom prst="roundRect">
+            <a:avLst/>
+          </a:prstGeom>
+          <a:blipFill dpi="0" rotWithShape="1">
+            <a:blip r:embed="rId4"/>
+            <a:srcRect/>
+            <a:stretch>
+              <a:fillRect b="-10000"/>
+            </a:stretch>
+          </a:blipFill>
+          <a:ln w="57150">
+            <a:noFill/>
+          </a:ln>
+        </p:spPr>
+        <p:style>
+          <a:lnRef idx="2">
+            <a:schemeClr val="accent1">
+              <a:shade val="50000"/>
+            </a:schemeClr>
+          </a:lnRef>
+          <a:fillRef idx="1">
+            <a:schemeClr val="accent1"/>
+          </a:fillRef>
+          <a:effectRef idx="0">
+            <a:schemeClr val="accent1"/>
+          </a:effectRef>
+          <a:fontRef idx="minor">
+            <a:schemeClr val="lt1"/>
+          </a:fontRef>
+        </p:style>
+        <p:txBody>
+          <a:bodyPr rtlCol="0" anchor="ctr"/>
+          <a:lstStyle/>
+          <a:p>
+            <a:pPr algn="ctr"/>
+            <a:endParaRPr lang="hu-HU"/>
+          </a:p>
+        </p:txBody>
+      </p:sp>
+      <p:sp>
+        <p:nvSpPr>
+          <p:cNvPr id="19" name="Téglalap: lekerekített 18">
+            <a:extLst>
+              <a:ext uri="{FF2B5EF4-FFF2-40B4-BE49-F238E27FC236}">
+                <a16:creationId xmlns:a16="http://schemas.microsoft.com/office/drawing/2014/main" id="{1385D0F2-5926-43AD-826C-0692EB39A668}"/>
+              </a:ext>
+            </a:extLst>
+          </p:cNvPr>
+          <p:cNvSpPr/>
+          <p:nvPr/>
+        </p:nvSpPr>
+        <p:spPr>
+          <a:xfrm>
+            <a:off x="19996783" y="40284112"/>
+            <a:ext cx="3619500" cy="4412040"/>
+          </a:xfrm>
+          <a:prstGeom prst="roundRect">
+            <a:avLst/>
+          </a:prstGeom>
+          <a:blipFill>
+            <a:blip r:embed="rId5"/>
+            <a:stretch>
+              <a:fillRect/>
+            </a:stretch>
+          </a:blipFill>
+        </p:spPr>
+        <p:style>
+          <a:lnRef idx="2">
+            <a:schemeClr val="accent1">
+              <a:shade val="50000"/>
+            </a:schemeClr>
+          </a:lnRef>
+          <a:fillRef idx="1">
+            <a:schemeClr val="accent1"/>
+          </a:fillRef>
+          <a:effectRef idx="0">
+            <a:schemeClr val="accent1"/>
+          </a:effectRef>
+          <a:fontRef idx="minor">
+            <a:schemeClr val="lt1"/>
+          </a:fontRef>
+        </p:style>
+        <p:txBody>
+          <a:bodyPr rtlCol="0" anchor="ctr"/>
+          <a:lstStyle/>
+          <a:p>
+            <a:pPr algn="ctr"/>
+            <a:endParaRPr lang="hu-HU"/>
+          </a:p>
+        </p:txBody>
+      </p:sp>
     </p:spTree>
     <p:extLst>
       <p:ext uri="{BB962C8B-B14F-4D97-AF65-F5344CB8AC3E}">
-        <p14:creationId xmlns:p14="http://schemas.microsoft.com/office/powerpoint/2010/main" val="4291518789"/>
+        <p14:creationId xmlns:p14="http://schemas.microsoft.com/office/powerpoint/2010/main" val="3877356051"/>
       </p:ext>
     </p:extLst>
   </p:cSld>
   <p:clrMapOvr>
     <a:masterClrMapping/>
   </p:clrMapOvr>
-  <mc:AlternateContent xmlns:mc="http://schemas.openxmlformats.org/markup-compatibility/2006">
-    <mc:Choice xmlns:p159="http://schemas.microsoft.com/office/powerpoint/2015/09/main" Requires="p159">
+  <mc:AlternateContent xmlns:mc="http://schemas.openxmlformats.org/markup-compatibility/2006" xmlns:p159="http://schemas.microsoft.com/office/powerpoint/2015/09/main">
+    <mc:Choice Requires="p159">
       <p:transition xmlns:p14="http://schemas.microsoft.com/office/powerpoint/2010/main" spd="slow" p14:dur="2000">
         <p159:morph option="byObject"/>
       </p:transition>
     </mc:Choice>
-    <mc:Fallback>
+    <mc:Fallback xmlns="">
       <p:transition spd="slow">
         <p:fade/>
       </p:transition>
@@ -6335,6 +7028,48 @@
       </p:grpSpPr>
       <p:sp>
         <p:nvSpPr>
+          <p:cNvPr id="26" name="Szövegdoboz 25">
+            <a:extLst>
+              <a:ext uri="{FF2B5EF4-FFF2-40B4-BE49-F238E27FC236}">
+                <a16:creationId xmlns:a16="http://schemas.microsoft.com/office/drawing/2014/main" id="{6FAD1AD6-5450-4EF4-87C6-A2FEAA90FCAC}"/>
+              </a:ext>
+            </a:extLst>
+          </p:cNvPr>
+          <p:cNvSpPr txBox="1"/>
+          <p:nvPr/>
+        </p:nvSpPr>
+        <p:spPr>
+          <a:xfrm>
+            <a:off x="4326196" y="5180737"/>
+            <a:ext cx="3619500" cy="584775"/>
+          </a:xfrm>
+          <a:prstGeom prst="rect">
+            <a:avLst/>
+          </a:prstGeom>
+          <a:noFill/>
+        </p:spPr>
+        <p:txBody>
+          <a:bodyPr wrap="square" rtlCol="0">
+            <a:spAutoFit/>
+          </a:bodyPr>
+          <a:lstStyle/>
+          <a:p>
+            <a:pPr algn="ctr"/>
+            <a:r>
+              <a:rPr lang="hu-HU" sz="3200" dirty="0">
+                <a:ln>
+                  <a:solidFill>
+                    <a:schemeClr val="tx1"/>
+                  </a:solidFill>
+                </a:ln>
+              </a:rPr>
+              <a:t>Szollinger Rajmund</a:t>
+            </a:r>
+          </a:p>
+        </p:txBody>
+      </p:sp>
+      <p:sp>
+        <p:nvSpPr>
           <p:cNvPr id="2" name="Cím 1">
             <a:extLst>
               <a:ext uri="{FF2B5EF4-FFF2-40B4-BE49-F238E27FC236}">
@@ -6396,9 +7131,9 @@
           <p:nvPr/>
         </p:nvGrpSpPr>
         <p:grpSpPr>
-          <a:xfrm flipH="1">
-            <a:off x="14122399" y="420914"/>
-            <a:ext cx="1059544" cy="6437086"/>
+          <a:xfrm>
+            <a:off x="336954" y="0"/>
+            <a:ext cx="13785445" cy="6858000"/>
             <a:chOff x="336956" y="0"/>
             <a:chExt cx="3833392" cy="6858000"/>
           </a:xfrm>
@@ -6522,8 +7257,8 @@
         </p:nvGrpSpPr>
         <p:grpSpPr>
           <a:xfrm>
-            <a:off x="14122399" y="159656"/>
-            <a:ext cx="420914" cy="6698343"/>
+            <a:off x="-139820" y="0"/>
+            <a:ext cx="14683133" cy="6858000"/>
             <a:chOff x="-139819" y="0"/>
             <a:chExt cx="3365084" cy="6858000"/>
           </a:xfrm>
@@ -6647,8 +7382,8 @@
         </p:nvGrpSpPr>
         <p:grpSpPr>
           <a:xfrm>
-            <a:off x="13800141" y="0"/>
-            <a:ext cx="1207630" cy="6858000"/>
+            <a:off x="-597427" y="0"/>
+            <a:ext cx="15605198" cy="6858000"/>
             <a:chOff x="-597427" y="0"/>
             <a:chExt cx="2918262" cy="6858000"/>
           </a:xfrm>
@@ -6772,8 +7507,8 @@
         </p:nvGrpSpPr>
         <p:grpSpPr>
           <a:xfrm>
-            <a:off x="13800141" y="0"/>
-            <a:ext cx="1788201" cy="6858000"/>
+            <a:off x="-1019789" y="-66675"/>
+            <a:ext cx="16627181" cy="6955215"/>
             <a:chOff x="-1038838" y="0"/>
             <a:chExt cx="2305040" cy="6858000"/>
           </a:xfrm>
@@ -6883,6 +7618,1608 @@
           </p:txBody>
         </p:sp>
       </p:grpSp>
+      <p:sp>
+        <p:nvSpPr>
+          <p:cNvPr id="4" name="Szövegdoboz 3">
+            <a:extLst>
+              <a:ext uri="{FF2B5EF4-FFF2-40B4-BE49-F238E27FC236}">
+                <a16:creationId xmlns:a16="http://schemas.microsoft.com/office/drawing/2014/main" id="{D84E9F01-8A94-4E57-8055-17EF6F285A59}"/>
+              </a:ext>
+            </a:extLst>
+          </p:cNvPr>
+          <p:cNvSpPr txBox="1"/>
+          <p:nvPr/>
+        </p:nvSpPr>
+        <p:spPr>
+          <a:xfrm>
+            <a:off x="3544035" y="30540"/>
+            <a:ext cx="6572250" cy="1569660"/>
+          </a:xfrm>
+          <a:prstGeom prst="rect">
+            <a:avLst/>
+          </a:prstGeom>
+          <a:noFill/>
+        </p:spPr>
+        <p:txBody>
+          <a:bodyPr wrap="square" rtlCol="0">
+            <a:spAutoFit/>
+          </a:bodyPr>
+          <a:lstStyle/>
+          <a:p>
+            <a:r>
+              <a:rPr lang="hu-HU" sz="9600" dirty="0">
+                <a:latin typeface="Lilita one" panose="02000000000000000000" pitchFamily="2" charset="0"/>
+              </a:rPr>
+              <a:t>Csapatunk</a:t>
+            </a:r>
+          </a:p>
+        </p:txBody>
+      </p:sp>
+      <p:sp>
+        <p:nvSpPr>
+          <p:cNvPr id="29" name="Szövegdoboz 28">
+            <a:extLst>
+              <a:ext uri="{FF2B5EF4-FFF2-40B4-BE49-F238E27FC236}">
+                <a16:creationId xmlns:a16="http://schemas.microsoft.com/office/drawing/2014/main" id="{BA7FBD93-3F6E-49ED-BAC0-D0FF5BB96F12}"/>
+              </a:ext>
+            </a:extLst>
+          </p:cNvPr>
+          <p:cNvSpPr txBox="1"/>
+          <p:nvPr/>
+        </p:nvSpPr>
+        <p:spPr>
+          <a:xfrm>
+            <a:off x="4338489" y="5166561"/>
+            <a:ext cx="3619500" cy="584775"/>
+          </a:xfrm>
+          <a:prstGeom prst="rect">
+            <a:avLst/>
+          </a:prstGeom>
+          <a:noFill/>
+        </p:spPr>
+        <p:txBody>
+          <a:bodyPr wrap="square" rtlCol="0">
+            <a:spAutoFit/>
+          </a:bodyPr>
+          <a:lstStyle/>
+          <a:p>
+            <a:pPr algn="ctr"/>
+            <a:r>
+              <a:rPr lang="hu-HU" sz="3200" dirty="0">
+                <a:ln>
+                  <a:solidFill>
+                    <a:schemeClr val="tx1"/>
+                  </a:solidFill>
+                </a:ln>
+              </a:rPr>
+              <a:t>Szollinger Rajmund</a:t>
+            </a:r>
+          </a:p>
+        </p:txBody>
+      </p:sp>
+      <p:sp>
+        <p:nvSpPr>
+          <p:cNvPr id="19" name="Téglalap: lekerekített 18">
+            <a:extLst>
+              <a:ext uri="{FF2B5EF4-FFF2-40B4-BE49-F238E27FC236}">
+                <a16:creationId xmlns:a16="http://schemas.microsoft.com/office/drawing/2014/main" id="{CE07F0F7-3905-4390-A4D8-8520EB13FDA0}"/>
+              </a:ext>
+            </a:extLst>
+          </p:cNvPr>
+          <p:cNvSpPr/>
+          <p:nvPr/>
+        </p:nvSpPr>
+        <p:spPr>
+          <a:xfrm>
+            <a:off x="4329857" y="1600200"/>
+            <a:ext cx="3619500" cy="4412040"/>
+          </a:xfrm>
+          <a:prstGeom prst="roundRect">
+            <a:avLst/>
+          </a:prstGeom>
+          <a:blipFill dpi="0" rotWithShape="1">
+            <a:blip r:embed="rId2"/>
+            <a:srcRect/>
+            <a:stretch>
+              <a:fillRect b="-10000"/>
+            </a:stretch>
+          </a:blipFill>
+          <a:ln w="57150">
+            <a:noFill/>
+          </a:ln>
+        </p:spPr>
+        <p:style>
+          <a:lnRef idx="2">
+            <a:schemeClr val="accent1">
+              <a:shade val="50000"/>
+            </a:schemeClr>
+          </a:lnRef>
+          <a:fillRef idx="1">
+            <a:schemeClr val="accent1"/>
+          </a:fillRef>
+          <a:effectRef idx="0">
+            <a:schemeClr val="accent1"/>
+          </a:effectRef>
+          <a:fontRef idx="minor">
+            <a:schemeClr val="lt1"/>
+          </a:fontRef>
+        </p:style>
+        <p:txBody>
+          <a:bodyPr rtlCol="0" anchor="ctr"/>
+          <a:lstStyle/>
+          <a:p>
+            <a:pPr algn="ctr"/>
+            <a:endParaRPr lang="hu-HU"/>
+          </a:p>
+        </p:txBody>
+      </p:sp>
+      <p:sp>
+        <p:nvSpPr>
+          <p:cNvPr id="27" name="Szövegdoboz 26">
+            <a:extLst>
+              <a:ext uri="{FF2B5EF4-FFF2-40B4-BE49-F238E27FC236}">
+                <a16:creationId xmlns:a16="http://schemas.microsoft.com/office/drawing/2014/main" id="{7600F41E-CD85-48C2-B06C-0BF182979887}"/>
+              </a:ext>
+            </a:extLst>
+          </p:cNvPr>
+          <p:cNvSpPr txBox="1"/>
+          <p:nvPr/>
+        </p:nvSpPr>
+        <p:spPr>
+          <a:xfrm>
+            <a:off x="8455903" y="5179874"/>
+            <a:ext cx="3609975" cy="584775"/>
+          </a:xfrm>
+          <a:prstGeom prst="rect">
+            <a:avLst/>
+          </a:prstGeom>
+          <a:noFill/>
+        </p:spPr>
+        <p:txBody>
+          <a:bodyPr wrap="square" rtlCol="0">
+            <a:spAutoFit/>
+          </a:bodyPr>
+          <a:lstStyle/>
+          <a:p>
+            <a:pPr algn="ctr"/>
+            <a:r>
+              <a:rPr lang="hu-HU" sz="3200" dirty="0">
+                <a:ln>
+                  <a:solidFill>
+                    <a:schemeClr val="tx1"/>
+                  </a:solidFill>
+                </a:ln>
+              </a:rPr>
+              <a:t>Major Bálint István</a:t>
+            </a:r>
+          </a:p>
+        </p:txBody>
+      </p:sp>
+      <p:sp>
+        <p:nvSpPr>
+          <p:cNvPr id="18" name="Szövegdoboz 17">
+            <a:extLst>
+              <a:ext uri="{FF2B5EF4-FFF2-40B4-BE49-F238E27FC236}">
+                <a16:creationId xmlns:a16="http://schemas.microsoft.com/office/drawing/2014/main" id="{67DB5A21-827B-4C3A-A8F4-BE254686DC37}"/>
+              </a:ext>
+            </a:extLst>
+          </p:cNvPr>
+          <p:cNvSpPr txBox="1"/>
+          <p:nvPr/>
+        </p:nvSpPr>
+        <p:spPr>
+          <a:xfrm>
+            <a:off x="245438" y="5080769"/>
+            <a:ext cx="3619500" cy="769441"/>
+          </a:xfrm>
+          <a:prstGeom prst="rect">
+            <a:avLst/>
+          </a:prstGeom>
+          <a:noFill/>
+        </p:spPr>
+        <p:txBody>
+          <a:bodyPr wrap="square" rtlCol="0">
+            <a:spAutoFit/>
+          </a:bodyPr>
+          <a:lstStyle/>
+          <a:p>
+            <a:r>
+              <a:rPr lang="hu-HU" sz="4400" dirty="0">
+                <a:ln>
+                  <a:solidFill>
+                    <a:schemeClr val="tx1"/>
+                  </a:solidFill>
+                </a:ln>
+              </a:rPr>
+              <a:t>Baracskai Dóra</a:t>
+            </a:r>
+          </a:p>
+        </p:txBody>
+      </p:sp>
+      <p:sp>
+        <p:nvSpPr>
+          <p:cNvPr id="17" name="Téglalap: lekerekített 16">
+            <a:extLst>
+              <a:ext uri="{FF2B5EF4-FFF2-40B4-BE49-F238E27FC236}">
+                <a16:creationId xmlns:a16="http://schemas.microsoft.com/office/drawing/2014/main" id="{F4935D1D-17DE-4387-AAD2-7C21E6E0B3EB}"/>
+              </a:ext>
+            </a:extLst>
+          </p:cNvPr>
+          <p:cNvSpPr/>
+          <p:nvPr/>
+        </p:nvSpPr>
+        <p:spPr>
+          <a:xfrm>
+            <a:off x="220242" y="1630740"/>
+            <a:ext cx="3619500" cy="4412040"/>
+          </a:xfrm>
+          <a:prstGeom prst="roundRect">
+            <a:avLst/>
+          </a:prstGeom>
+          <a:blipFill>
+            <a:blip r:embed="rId3"/>
+            <a:stretch>
+              <a:fillRect/>
+            </a:stretch>
+          </a:blipFill>
+          <a:ln>
+            <a:noFill/>
+          </a:ln>
+        </p:spPr>
+        <p:style>
+          <a:lnRef idx="2">
+            <a:schemeClr val="accent1">
+              <a:shade val="50000"/>
+            </a:schemeClr>
+          </a:lnRef>
+          <a:fillRef idx="1">
+            <a:schemeClr val="accent1"/>
+          </a:fillRef>
+          <a:effectRef idx="0">
+            <a:schemeClr val="accent1"/>
+          </a:effectRef>
+          <a:fontRef idx="minor">
+            <a:schemeClr val="lt1"/>
+          </a:fontRef>
+        </p:style>
+        <p:txBody>
+          <a:bodyPr rtlCol="0" anchor="ctr"/>
+          <a:lstStyle/>
+          <a:p>
+            <a:pPr algn="ctr"/>
+            <a:endParaRPr lang="hu-HU" dirty="0"/>
+          </a:p>
+        </p:txBody>
+      </p:sp>
+      <p:sp>
+        <p:nvSpPr>
+          <p:cNvPr id="23" name="Szövegdoboz 22">
+            <a:extLst>
+              <a:ext uri="{FF2B5EF4-FFF2-40B4-BE49-F238E27FC236}">
+                <a16:creationId xmlns:a16="http://schemas.microsoft.com/office/drawing/2014/main" id="{87AC5773-41BE-4FC5-91A3-0C162F446C3F}"/>
+              </a:ext>
+            </a:extLst>
+          </p:cNvPr>
+          <p:cNvSpPr txBox="1"/>
+          <p:nvPr/>
+        </p:nvSpPr>
+        <p:spPr>
+          <a:xfrm>
+            <a:off x="183585" y="5075832"/>
+            <a:ext cx="3619500" cy="769441"/>
+          </a:xfrm>
+          <a:prstGeom prst="rect">
+            <a:avLst/>
+          </a:prstGeom>
+          <a:noFill/>
+        </p:spPr>
+        <p:txBody>
+          <a:bodyPr wrap="square" rtlCol="0">
+            <a:spAutoFit/>
+          </a:bodyPr>
+          <a:lstStyle/>
+          <a:p>
+            <a:pPr algn="ctr"/>
+            <a:r>
+              <a:rPr lang="hu-HU" sz="4400" dirty="0">
+                <a:ln>
+                  <a:solidFill>
+                    <a:schemeClr val="tx1"/>
+                  </a:solidFill>
+                </a:ln>
+                <a:noFill/>
+              </a:rPr>
+              <a:t>Baracskai Dóra</a:t>
+            </a:r>
+          </a:p>
+        </p:txBody>
+      </p:sp>
+      <p:sp>
+        <p:nvSpPr>
+          <p:cNvPr id="24" name="Szövegdoboz 23">
+            <a:extLst>
+              <a:ext uri="{FF2B5EF4-FFF2-40B4-BE49-F238E27FC236}">
+                <a16:creationId xmlns:a16="http://schemas.microsoft.com/office/drawing/2014/main" id="{7DF4FAE4-AC21-4272-966C-6DA4960DF9E2}"/>
+              </a:ext>
+            </a:extLst>
+          </p:cNvPr>
+          <p:cNvSpPr txBox="1"/>
+          <p:nvPr/>
+        </p:nvSpPr>
+        <p:spPr>
+          <a:xfrm>
+            <a:off x="4341712" y="5179873"/>
+            <a:ext cx="3619500" cy="584775"/>
+          </a:xfrm>
+          <a:prstGeom prst="rect">
+            <a:avLst/>
+          </a:prstGeom>
+          <a:noFill/>
+        </p:spPr>
+        <p:txBody>
+          <a:bodyPr wrap="square" rtlCol="0">
+            <a:spAutoFit/>
+          </a:bodyPr>
+          <a:lstStyle/>
+          <a:p>
+            <a:pPr algn="ctr"/>
+            <a:r>
+              <a:rPr lang="hu-HU" sz="3200" dirty="0">
+                <a:ln>
+                  <a:solidFill>
+                    <a:schemeClr val="tx1"/>
+                  </a:solidFill>
+                </a:ln>
+                <a:noFill/>
+              </a:rPr>
+              <a:t>Szollinger Rajmund</a:t>
+            </a:r>
+          </a:p>
+        </p:txBody>
+      </p:sp>
+      <p:sp>
+        <p:nvSpPr>
+          <p:cNvPr id="20" name="Téglalap: lekerekített 19">
+            <a:extLst>
+              <a:ext uri="{FF2B5EF4-FFF2-40B4-BE49-F238E27FC236}">
+                <a16:creationId xmlns:a16="http://schemas.microsoft.com/office/drawing/2014/main" id="{C03378D9-48CF-4006-8A88-58EEFF9C6CC6}"/>
+              </a:ext>
+            </a:extLst>
+          </p:cNvPr>
+          <p:cNvSpPr/>
+          <p:nvPr/>
+        </p:nvSpPr>
+        <p:spPr>
+          <a:xfrm>
+            <a:off x="8446379" y="1569438"/>
+            <a:ext cx="3619500" cy="4412040"/>
+          </a:xfrm>
+          <a:prstGeom prst="roundRect">
+            <a:avLst/>
+          </a:prstGeom>
+          <a:blipFill>
+            <a:blip r:embed="rId4"/>
+            <a:stretch>
+              <a:fillRect/>
+            </a:stretch>
+          </a:blipFill>
+        </p:spPr>
+        <p:style>
+          <a:lnRef idx="2">
+            <a:schemeClr val="accent1">
+              <a:shade val="50000"/>
+            </a:schemeClr>
+          </a:lnRef>
+          <a:fillRef idx="1">
+            <a:schemeClr val="accent1"/>
+          </a:fillRef>
+          <a:effectRef idx="0">
+            <a:schemeClr val="accent1"/>
+          </a:effectRef>
+          <a:fontRef idx="minor">
+            <a:schemeClr val="lt1"/>
+          </a:fontRef>
+        </p:style>
+        <p:txBody>
+          <a:bodyPr rtlCol="0" anchor="ctr"/>
+          <a:lstStyle/>
+          <a:p>
+            <a:pPr algn="ctr"/>
+            <a:endParaRPr lang="hu-HU"/>
+          </a:p>
+        </p:txBody>
+      </p:sp>
+      <p:sp>
+        <p:nvSpPr>
+          <p:cNvPr id="30" name="Szövegdoboz 29">
+            <a:extLst>
+              <a:ext uri="{FF2B5EF4-FFF2-40B4-BE49-F238E27FC236}">
+                <a16:creationId xmlns:a16="http://schemas.microsoft.com/office/drawing/2014/main" id="{233C706C-82D6-4EEA-A33F-68312D088B15}"/>
+              </a:ext>
+            </a:extLst>
+          </p:cNvPr>
+          <p:cNvSpPr txBox="1"/>
+          <p:nvPr/>
+        </p:nvSpPr>
+        <p:spPr>
+          <a:xfrm>
+            <a:off x="8451086" y="5168916"/>
+            <a:ext cx="3619500" cy="584775"/>
+          </a:xfrm>
+          <a:prstGeom prst="rect">
+            <a:avLst/>
+          </a:prstGeom>
+          <a:noFill/>
+        </p:spPr>
+        <p:txBody>
+          <a:bodyPr wrap="square" rtlCol="0">
+            <a:spAutoFit/>
+          </a:bodyPr>
+          <a:lstStyle/>
+          <a:p>
+            <a:pPr algn="ctr"/>
+            <a:r>
+              <a:rPr lang="hu-HU" sz="3200" dirty="0">
+                <a:ln>
+                  <a:solidFill>
+                    <a:schemeClr val="tx1"/>
+                  </a:solidFill>
+                </a:ln>
+                <a:noFill/>
+              </a:rPr>
+              <a:t>Major Bálint István</a:t>
+            </a:r>
+          </a:p>
+        </p:txBody>
+      </p:sp>
+      <p:pic>
+        <p:nvPicPr>
+          <p:cNvPr id="31" name="Picture 2" descr="GitHub Logo, symbol, meaning, history, PNG, brand">
+            <a:extLst>
+              <a:ext uri="{FF2B5EF4-FFF2-40B4-BE49-F238E27FC236}">
+                <a16:creationId xmlns:a16="http://schemas.microsoft.com/office/drawing/2014/main" id="{14EFF225-7A41-4578-97C8-04BBF48BC9D2}"/>
+              </a:ext>
+            </a:extLst>
+          </p:cNvPr>
+          <p:cNvPicPr>
+            <a:picLocks noChangeAspect="1" noChangeArrowheads="1"/>
+          </p:cNvPicPr>
+          <p:nvPr/>
+        </p:nvPicPr>
+        <p:blipFill>
+          <a:blip r:embed="rId5">
+            <a:extLst>
+              <a:ext uri="{28A0092B-C50C-407E-A947-70E740481C1C}">
+                <a14:useLocalDpi xmlns:a14="http://schemas.microsoft.com/office/drawing/2010/main" val="0"/>
+              </a:ext>
+            </a:extLst>
+          </a:blip>
+          <a:srcRect/>
+          <a:stretch>
+            <a:fillRect/>
+          </a:stretch>
+        </p:blipFill>
+        <p:spPr bwMode="auto">
+          <a:xfrm>
+            <a:off x="14175286" y="-190897"/>
+            <a:ext cx="3577839" cy="2012534"/>
+          </a:xfrm>
+          <a:prstGeom prst="rect">
+            <a:avLst/>
+          </a:prstGeom>
+          <a:noFill/>
+          <a:extLst>
+            <a:ext uri="{909E8E84-426E-40DD-AFC4-6F175D3DCCD1}">
+              <a14:hiddenFill xmlns:a14="http://schemas.microsoft.com/office/drawing/2010/main">
+                <a:solidFill>
+                  <a:srgbClr val="FFFFFF"/>
+                </a:solidFill>
+              </a14:hiddenFill>
+            </a:ext>
+          </a:extLst>
+        </p:spPr>
+      </p:pic>
+    </p:spTree>
+    <p:extLst>
+      <p:ext uri="{BB962C8B-B14F-4D97-AF65-F5344CB8AC3E}">
+        <p14:creationId xmlns:p14="http://schemas.microsoft.com/office/powerpoint/2010/main" val="4291518789"/>
+      </p:ext>
+    </p:extLst>
+  </p:cSld>
+  <p:clrMapOvr>
+    <a:masterClrMapping/>
+  </p:clrMapOvr>
+  <mc:AlternateContent xmlns:mc="http://schemas.openxmlformats.org/markup-compatibility/2006" xmlns:p159="http://schemas.microsoft.com/office/powerpoint/2015/09/main">
+    <mc:Choice Requires="p159">
+      <p:transition xmlns:p14="http://schemas.microsoft.com/office/powerpoint/2010/main" spd="slow" p14:dur="2000">
+        <p159:morph option="byObject"/>
+      </p:transition>
+    </mc:Choice>
+    <mc:Fallback xmlns="">
+      <p:transition spd="slow">
+        <p:fade/>
+      </p:transition>
+    </mc:Fallback>
+  </mc:AlternateContent>
+</p:sld>
+</file>
+
+<file path=ppt/slides/slide7.xml><?xml version="1.0" encoding="utf-8"?>
+<p:sld xmlns:a="http://schemas.openxmlformats.org/drawingml/2006/main" xmlns:r="http://schemas.openxmlformats.org/officeDocument/2006/relationships" xmlns:p="http://schemas.openxmlformats.org/presentationml/2006/main">
+  <p:cSld>
+    <p:spTree>
+      <p:nvGrpSpPr>
+        <p:cNvPr id="1" name=""/>
+        <p:cNvGrpSpPr/>
+        <p:nvPr/>
+      </p:nvGrpSpPr>
+      <p:grpSpPr>
+        <a:xfrm>
+          <a:off x="0" y="0"/>
+          <a:ext cx="0" cy="0"/>
+          <a:chOff x="0" y="0"/>
+          <a:chExt cx="0" cy="0"/>
+        </a:xfrm>
+      </p:grpSpPr>
+      <p:sp>
+        <p:nvSpPr>
+          <p:cNvPr id="2" name="Cím 1">
+            <a:extLst>
+              <a:ext uri="{FF2B5EF4-FFF2-40B4-BE49-F238E27FC236}">
+                <a16:creationId xmlns:a16="http://schemas.microsoft.com/office/drawing/2014/main" id="{7C754CA1-5BF4-4480-B3AD-48E417E6BD74}"/>
+              </a:ext>
+            </a:extLst>
+          </p:cNvPr>
+          <p:cNvSpPr>
+            <a:spLocks noGrp="1"/>
+          </p:cNvSpPr>
+          <p:nvPr>
+            <p:ph type="ctrTitle"/>
+          </p:nvPr>
+        </p:nvSpPr>
+        <p:spPr/>
+        <p:txBody>
+          <a:bodyPr/>
+          <a:lstStyle/>
+          <a:p>
+            <a:endParaRPr lang="hu-HU"/>
+          </a:p>
+        </p:txBody>
+      </p:sp>
+      <p:sp>
+        <p:nvSpPr>
+          <p:cNvPr id="3" name="Alcím 2">
+            <a:extLst>
+              <a:ext uri="{FF2B5EF4-FFF2-40B4-BE49-F238E27FC236}">
+                <a16:creationId xmlns:a16="http://schemas.microsoft.com/office/drawing/2014/main" id="{6D713451-3440-44DF-B3E3-ABBE4493B601}"/>
+              </a:ext>
+            </a:extLst>
+          </p:cNvPr>
+          <p:cNvSpPr>
+            <a:spLocks noGrp="1"/>
+          </p:cNvSpPr>
+          <p:nvPr>
+            <p:ph type="subTitle" idx="1"/>
+          </p:nvPr>
+        </p:nvSpPr>
+        <p:spPr/>
+        <p:txBody>
+          <a:bodyPr/>
+          <a:lstStyle/>
+          <a:p>
+            <a:endParaRPr lang="hu-HU" dirty="0"/>
+          </a:p>
+        </p:txBody>
+      </p:sp>
+      <p:grpSp>
+        <p:nvGrpSpPr>
+          <p:cNvPr id="16" name="Csoportba foglalás 15">
+            <a:extLst>
+              <a:ext uri="{FF2B5EF4-FFF2-40B4-BE49-F238E27FC236}">
+                <a16:creationId xmlns:a16="http://schemas.microsoft.com/office/drawing/2014/main" id="{68F3711B-0507-417E-8116-05F288AE8B7C}"/>
+              </a:ext>
+            </a:extLst>
+          </p:cNvPr>
+          <p:cNvGrpSpPr/>
+          <p:nvPr/>
+        </p:nvGrpSpPr>
+        <p:grpSpPr>
+          <a:xfrm flipH="1">
+            <a:off x="14122399" y="420914"/>
+            <a:ext cx="1059544" cy="6437086"/>
+            <a:chOff x="336956" y="0"/>
+            <a:chExt cx="3833392" cy="6858000"/>
+          </a:xfrm>
+        </p:grpSpPr>
+        <p:sp>
+          <p:nvSpPr>
+            <p:cNvPr id="5" name="Téglalap: lekerekített 4">
+              <a:extLst>
+                <a:ext uri="{FF2B5EF4-FFF2-40B4-BE49-F238E27FC236}">
+                  <a16:creationId xmlns:a16="http://schemas.microsoft.com/office/drawing/2014/main" id="{CEBC76BC-6DD6-4724-9BC2-A9C31602B336}"/>
+                </a:ext>
+              </a:extLst>
+            </p:cNvPr>
+            <p:cNvSpPr/>
+            <p:nvPr/>
+          </p:nvSpPr>
+          <p:spPr>
+            <a:xfrm>
+              <a:off x="336956" y="0"/>
+              <a:ext cx="3611201" cy="6858000"/>
+            </a:xfrm>
+            <a:prstGeom prst="roundRect">
+              <a:avLst/>
+            </a:prstGeom>
+            <a:solidFill>
+              <a:srgbClr val="002163"/>
+            </a:solidFill>
+            <a:ln>
+              <a:noFill/>
+            </a:ln>
+          </p:spPr>
+          <p:style>
+            <a:lnRef idx="2">
+              <a:schemeClr val="accent1">
+                <a:shade val="50000"/>
+              </a:schemeClr>
+            </a:lnRef>
+            <a:fillRef idx="1">
+              <a:schemeClr val="accent1"/>
+            </a:fillRef>
+            <a:effectRef idx="0">
+              <a:schemeClr val="accent1"/>
+            </a:effectRef>
+            <a:fontRef idx="minor">
+              <a:schemeClr val="lt1"/>
+            </a:fontRef>
+          </p:style>
+          <p:txBody>
+            <a:bodyPr rtlCol="0" anchor="ctr"/>
+            <a:lstStyle/>
+            <a:p>
+              <a:pPr algn="ctr"/>
+              <a:endParaRPr lang="hu-HU"/>
+            </a:p>
+          </p:txBody>
+        </p:sp>
+        <p:sp>
+          <p:nvSpPr>
+            <p:cNvPr id="9" name="Téglalap: lekerekített 8">
+              <a:extLst>
+                <a:ext uri="{FF2B5EF4-FFF2-40B4-BE49-F238E27FC236}">
+                  <a16:creationId xmlns:a16="http://schemas.microsoft.com/office/drawing/2014/main" id="{0D5FD63B-734E-4DE4-929E-0D3BA5FF1AD6}"/>
+                </a:ext>
+              </a:extLst>
+            </p:cNvPr>
+            <p:cNvSpPr/>
+            <p:nvPr/>
+          </p:nvSpPr>
+          <p:spPr>
+            <a:xfrm>
+              <a:off x="3392680" y="1185729"/>
+              <a:ext cx="777668" cy="828942"/>
+            </a:xfrm>
+            <a:prstGeom prst="roundRect">
+              <a:avLst/>
+            </a:prstGeom>
+            <a:solidFill>
+              <a:srgbClr val="002163"/>
+            </a:solidFill>
+            <a:ln>
+              <a:noFill/>
+            </a:ln>
+          </p:spPr>
+          <p:style>
+            <a:lnRef idx="2">
+              <a:schemeClr val="accent1">
+                <a:shade val="50000"/>
+              </a:schemeClr>
+            </a:lnRef>
+            <a:fillRef idx="1">
+              <a:schemeClr val="accent1"/>
+            </a:fillRef>
+            <a:effectRef idx="0">
+              <a:schemeClr val="accent1"/>
+            </a:effectRef>
+            <a:fontRef idx="minor">
+              <a:schemeClr val="lt1"/>
+            </a:fontRef>
+          </p:style>
+          <p:txBody>
+            <a:bodyPr rtlCol="0" anchor="ctr"/>
+            <a:lstStyle/>
+            <a:p>
+              <a:pPr algn="ctr"/>
+              <a:endParaRPr lang="hu-HU"/>
+            </a:p>
+          </p:txBody>
+        </p:sp>
+      </p:grpSp>
+      <p:grpSp>
+        <p:nvGrpSpPr>
+          <p:cNvPr id="15" name="Csoportba foglalás 14">
+            <a:extLst>
+              <a:ext uri="{FF2B5EF4-FFF2-40B4-BE49-F238E27FC236}">
+                <a16:creationId xmlns:a16="http://schemas.microsoft.com/office/drawing/2014/main" id="{28E6957B-1BA9-41B4-BCCE-91EDAA92A405}"/>
+              </a:ext>
+            </a:extLst>
+          </p:cNvPr>
+          <p:cNvGrpSpPr/>
+          <p:nvPr/>
+        </p:nvGrpSpPr>
+        <p:grpSpPr>
+          <a:xfrm>
+            <a:off x="14122399" y="159656"/>
+            <a:ext cx="420914" cy="6698343"/>
+            <a:chOff x="-139819" y="0"/>
+            <a:chExt cx="3365084" cy="6858000"/>
+          </a:xfrm>
+        </p:grpSpPr>
+        <p:sp>
+          <p:nvSpPr>
+            <p:cNvPr id="6" name="Téglalap: lekerekített 5">
+              <a:extLst>
+                <a:ext uri="{FF2B5EF4-FFF2-40B4-BE49-F238E27FC236}">
+                  <a16:creationId xmlns:a16="http://schemas.microsoft.com/office/drawing/2014/main" id="{B1B5EA9F-8E4E-4843-8BC7-B8381E785676}"/>
+                </a:ext>
+              </a:extLst>
+            </p:cNvPr>
+            <p:cNvSpPr/>
+            <p:nvPr/>
+          </p:nvSpPr>
+          <p:spPr>
+            <a:xfrm>
+              <a:off x="-139819" y="0"/>
+              <a:ext cx="3118722" cy="6858000"/>
+            </a:xfrm>
+            <a:prstGeom prst="roundRect">
+              <a:avLst/>
+            </a:prstGeom>
+            <a:solidFill>
+              <a:srgbClr val="1CA9C9"/>
+            </a:solidFill>
+            <a:ln>
+              <a:noFill/>
+            </a:ln>
+          </p:spPr>
+          <p:style>
+            <a:lnRef idx="2">
+              <a:schemeClr val="accent1">
+                <a:shade val="50000"/>
+              </a:schemeClr>
+            </a:lnRef>
+            <a:fillRef idx="1">
+              <a:schemeClr val="accent1"/>
+            </a:fillRef>
+            <a:effectRef idx="0">
+              <a:schemeClr val="accent1"/>
+            </a:effectRef>
+            <a:fontRef idx="minor">
+              <a:schemeClr val="lt1"/>
+            </a:fontRef>
+          </p:style>
+          <p:txBody>
+            <a:bodyPr rtlCol="0" anchor="ctr"/>
+            <a:lstStyle/>
+            <a:p>
+              <a:pPr algn="ctr"/>
+              <a:endParaRPr lang="hu-HU"/>
+            </a:p>
+          </p:txBody>
+        </p:sp>
+        <p:sp>
+          <p:nvSpPr>
+            <p:cNvPr id="10" name="Téglalap: lekerekített 9">
+              <a:extLst>
+                <a:ext uri="{FF2B5EF4-FFF2-40B4-BE49-F238E27FC236}">
+                  <a16:creationId xmlns:a16="http://schemas.microsoft.com/office/drawing/2014/main" id="{F54F25B8-2B3A-489B-9562-9EEF8710B610}"/>
+                </a:ext>
+              </a:extLst>
+            </p:cNvPr>
+            <p:cNvSpPr/>
+            <p:nvPr/>
+          </p:nvSpPr>
+          <p:spPr>
+            <a:xfrm>
+              <a:off x="2447597" y="2600058"/>
+              <a:ext cx="777668" cy="828942"/>
+            </a:xfrm>
+            <a:prstGeom prst="roundRect">
+              <a:avLst/>
+            </a:prstGeom>
+            <a:solidFill>
+              <a:srgbClr val="1CA9C9"/>
+            </a:solidFill>
+            <a:ln>
+              <a:noFill/>
+            </a:ln>
+          </p:spPr>
+          <p:style>
+            <a:lnRef idx="2">
+              <a:schemeClr val="accent1">
+                <a:shade val="50000"/>
+              </a:schemeClr>
+            </a:lnRef>
+            <a:fillRef idx="1">
+              <a:schemeClr val="accent1"/>
+            </a:fillRef>
+            <a:effectRef idx="0">
+              <a:schemeClr val="accent1"/>
+            </a:effectRef>
+            <a:fontRef idx="minor">
+              <a:schemeClr val="lt1"/>
+            </a:fontRef>
+          </p:style>
+          <p:txBody>
+            <a:bodyPr rtlCol="0" anchor="ctr"/>
+            <a:lstStyle/>
+            <a:p>
+              <a:pPr algn="ctr"/>
+              <a:endParaRPr lang="hu-HU"/>
+            </a:p>
+          </p:txBody>
+        </p:sp>
+      </p:grpSp>
+      <p:grpSp>
+        <p:nvGrpSpPr>
+          <p:cNvPr id="14" name="Csoportba foglalás 13">
+            <a:extLst>
+              <a:ext uri="{FF2B5EF4-FFF2-40B4-BE49-F238E27FC236}">
+                <a16:creationId xmlns:a16="http://schemas.microsoft.com/office/drawing/2014/main" id="{B2FE0BD4-AE59-4939-B3AB-E0A6646A1716}"/>
+              </a:ext>
+            </a:extLst>
+          </p:cNvPr>
+          <p:cNvGrpSpPr/>
+          <p:nvPr/>
+        </p:nvGrpSpPr>
+        <p:grpSpPr>
+          <a:xfrm>
+            <a:off x="13800141" y="0"/>
+            <a:ext cx="1207630" cy="6858000"/>
+            <a:chOff x="-597427" y="0"/>
+            <a:chExt cx="2918262" cy="6858000"/>
+          </a:xfrm>
+        </p:grpSpPr>
+        <p:sp>
+          <p:nvSpPr>
+            <p:cNvPr id="7" name="Téglalap: lekerekített 6">
+              <a:extLst>
+                <a:ext uri="{FF2B5EF4-FFF2-40B4-BE49-F238E27FC236}">
+                  <a16:creationId xmlns:a16="http://schemas.microsoft.com/office/drawing/2014/main" id="{A0C1DA02-F7C9-47C4-B285-21C19F153DD6}"/>
+                </a:ext>
+              </a:extLst>
+            </p:cNvPr>
+            <p:cNvSpPr/>
+            <p:nvPr/>
+          </p:nvSpPr>
+          <p:spPr>
+            <a:xfrm>
+              <a:off x="-597427" y="0"/>
+              <a:ext cx="2641947" cy="6858000"/>
+            </a:xfrm>
+            <a:prstGeom prst="roundRect">
+              <a:avLst/>
+            </a:prstGeom>
+            <a:solidFill>
+              <a:srgbClr val="50C9E4"/>
+            </a:solidFill>
+            <a:ln>
+              <a:noFill/>
+            </a:ln>
+          </p:spPr>
+          <p:style>
+            <a:lnRef idx="2">
+              <a:schemeClr val="accent1">
+                <a:shade val="50000"/>
+              </a:schemeClr>
+            </a:lnRef>
+            <a:fillRef idx="1">
+              <a:schemeClr val="accent1"/>
+            </a:fillRef>
+            <a:effectRef idx="0">
+              <a:schemeClr val="accent1"/>
+            </a:effectRef>
+            <a:fontRef idx="minor">
+              <a:schemeClr val="lt1"/>
+            </a:fontRef>
+          </p:style>
+          <p:txBody>
+            <a:bodyPr rtlCol="0" anchor="ctr"/>
+            <a:lstStyle/>
+            <a:p>
+              <a:pPr algn="ctr"/>
+              <a:endParaRPr lang="hu-HU"/>
+            </a:p>
+          </p:txBody>
+        </p:sp>
+        <p:sp>
+          <p:nvSpPr>
+            <p:cNvPr id="11" name="Téglalap: lekerekített 10">
+              <a:extLst>
+                <a:ext uri="{FF2B5EF4-FFF2-40B4-BE49-F238E27FC236}">
+                  <a16:creationId xmlns:a16="http://schemas.microsoft.com/office/drawing/2014/main" id="{DBC2A341-511B-47E2-AC00-7B712AD3DA11}"/>
+                </a:ext>
+              </a:extLst>
+            </p:cNvPr>
+            <p:cNvSpPr/>
+            <p:nvPr/>
+          </p:nvSpPr>
+          <p:spPr>
+            <a:xfrm>
+              <a:off x="1543167" y="4015448"/>
+              <a:ext cx="777668" cy="828942"/>
+            </a:xfrm>
+            <a:prstGeom prst="roundRect">
+              <a:avLst/>
+            </a:prstGeom>
+            <a:solidFill>
+              <a:srgbClr val="50C9E4"/>
+            </a:solidFill>
+            <a:ln>
+              <a:noFill/>
+            </a:ln>
+          </p:spPr>
+          <p:style>
+            <a:lnRef idx="2">
+              <a:schemeClr val="accent1">
+                <a:shade val="50000"/>
+              </a:schemeClr>
+            </a:lnRef>
+            <a:fillRef idx="1">
+              <a:schemeClr val="accent1"/>
+            </a:fillRef>
+            <a:effectRef idx="0">
+              <a:schemeClr val="accent1"/>
+            </a:effectRef>
+            <a:fontRef idx="minor">
+              <a:schemeClr val="lt1"/>
+            </a:fontRef>
+          </p:style>
+          <p:txBody>
+            <a:bodyPr rtlCol="0" anchor="ctr"/>
+            <a:lstStyle/>
+            <a:p>
+              <a:pPr algn="ctr"/>
+              <a:endParaRPr lang="hu-HU"/>
+            </a:p>
+          </p:txBody>
+        </p:sp>
+      </p:grpSp>
+      <p:grpSp>
+        <p:nvGrpSpPr>
+          <p:cNvPr id="13" name="Csoportba foglalás 12">
+            <a:extLst>
+              <a:ext uri="{FF2B5EF4-FFF2-40B4-BE49-F238E27FC236}">
+                <a16:creationId xmlns:a16="http://schemas.microsoft.com/office/drawing/2014/main" id="{75DE81D4-7628-4D12-B432-4DC832BB4578}"/>
+              </a:ext>
+            </a:extLst>
+          </p:cNvPr>
+          <p:cNvGrpSpPr/>
+          <p:nvPr/>
+        </p:nvGrpSpPr>
+        <p:grpSpPr>
+          <a:xfrm>
+            <a:off x="14010768" y="-120851"/>
+            <a:ext cx="1788201" cy="6858000"/>
+            <a:chOff x="-1038838" y="0"/>
+            <a:chExt cx="2305040" cy="6858000"/>
+          </a:xfrm>
+        </p:grpSpPr>
+        <p:sp>
+          <p:nvSpPr>
+            <p:cNvPr id="8" name="Téglalap: lekerekített 7">
+              <a:extLst>
+                <a:ext uri="{FF2B5EF4-FFF2-40B4-BE49-F238E27FC236}">
+                  <a16:creationId xmlns:a16="http://schemas.microsoft.com/office/drawing/2014/main" id="{5BF4FA03-FAEA-41E7-977F-B056415753FF}"/>
+                </a:ext>
+              </a:extLst>
+            </p:cNvPr>
+            <p:cNvSpPr/>
+            <p:nvPr/>
+          </p:nvSpPr>
+          <p:spPr>
+            <a:xfrm>
+              <a:off x="-1038838" y="0"/>
+              <a:ext cx="2047242" cy="6858000"/>
+            </a:xfrm>
+            <a:prstGeom prst="roundRect">
+              <a:avLst/>
+            </a:prstGeom>
+            <a:solidFill>
+              <a:srgbClr val="FFDB58"/>
+            </a:solidFill>
+            <a:ln>
+              <a:noFill/>
+            </a:ln>
+          </p:spPr>
+          <p:style>
+            <a:lnRef idx="2">
+              <a:schemeClr val="accent1">
+                <a:shade val="50000"/>
+              </a:schemeClr>
+            </a:lnRef>
+            <a:fillRef idx="1">
+              <a:schemeClr val="accent1"/>
+            </a:fillRef>
+            <a:effectRef idx="0">
+              <a:schemeClr val="accent1"/>
+            </a:effectRef>
+            <a:fontRef idx="minor">
+              <a:schemeClr val="lt1"/>
+            </a:fontRef>
+          </p:style>
+          <p:txBody>
+            <a:bodyPr rtlCol="0" anchor="ctr"/>
+            <a:lstStyle/>
+            <a:p>
+              <a:pPr algn="ctr"/>
+              <a:endParaRPr lang="hu-HU"/>
+            </a:p>
+          </p:txBody>
+        </p:sp>
+        <p:sp>
+          <p:nvSpPr>
+            <p:cNvPr id="12" name="Téglalap: lekerekített 11">
+              <a:extLst>
+                <a:ext uri="{FF2B5EF4-FFF2-40B4-BE49-F238E27FC236}">
+                  <a16:creationId xmlns:a16="http://schemas.microsoft.com/office/drawing/2014/main" id="{374251F3-6355-404A-AE47-3B8A18BEEA1E}"/>
+                </a:ext>
+              </a:extLst>
+            </p:cNvPr>
+            <p:cNvSpPr/>
+            <p:nvPr/>
+          </p:nvSpPr>
+          <p:spPr>
+            <a:xfrm>
+              <a:off x="488534" y="5372805"/>
+              <a:ext cx="777668" cy="828942"/>
+            </a:xfrm>
+            <a:prstGeom prst="roundRect">
+              <a:avLst/>
+            </a:prstGeom>
+            <a:solidFill>
+              <a:srgbClr val="FFDB58"/>
+            </a:solidFill>
+            <a:ln>
+              <a:noFill/>
+            </a:ln>
+          </p:spPr>
+          <p:style>
+            <a:lnRef idx="2">
+              <a:schemeClr val="accent1">
+                <a:shade val="50000"/>
+              </a:schemeClr>
+            </a:lnRef>
+            <a:fillRef idx="1">
+              <a:schemeClr val="accent1"/>
+            </a:fillRef>
+            <a:effectRef idx="0">
+              <a:schemeClr val="accent1"/>
+            </a:effectRef>
+            <a:fontRef idx="minor">
+              <a:schemeClr val="lt1"/>
+            </a:fontRef>
+          </p:style>
+          <p:txBody>
+            <a:bodyPr rtlCol="0" anchor="ctr"/>
+            <a:lstStyle/>
+            <a:p>
+              <a:pPr algn="ctr"/>
+              <a:endParaRPr lang="hu-HU"/>
+            </a:p>
+          </p:txBody>
+        </p:sp>
+      </p:grpSp>
+      <p:sp>
+        <p:nvSpPr>
+          <p:cNvPr id="18" name="Szövegdoboz 17">
+            <a:extLst>
+              <a:ext uri="{FF2B5EF4-FFF2-40B4-BE49-F238E27FC236}">
+                <a16:creationId xmlns:a16="http://schemas.microsoft.com/office/drawing/2014/main" id="{673B6BB8-2079-42DE-B89B-FB9B5084229E}"/>
+              </a:ext>
+            </a:extLst>
+          </p:cNvPr>
+          <p:cNvSpPr txBox="1"/>
+          <p:nvPr/>
+        </p:nvSpPr>
+        <p:spPr>
+          <a:xfrm>
+            <a:off x="15879548" y="0"/>
+            <a:ext cx="6572250" cy="1569660"/>
+          </a:xfrm>
+          <a:prstGeom prst="rect">
+            <a:avLst/>
+          </a:prstGeom>
+          <a:noFill/>
+        </p:spPr>
+        <p:txBody>
+          <a:bodyPr wrap="square" rtlCol="0">
+            <a:spAutoFit/>
+          </a:bodyPr>
+          <a:lstStyle/>
+          <a:p>
+            <a:r>
+              <a:rPr lang="hu-HU" sz="9600" dirty="0">
+                <a:latin typeface="Lilita one" panose="02000000000000000000" pitchFamily="2" charset="0"/>
+              </a:rPr>
+              <a:t>Csapatunk</a:t>
+            </a:r>
+          </a:p>
+        </p:txBody>
+      </p:sp>
+      <p:sp>
+        <p:nvSpPr>
+          <p:cNvPr id="19" name="Téglalap: lekerekített 18">
+            <a:extLst>
+              <a:ext uri="{FF2B5EF4-FFF2-40B4-BE49-F238E27FC236}">
+                <a16:creationId xmlns:a16="http://schemas.microsoft.com/office/drawing/2014/main" id="{54067DD1-90CC-4BA4-A96F-3D4554F14767}"/>
+              </a:ext>
+            </a:extLst>
+          </p:cNvPr>
+          <p:cNvSpPr/>
+          <p:nvPr/>
+        </p:nvSpPr>
+        <p:spPr>
+          <a:xfrm>
+            <a:off x="15479965" y="1922900"/>
+            <a:ext cx="3619500" cy="4412040"/>
+          </a:xfrm>
+          <a:prstGeom prst="roundRect">
+            <a:avLst/>
+          </a:prstGeom>
+          <a:blipFill>
+            <a:blip r:embed="rId2"/>
+            <a:stretch>
+              <a:fillRect/>
+            </a:stretch>
+          </a:blipFill>
+          <a:ln>
+            <a:noFill/>
+          </a:ln>
+        </p:spPr>
+        <p:style>
+          <a:lnRef idx="2">
+            <a:schemeClr val="accent1">
+              <a:shade val="50000"/>
+            </a:schemeClr>
+          </a:lnRef>
+          <a:fillRef idx="1">
+            <a:schemeClr val="accent1"/>
+          </a:fillRef>
+          <a:effectRef idx="0">
+            <a:schemeClr val="accent1"/>
+          </a:effectRef>
+          <a:fontRef idx="minor">
+            <a:schemeClr val="lt1"/>
+          </a:fontRef>
+        </p:style>
+        <p:txBody>
+          <a:bodyPr rtlCol="0" anchor="ctr"/>
+          <a:lstStyle/>
+          <a:p>
+            <a:pPr algn="ctr"/>
+            <a:endParaRPr lang="hu-HU" dirty="0"/>
+          </a:p>
+        </p:txBody>
+      </p:sp>
+      <p:sp>
+        <p:nvSpPr>
+          <p:cNvPr id="20" name="Téglalap: lekerekített 19">
+            <a:extLst>
+              <a:ext uri="{FF2B5EF4-FFF2-40B4-BE49-F238E27FC236}">
+                <a16:creationId xmlns:a16="http://schemas.microsoft.com/office/drawing/2014/main" id="{F4A32EB2-00AA-402C-8454-9410743B0C5F}"/>
+              </a:ext>
+            </a:extLst>
+          </p:cNvPr>
+          <p:cNvSpPr/>
+          <p:nvPr/>
+        </p:nvSpPr>
+        <p:spPr>
+          <a:xfrm>
+            <a:off x="19682279" y="1932405"/>
+            <a:ext cx="3619500" cy="4412040"/>
+          </a:xfrm>
+          <a:prstGeom prst="roundRect">
+            <a:avLst/>
+          </a:prstGeom>
+          <a:blipFill dpi="0" rotWithShape="1">
+            <a:blip r:embed="rId3"/>
+            <a:srcRect/>
+            <a:stretch>
+              <a:fillRect b="-10000"/>
+            </a:stretch>
+          </a:blipFill>
+          <a:ln w="57150">
+            <a:noFill/>
+          </a:ln>
+        </p:spPr>
+        <p:style>
+          <a:lnRef idx="2">
+            <a:schemeClr val="accent1">
+              <a:shade val="50000"/>
+            </a:schemeClr>
+          </a:lnRef>
+          <a:fillRef idx="1">
+            <a:schemeClr val="accent1"/>
+          </a:fillRef>
+          <a:effectRef idx="0">
+            <a:schemeClr val="accent1"/>
+          </a:effectRef>
+          <a:fontRef idx="minor">
+            <a:schemeClr val="lt1"/>
+          </a:fontRef>
+        </p:style>
+        <p:txBody>
+          <a:bodyPr rtlCol="0" anchor="ctr"/>
+          <a:lstStyle/>
+          <a:p>
+            <a:pPr algn="ctr"/>
+            <a:endParaRPr lang="hu-HU"/>
+          </a:p>
+        </p:txBody>
+      </p:sp>
+      <p:sp>
+        <p:nvSpPr>
+          <p:cNvPr id="21" name="Téglalap: lekerekített 20">
+            <a:extLst>
+              <a:ext uri="{FF2B5EF4-FFF2-40B4-BE49-F238E27FC236}">
+                <a16:creationId xmlns:a16="http://schemas.microsoft.com/office/drawing/2014/main" id="{2809BA89-9418-470E-81B1-28EB080086CD}"/>
+              </a:ext>
+            </a:extLst>
+          </p:cNvPr>
+          <p:cNvSpPr/>
+          <p:nvPr/>
+        </p:nvSpPr>
+        <p:spPr>
+          <a:xfrm>
+            <a:off x="24177630" y="1932405"/>
+            <a:ext cx="3619500" cy="4412040"/>
+          </a:xfrm>
+          <a:prstGeom prst="roundRect">
+            <a:avLst/>
+          </a:prstGeom>
+          <a:blipFill>
+            <a:blip r:embed="rId4"/>
+            <a:stretch>
+              <a:fillRect/>
+            </a:stretch>
+          </a:blipFill>
+        </p:spPr>
+        <p:style>
+          <a:lnRef idx="2">
+            <a:schemeClr val="accent1">
+              <a:shade val="50000"/>
+            </a:schemeClr>
+          </a:lnRef>
+          <a:fillRef idx="1">
+            <a:schemeClr val="accent1"/>
+          </a:fillRef>
+          <a:effectRef idx="0">
+            <a:schemeClr val="accent1"/>
+          </a:effectRef>
+          <a:fontRef idx="minor">
+            <a:schemeClr val="lt1"/>
+          </a:fontRef>
+        </p:style>
+        <p:txBody>
+          <a:bodyPr rtlCol="0" anchor="ctr"/>
+          <a:lstStyle/>
+          <a:p>
+            <a:pPr algn="ctr"/>
+            <a:endParaRPr lang="hu-HU"/>
+          </a:p>
+        </p:txBody>
+      </p:sp>
+      <p:sp>
+        <p:nvSpPr>
+          <p:cNvPr id="22" name="Szövegdoboz 21">
+            <a:extLst>
+              <a:ext uri="{FF2B5EF4-FFF2-40B4-BE49-F238E27FC236}">
+                <a16:creationId xmlns:a16="http://schemas.microsoft.com/office/drawing/2014/main" id="{8BBD50BB-BE20-4071-B6C1-150972AA364C}"/>
+              </a:ext>
+            </a:extLst>
+          </p:cNvPr>
+          <p:cNvSpPr txBox="1"/>
+          <p:nvPr/>
+        </p:nvSpPr>
+        <p:spPr>
+          <a:xfrm>
+            <a:off x="15546173" y="5402555"/>
+            <a:ext cx="3619500" cy="769441"/>
+          </a:xfrm>
+          <a:prstGeom prst="rect">
+            <a:avLst/>
+          </a:prstGeom>
+          <a:noFill/>
+        </p:spPr>
+        <p:txBody>
+          <a:bodyPr wrap="square" rtlCol="0">
+            <a:spAutoFit/>
+          </a:bodyPr>
+          <a:lstStyle/>
+          <a:p>
+            <a:pPr algn="ctr"/>
+            <a:r>
+              <a:rPr lang="hu-HU" sz="4400" dirty="0">
+                <a:ln>
+                  <a:solidFill>
+                    <a:schemeClr val="tx1"/>
+                  </a:solidFill>
+                </a:ln>
+                <a:noFill/>
+              </a:rPr>
+              <a:t>Baracskai Dóra</a:t>
+            </a:r>
+          </a:p>
+        </p:txBody>
+      </p:sp>
+      <p:sp>
+        <p:nvSpPr>
+          <p:cNvPr id="23" name="Szövegdoboz 22">
+            <a:extLst>
+              <a:ext uri="{FF2B5EF4-FFF2-40B4-BE49-F238E27FC236}">
+                <a16:creationId xmlns:a16="http://schemas.microsoft.com/office/drawing/2014/main" id="{A513962C-9219-4D44-958E-D3E8669BB6C6}"/>
+              </a:ext>
+            </a:extLst>
+          </p:cNvPr>
+          <p:cNvSpPr txBox="1"/>
+          <p:nvPr/>
+        </p:nvSpPr>
+        <p:spPr>
+          <a:xfrm>
+            <a:off x="19552117" y="5587221"/>
+            <a:ext cx="3619500" cy="584775"/>
+          </a:xfrm>
+          <a:prstGeom prst="rect">
+            <a:avLst/>
+          </a:prstGeom>
+          <a:noFill/>
+        </p:spPr>
+        <p:txBody>
+          <a:bodyPr wrap="square" rtlCol="0">
+            <a:spAutoFit/>
+          </a:bodyPr>
+          <a:lstStyle/>
+          <a:p>
+            <a:pPr algn="ctr"/>
+            <a:r>
+              <a:rPr lang="hu-HU" sz="3200" dirty="0">
+                <a:ln>
+                  <a:solidFill>
+                    <a:schemeClr val="tx1"/>
+                  </a:solidFill>
+                </a:ln>
+                <a:noFill/>
+              </a:rPr>
+              <a:t>Szollinger Rajmund</a:t>
+            </a:r>
+          </a:p>
+        </p:txBody>
+      </p:sp>
+      <p:sp>
+        <p:nvSpPr>
+          <p:cNvPr id="24" name="Szövegdoboz 23">
+            <a:extLst>
+              <a:ext uri="{FF2B5EF4-FFF2-40B4-BE49-F238E27FC236}">
+                <a16:creationId xmlns:a16="http://schemas.microsoft.com/office/drawing/2014/main" id="{9C0C664C-A770-468F-B24F-EE173BB02FD1}"/>
+              </a:ext>
+            </a:extLst>
+          </p:cNvPr>
+          <p:cNvSpPr txBox="1"/>
+          <p:nvPr/>
+        </p:nvSpPr>
+        <p:spPr>
+          <a:xfrm>
+            <a:off x="24172867" y="5587220"/>
+            <a:ext cx="3619500" cy="584775"/>
+          </a:xfrm>
+          <a:prstGeom prst="rect">
+            <a:avLst/>
+          </a:prstGeom>
+          <a:noFill/>
+        </p:spPr>
+        <p:txBody>
+          <a:bodyPr wrap="square" rtlCol="0">
+            <a:spAutoFit/>
+          </a:bodyPr>
+          <a:lstStyle/>
+          <a:p>
+            <a:pPr algn="ctr"/>
+            <a:r>
+              <a:rPr lang="hu-HU" sz="3200" dirty="0">
+                <a:ln>
+                  <a:solidFill>
+                    <a:schemeClr val="tx1"/>
+                  </a:solidFill>
+                </a:ln>
+                <a:noFill/>
+              </a:rPr>
+              <a:t>Major Bálint István</a:t>
+            </a:r>
+          </a:p>
+        </p:txBody>
+      </p:sp>
+      <p:sp>
+        <p:nvSpPr>
+          <p:cNvPr id="27" name="Szövegdoboz 26">
+            <a:extLst>
+              <a:ext uri="{FF2B5EF4-FFF2-40B4-BE49-F238E27FC236}">
+                <a16:creationId xmlns:a16="http://schemas.microsoft.com/office/drawing/2014/main" id="{564814BE-B035-42AD-BB4E-41B79E4B529B}"/>
+              </a:ext>
+            </a:extLst>
+          </p:cNvPr>
+          <p:cNvSpPr txBox="1"/>
+          <p:nvPr/>
+        </p:nvSpPr>
+        <p:spPr>
+          <a:xfrm>
+            <a:off x="19552117" y="5616971"/>
+            <a:ext cx="3619500" cy="584775"/>
+          </a:xfrm>
+          <a:prstGeom prst="rect">
+            <a:avLst/>
+          </a:prstGeom>
+          <a:noFill/>
+        </p:spPr>
+        <p:txBody>
+          <a:bodyPr wrap="square" rtlCol="0">
+            <a:spAutoFit/>
+          </a:bodyPr>
+          <a:lstStyle/>
+          <a:p>
+            <a:pPr algn="ctr"/>
+            <a:r>
+              <a:rPr lang="hu-HU" sz="3200" dirty="0">
+                <a:ln>
+                  <a:solidFill>
+                    <a:schemeClr val="tx1"/>
+                  </a:solidFill>
+                </a:ln>
+              </a:rPr>
+              <a:t>Szollinger Rajmund</a:t>
+            </a:r>
+          </a:p>
+        </p:txBody>
+      </p:sp>
+      <p:sp>
+        <p:nvSpPr>
+          <p:cNvPr id="28" name="Szövegdoboz 27">
+            <a:extLst>
+              <a:ext uri="{FF2B5EF4-FFF2-40B4-BE49-F238E27FC236}">
+                <a16:creationId xmlns:a16="http://schemas.microsoft.com/office/drawing/2014/main" id="{9DA25C51-2E08-43BC-8600-F418A1818F45}"/>
+              </a:ext>
+            </a:extLst>
+          </p:cNvPr>
+          <p:cNvSpPr txBox="1"/>
+          <p:nvPr/>
+        </p:nvSpPr>
+        <p:spPr>
+          <a:xfrm>
+            <a:off x="15587244" y="5402554"/>
+            <a:ext cx="3619500" cy="769441"/>
+          </a:xfrm>
+          <a:prstGeom prst="rect">
+            <a:avLst/>
+          </a:prstGeom>
+          <a:noFill/>
+        </p:spPr>
+        <p:txBody>
+          <a:bodyPr wrap="square" rtlCol="0">
+            <a:spAutoFit/>
+          </a:bodyPr>
+          <a:lstStyle/>
+          <a:p>
+            <a:r>
+              <a:rPr lang="hu-HU" sz="4400" dirty="0">
+                <a:ln>
+                  <a:solidFill>
+                    <a:schemeClr val="tx1"/>
+                  </a:solidFill>
+                </a:ln>
+              </a:rPr>
+              <a:t>Baracskai Dóra</a:t>
+            </a:r>
+          </a:p>
+        </p:txBody>
+      </p:sp>
+      <p:sp>
+        <p:nvSpPr>
+          <p:cNvPr id="29" name="Szövegdoboz 28">
+            <a:extLst>
+              <a:ext uri="{FF2B5EF4-FFF2-40B4-BE49-F238E27FC236}">
+                <a16:creationId xmlns:a16="http://schemas.microsoft.com/office/drawing/2014/main" id="{B4405BBD-6535-4A8C-A314-19DB4245301A}"/>
+              </a:ext>
+            </a:extLst>
+          </p:cNvPr>
+          <p:cNvSpPr txBox="1"/>
+          <p:nvPr/>
+        </p:nvSpPr>
+        <p:spPr>
+          <a:xfrm>
+            <a:off x="24172867" y="5587219"/>
+            <a:ext cx="3609975" cy="584775"/>
+          </a:xfrm>
+          <a:prstGeom prst="rect">
+            <a:avLst/>
+          </a:prstGeom>
+          <a:noFill/>
+        </p:spPr>
+        <p:txBody>
+          <a:bodyPr wrap="square" rtlCol="0">
+            <a:spAutoFit/>
+          </a:bodyPr>
+          <a:lstStyle/>
+          <a:p>
+            <a:pPr algn="ctr"/>
+            <a:r>
+              <a:rPr lang="hu-HU" sz="3200" dirty="0">
+                <a:ln>
+                  <a:solidFill>
+                    <a:schemeClr val="tx1"/>
+                  </a:solidFill>
+                </a:ln>
+              </a:rPr>
+              <a:t>Major Bálint István</a:t>
+            </a:r>
+          </a:p>
+        </p:txBody>
+      </p:sp>
+      <p:sp>
+        <p:nvSpPr>
+          <p:cNvPr id="30" name="Téglalap: lekerekített 29">
+            <a:extLst>
+              <a:ext uri="{FF2B5EF4-FFF2-40B4-BE49-F238E27FC236}">
+                <a16:creationId xmlns:a16="http://schemas.microsoft.com/office/drawing/2014/main" id="{45C240EF-E2B7-4E47-97EF-225FA6327894}"/>
+              </a:ext>
+            </a:extLst>
+          </p:cNvPr>
+          <p:cNvSpPr/>
+          <p:nvPr/>
+        </p:nvSpPr>
+        <p:spPr>
+          <a:xfrm>
+            <a:off x="15457082" y="1932405"/>
+            <a:ext cx="3619500" cy="4412040"/>
+          </a:xfrm>
+          <a:prstGeom prst="roundRect">
+            <a:avLst/>
+          </a:prstGeom>
+          <a:blipFill>
+            <a:blip r:embed="rId2"/>
+            <a:stretch>
+              <a:fillRect/>
+            </a:stretch>
+          </a:blipFill>
+          <a:ln>
+            <a:noFill/>
+          </a:ln>
+        </p:spPr>
+        <p:style>
+          <a:lnRef idx="2">
+            <a:schemeClr val="accent1">
+              <a:shade val="50000"/>
+            </a:schemeClr>
+          </a:lnRef>
+          <a:fillRef idx="1">
+            <a:schemeClr val="accent1"/>
+          </a:fillRef>
+          <a:effectRef idx="0">
+            <a:schemeClr val="accent1"/>
+          </a:effectRef>
+          <a:fontRef idx="minor">
+            <a:schemeClr val="lt1"/>
+          </a:fontRef>
+        </p:style>
+        <p:txBody>
+          <a:bodyPr rtlCol="0" anchor="ctr"/>
+          <a:lstStyle/>
+          <a:p>
+            <a:pPr algn="ctr"/>
+            <a:endParaRPr lang="hu-HU" dirty="0"/>
+          </a:p>
+        </p:txBody>
+      </p:sp>
     </p:spTree>
     <p:extLst>
       <p:ext uri="{BB962C8B-B14F-4D97-AF65-F5344CB8AC3E}">
@@ -6893,18 +9230,450 @@
   <p:clrMapOvr>
     <a:masterClrMapping/>
   </p:clrMapOvr>
-  <mc:AlternateContent xmlns:mc="http://schemas.openxmlformats.org/markup-compatibility/2006">
-    <mc:Choice xmlns:p159="http://schemas.microsoft.com/office/powerpoint/2015/09/main" Requires="p159">
+  <mc:AlternateContent xmlns:mc="http://schemas.openxmlformats.org/markup-compatibility/2006" xmlns:p159="http://schemas.microsoft.com/office/powerpoint/2015/09/main">
+    <mc:Choice Requires="p159">
       <p:transition xmlns:p14="http://schemas.microsoft.com/office/powerpoint/2010/main" spd="slow" p14:dur="2000">
         <p159:morph option="byObject"/>
       </p:transition>
     </mc:Choice>
-    <mc:Fallback>
+    <mc:Fallback xmlns="">
       <p:transition spd="slow">
         <p:fade/>
       </p:transition>
     </mc:Fallback>
   </mc:AlternateContent>
+  <p:timing>
+    <p:tnLst>
+      <p:par>
+        <p:cTn id="1" dur="indefinite" restart="never" nodeType="tmRoot">
+          <p:childTnLst>
+            <p:seq concurrent="1" nextAc="seek">
+              <p:cTn id="2" dur="indefinite" nodeType="mainSeq">
+                <p:childTnLst>
+                  <p:par>
+                    <p:cTn id="3" fill="hold">
+                      <p:stCondLst>
+                        <p:cond delay="indefinite"/>
+                      </p:stCondLst>
+                      <p:childTnLst>
+                        <p:par>
+                          <p:cTn id="4" fill="hold">
+                            <p:stCondLst>
+                              <p:cond delay="0"/>
+                            </p:stCondLst>
+                            <p:childTnLst>
+                              <p:par>
+                                <p:cTn id="5" presetID="42" presetClass="entr" presetSubtype="0" fill="hold" grpId="0" nodeType="clickEffect">
+                                  <p:stCondLst>
+                                    <p:cond delay="0"/>
+                                  </p:stCondLst>
+                                  <p:childTnLst>
+                                    <p:set>
+                                      <p:cBhvr>
+                                        <p:cTn id="6" dur="1" fill="hold">
+                                          <p:stCondLst>
+                                            <p:cond delay="0"/>
+                                          </p:stCondLst>
+                                        </p:cTn>
+                                        <p:tgtEl>
+                                          <p:spTgt spid="19"/>
+                                        </p:tgtEl>
+                                        <p:attrNameLst>
+                                          <p:attrName>style.visibility</p:attrName>
+                                        </p:attrNameLst>
+                                      </p:cBhvr>
+                                      <p:to>
+                                        <p:strVal val="visible"/>
+                                      </p:to>
+                                    </p:set>
+                                    <p:animEffect transition="in" filter="fade">
+                                      <p:cBhvr>
+                                        <p:cTn id="7" dur="1000"/>
+                                        <p:tgtEl>
+                                          <p:spTgt spid="19"/>
+                                        </p:tgtEl>
+                                      </p:cBhvr>
+                                    </p:animEffect>
+                                    <p:anim calcmode="lin" valueType="num">
+                                      <p:cBhvr>
+                                        <p:cTn id="8" dur="1000" fill="hold"/>
+                                        <p:tgtEl>
+                                          <p:spTgt spid="19"/>
+                                        </p:tgtEl>
+                                        <p:attrNameLst>
+                                          <p:attrName>ppt_x</p:attrName>
+                                        </p:attrNameLst>
+                                      </p:cBhvr>
+                                      <p:tavLst>
+                                        <p:tav tm="0">
+                                          <p:val>
+                                            <p:strVal val="#ppt_x"/>
+                                          </p:val>
+                                        </p:tav>
+                                        <p:tav tm="100000">
+                                          <p:val>
+                                            <p:strVal val="#ppt_x"/>
+                                          </p:val>
+                                        </p:tav>
+                                      </p:tavLst>
+                                    </p:anim>
+                                    <p:anim calcmode="lin" valueType="num">
+                                      <p:cBhvr>
+                                        <p:cTn id="9" dur="1000" fill="hold"/>
+                                        <p:tgtEl>
+                                          <p:spTgt spid="19"/>
+                                        </p:tgtEl>
+                                        <p:attrNameLst>
+                                          <p:attrName>ppt_y</p:attrName>
+                                        </p:attrNameLst>
+                                      </p:cBhvr>
+                                      <p:tavLst>
+                                        <p:tav tm="0">
+                                          <p:val>
+                                            <p:strVal val="#ppt_y+.1"/>
+                                          </p:val>
+                                        </p:tav>
+                                        <p:tav tm="100000">
+                                          <p:val>
+                                            <p:strVal val="#ppt_y"/>
+                                          </p:val>
+                                        </p:tav>
+                                      </p:tavLst>
+                                    </p:anim>
+                                  </p:childTnLst>
+                                </p:cTn>
+                              </p:par>
+                            </p:childTnLst>
+                          </p:cTn>
+                        </p:par>
+                      </p:childTnLst>
+                    </p:cTn>
+                  </p:par>
+                  <p:par>
+                    <p:cTn id="10" fill="hold">
+                      <p:stCondLst>
+                        <p:cond delay="indefinite"/>
+                      </p:stCondLst>
+                      <p:childTnLst>
+                        <p:par>
+                          <p:cTn id="11" fill="hold">
+                            <p:stCondLst>
+                              <p:cond delay="0"/>
+                            </p:stCondLst>
+                            <p:childTnLst>
+                              <p:par>
+                                <p:cTn id="12" presetID="42" presetClass="entr" presetSubtype="0" fill="hold" grpId="0" nodeType="clickEffect">
+                                  <p:stCondLst>
+                                    <p:cond delay="0"/>
+                                  </p:stCondLst>
+                                  <p:childTnLst>
+                                    <p:set>
+                                      <p:cBhvr>
+                                        <p:cTn id="13" dur="1" fill="hold">
+                                          <p:stCondLst>
+                                            <p:cond delay="0"/>
+                                          </p:stCondLst>
+                                        </p:cTn>
+                                        <p:tgtEl>
+                                          <p:spTgt spid="20"/>
+                                        </p:tgtEl>
+                                        <p:attrNameLst>
+                                          <p:attrName>style.visibility</p:attrName>
+                                        </p:attrNameLst>
+                                      </p:cBhvr>
+                                      <p:to>
+                                        <p:strVal val="visible"/>
+                                      </p:to>
+                                    </p:set>
+                                    <p:animEffect transition="in" filter="fade">
+                                      <p:cBhvr>
+                                        <p:cTn id="14" dur="1000"/>
+                                        <p:tgtEl>
+                                          <p:spTgt spid="20"/>
+                                        </p:tgtEl>
+                                      </p:cBhvr>
+                                    </p:animEffect>
+                                    <p:anim calcmode="lin" valueType="num">
+                                      <p:cBhvr>
+                                        <p:cTn id="15" dur="1000" fill="hold"/>
+                                        <p:tgtEl>
+                                          <p:spTgt spid="20"/>
+                                        </p:tgtEl>
+                                        <p:attrNameLst>
+                                          <p:attrName>ppt_x</p:attrName>
+                                        </p:attrNameLst>
+                                      </p:cBhvr>
+                                      <p:tavLst>
+                                        <p:tav tm="0">
+                                          <p:val>
+                                            <p:strVal val="#ppt_x"/>
+                                          </p:val>
+                                        </p:tav>
+                                        <p:tav tm="100000">
+                                          <p:val>
+                                            <p:strVal val="#ppt_x"/>
+                                          </p:val>
+                                        </p:tav>
+                                      </p:tavLst>
+                                    </p:anim>
+                                    <p:anim calcmode="lin" valueType="num">
+                                      <p:cBhvr>
+                                        <p:cTn id="16" dur="1000" fill="hold"/>
+                                        <p:tgtEl>
+                                          <p:spTgt spid="20"/>
+                                        </p:tgtEl>
+                                        <p:attrNameLst>
+                                          <p:attrName>ppt_y</p:attrName>
+                                        </p:attrNameLst>
+                                      </p:cBhvr>
+                                      <p:tavLst>
+                                        <p:tav tm="0">
+                                          <p:val>
+                                            <p:strVal val="#ppt_y+.1"/>
+                                          </p:val>
+                                        </p:tav>
+                                        <p:tav tm="100000">
+                                          <p:val>
+                                            <p:strVal val="#ppt_y"/>
+                                          </p:val>
+                                        </p:tav>
+                                      </p:tavLst>
+                                    </p:anim>
+                                  </p:childTnLst>
+                                </p:cTn>
+                              </p:par>
+                            </p:childTnLst>
+                          </p:cTn>
+                        </p:par>
+                      </p:childTnLst>
+                    </p:cTn>
+                  </p:par>
+                  <p:par>
+                    <p:cTn id="17" fill="hold">
+                      <p:stCondLst>
+                        <p:cond delay="indefinite"/>
+                      </p:stCondLst>
+                      <p:childTnLst>
+                        <p:par>
+                          <p:cTn id="18" fill="hold">
+                            <p:stCondLst>
+                              <p:cond delay="0"/>
+                            </p:stCondLst>
+                            <p:childTnLst>
+                              <p:par>
+                                <p:cTn id="19" presetID="42" presetClass="entr" presetSubtype="0" fill="hold" grpId="0" nodeType="clickEffect">
+                                  <p:stCondLst>
+                                    <p:cond delay="0"/>
+                                  </p:stCondLst>
+                                  <p:childTnLst>
+                                    <p:set>
+                                      <p:cBhvr>
+                                        <p:cTn id="20" dur="1" fill="hold">
+                                          <p:stCondLst>
+                                            <p:cond delay="0"/>
+                                          </p:stCondLst>
+                                        </p:cTn>
+                                        <p:tgtEl>
+                                          <p:spTgt spid="21"/>
+                                        </p:tgtEl>
+                                        <p:attrNameLst>
+                                          <p:attrName>style.visibility</p:attrName>
+                                        </p:attrNameLst>
+                                      </p:cBhvr>
+                                      <p:to>
+                                        <p:strVal val="visible"/>
+                                      </p:to>
+                                    </p:set>
+                                    <p:animEffect transition="in" filter="fade">
+                                      <p:cBhvr>
+                                        <p:cTn id="21" dur="1000"/>
+                                        <p:tgtEl>
+                                          <p:spTgt spid="21"/>
+                                        </p:tgtEl>
+                                      </p:cBhvr>
+                                    </p:animEffect>
+                                    <p:anim calcmode="lin" valueType="num">
+                                      <p:cBhvr>
+                                        <p:cTn id="22" dur="1000" fill="hold"/>
+                                        <p:tgtEl>
+                                          <p:spTgt spid="21"/>
+                                        </p:tgtEl>
+                                        <p:attrNameLst>
+                                          <p:attrName>ppt_x</p:attrName>
+                                        </p:attrNameLst>
+                                      </p:cBhvr>
+                                      <p:tavLst>
+                                        <p:tav tm="0">
+                                          <p:val>
+                                            <p:strVal val="#ppt_x"/>
+                                          </p:val>
+                                        </p:tav>
+                                        <p:tav tm="100000">
+                                          <p:val>
+                                            <p:strVal val="#ppt_x"/>
+                                          </p:val>
+                                        </p:tav>
+                                      </p:tavLst>
+                                    </p:anim>
+                                    <p:anim calcmode="lin" valueType="num">
+                                      <p:cBhvr>
+                                        <p:cTn id="23" dur="1000" fill="hold"/>
+                                        <p:tgtEl>
+                                          <p:spTgt spid="21"/>
+                                        </p:tgtEl>
+                                        <p:attrNameLst>
+                                          <p:attrName>ppt_y</p:attrName>
+                                        </p:attrNameLst>
+                                      </p:cBhvr>
+                                      <p:tavLst>
+                                        <p:tav tm="0">
+                                          <p:val>
+                                            <p:strVal val="#ppt_y+.1"/>
+                                          </p:val>
+                                        </p:tav>
+                                        <p:tav tm="100000">
+                                          <p:val>
+                                            <p:strVal val="#ppt_y"/>
+                                          </p:val>
+                                        </p:tav>
+                                      </p:tavLst>
+                                    </p:anim>
+                                  </p:childTnLst>
+                                </p:cTn>
+                              </p:par>
+                            </p:childTnLst>
+                          </p:cTn>
+                        </p:par>
+                      </p:childTnLst>
+                    </p:cTn>
+                  </p:par>
+                  <p:par>
+                    <p:cTn id="24" fill="hold">
+                      <p:stCondLst>
+                        <p:cond delay="indefinite"/>
+                      </p:stCondLst>
+                      <p:childTnLst>
+                        <p:par>
+                          <p:cTn id="25" fill="hold">
+                            <p:stCondLst>
+                              <p:cond delay="0"/>
+                            </p:stCondLst>
+                            <p:childTnLst>
+                              <p:par>
+                                <p:cTn id="26" presetID="42" presetClass="entr" presetSubtype="0" fill="hold" grpId="0" nodeType="clickEffect">
+                                  <p:stCondLst>
+                                    <p:cond delay="0"/>
+                                  </p:stCondLst>
+                                  <p:childTnLst>
+                                    <p:set>
+                                      <p:cBhvr>
+                                        <p:cTn id="27" dur="1" fill="hold">
+                                          <p:stCondLst>
+                                            <p:cond delay="0"/>
+                                          </p:stCondLst>
+                                        </p:cTn>
+                                        <p:tgtEl>
+                                          <p:spTgt spid="30"/>
+                                        </p:tgtEl>
+                                        <p:attrNameLst>
+                                          <p:attrName>style.visibility</p:attrName>
+                                        </p:attrNameLst>
+                                      </p:cBhvr>
+                                      <p:to>
+                                        <p:strVal val="visible"/>
+                                      </p:to>
+                                    </p:set>
+                                    <p:animEffect transition="in" filter="fade">
+                                      <p:cBhvr>
+                                        <p:cTn id="28" dur="1000"/>
+                                        <p:tgtEl>
+                                          <p:spTgt spid="30"/>
+                                        </p:tgtEl>
+                                      </p:cBhvr>
+                                    </p:animEffect>
+                                    <p:anim calcmode="lin" valueType="num">
+                                      <p:cBhvr>
+                                        <p:cTn id="29" dur="1000" fill="hold"/>
+                                        <p:tgtEl>
+                                          <p:spTgt spid="30"/>
+                                        </p:tgtEl>
+                                        <p:attrNameLst>
+                                          <p:attrName>ppt_x</p:attrName>
+                                        </p:attrNameLst>
+                                      </p:cBhvr>
+                                      <p:tavLst>
+                                        <p:tav tm="0">
+                                          <p:val>
+                                            <p:strVal val="#ppt_x"/>
+                                          </p:val>
+                                        </p:tav>
+                                        <p:tav tm="100000">
+                                          <p:val>
+                                            <p:strVal val="#ppt_x"/>
+                                          </p:val>
+                                        </p:tav>
+                                      </p:tavLst>
+                                    </p:anim>
+                                    <p:anim calcmode="lin" valueType="num">
+                                      <p:cBhvr>
+                                        <p:cTn id="30" dur="1000" fill="hold"/>
+                                        <p:tgtEl>
+                                          <p:spTgt spid="30"/>
+                                        </p:tgtEl>
+                                        <p:attrNameLst>
+                                          <p:attrName>ppt_y</p:attrName>
+                                        </p:attrNameLst>
+                                      </p:cBhvr>
+                                      <p:tavLst>
+                                        <p:tav tm="0">
+                                          <p:val>
+                                            <p:strVal val="#ppt_y+.1"/>
+                                          </p:val>
+                                        </p:tav>
+                                        <p:tav tm="100000">
+                                          <p:val>
+                                            <p:strVal val="#ppt_y"/>
+                                          </p:val>
+                                        </p:tav>
+                                      </p:tavLst>
+                                    </p:anim>
+                                  </p:childTnLst>
+                                </p:cTn>
+                              </p:par>
+                            </p:childTnLst>
+                          </p:cTn>
+                        </p:par>
+                      </p:childTnLst>
+                    </p:cTn>
+                  </p:par>
+                </p:childTnLst>
+              </p:cTn>
+              <p:prevCondLst>
+                <p:cond evt="onPrev" delay="0">
+                  <p:tgtEl>
+                    <p:sldTgt/>
+                  </p:tgtEl>
+                </p:cond>
+              </p:prevCondLst>
+              <p:nextCondLst>
+                <p:cond evt="onNext" delay="0">
+                  <p:tgtEl>
+                    <p:sldTgt/>
+                  </p:tgtEl>
+                </p:cond>
+              </p:nextCondLst>
+            </p:seq>
+          </p:childTnLst>
+        </p:cTn>
+      </p:par>
+    </p:tnLst>
+    <p:bldLst>
+      <p:bldP spid="19" grpId="0" animBg="1"/>
+      <p:bldP spid="20" grpId="0" animBg="1"/>
+      <p:bldP spid="21" grpId="0" animBg="1"/>
+      <p:bldP spid="30" grpId="0" animBg="1"/>
+    </p:bldLst>
+  </p:timing>
 </p:sld>
 </file>
 

--- a/powerpoint.pptx
+++ b/powerpoint.pptx
@@ -12,6 +12,9 @@
     <p:sldId id="263" r:id="rId6"/>
     <p:sldId id="264" r:id="rId7"/>
     <p:sldId id="265" r:id="rId8"/>
+    <p:sldId id="268" r:id="rId9"/>
+    <p:sldId id="269" r:id="rId10"/>
+    <p:sldId id="271" r:id="rId11"/>
   </p:sldIdLst>
   <p:sldSz cx="12192000" cy="6858000"/>
   <p:notesSz cx="6858000" cy="9144000"/>
@@ -265,7 +268,7 @@
           <a:p>
             <a:fld id="{9249FF70-B285-4D3D-80DB-5BA50DBCDABD}" type="datetimeFigureOut">
               <a:rPr lang="hu-HU" smtClean="0"/>
-              <a:t>2024. 01. 28.</a:t>
+              <a:t>2024.02.02</a:t>
             </a:fld>
             <a:endParaRPr lang="hu-HU"/>
           </a:p>
@@ -463,7 +466,7 @@
           <a:p>
             <a:fld id="{9249FF70-B285-4D3D-80DB-5BA50DBCDABD}" type="datetimeFigureOut">
               <a:rPr lang="hu-HU" smtClean="0"/>
-              <a:t>2024. 01. 28.</a:t>
+              <a:t>2024.02.02</a:t>
             </a:fld>
             <a:endParaRPr lang="hu-HU"/>
           </a:p>
@@ -671,7 +674,7 @@
           <a:p>
             <a:fld id="{9249FF70-B285-4D3D-80DB-5BA50DBCDABD}" type="datetimeFigureOut">
               <a:rPr lang="hu-HU" smtClean="0"/>
-              <a:t>2024. 01. 28.</a:t>
+              <a:t>2024.02.02</a:t>
             </a:fld>
             <a:endParaRPr lang="hu-HU"/>
           </a:p>
@@ -869,7 +872,7 @@
           <a:p>
             <a:fld id="{9249FF70-B285-4D3D-80DB-5BA50DBCDABD}" type="datetimeFigureOut">
               <a:rPr lang="hu-HU" smtClean="0"/>
-              <a:t>2024. 01. 28.</a:t>
+              <a:t>2024.02.02</a:t>
             </a:fld>
             <a:endParaRPr lang="hu-HU"/>
           </a:p>
@@ -1144,7 +1147,7 @@
           <a:p>
             <a:fld id="{9249FF70-B285-4D3D-80DB-5BA50DBCDABD}" type="datetimeFigureOut">
               <a:rPr lang="hu-HU" smtClean="0"/>
-              <a:t>2024. 01. 28.</a:t>
+              <a:t>2024.02.02</a:t>
             </a:fld>
             <a:endParaRPr lang="hu-HU"/>
           </a:p>
@@ -1409,7 +1412,7 @@
           <a:p>
             <a:fld id="{9249FF70-B285-4D3D-80DB-5BA50DBCDABD}" type="datetimeFigureOut">
               <a:rPr lang="hu-HU" smtClean="0"/>
-              <a:t>2024. 01. 28.</a:t>
+              <a:t>2024.02.02</a:t>
             </a:fld>
             <a:endParaRPr lang="hu-HU"/>
           </a:p>
@@ -1821,7 +1824,7 @@
           <a:p>
             <a:fld id="{9249FF70-B285-4D3D-80DB-5BA50DBCDABD}" type="datetimeFigureOut">
               <a:rPr lang="hu-HU" smtClean="0"/>
-              <a:t>2024. 01. 28.</a:t>
+              <a:t>2024.02.02</a:t>
             </a:fld>
             <a:endParaRPr lang="hu-HU"/>
           </a:p>
@@ -1962,7 +1965,7 @@
           <a:p>
             <a:fld id="{9249FF70-B285-4D3D-80DB-5BA50DBCDABD}" type="datetimeFigureOut">
               <a:rPr lang="hu-HU" smtClean="0"/>
-              <a:t>2024. 01. 28.</a:t>
+              <a:t>2024.02.02</a:t>
             </a:fld>
             <a:endParaRPr lang="hu-HU"/>
           </a:p>
@@ -2075,7 +2078,7 @@
           <a:p>
             <a:fld id="{9249FF70-B285-4D3D-80DB-5BA50DBCDABD}" type="datetimeFigureOut">
               <a:rPr lang="hu-HU" smtClean="0"/>
-              <a:t>2024. 01. 28.</a:t>
+              <a:t>2024.02.02</a:t>
             </a:fld>
             <a:endParaRPr lang="hu-HU"/>
           </a:p>
@@ -2386,7 +2389,7 @@
           <a:p>
             <a:fld id="{9249FF70-B285-4D3D-80DB-5BA50DBCDABD}" type="datetimeFigureOut">
               <a:rPr lang="hu-HU" smtClean="0"/>
-              <a:t>2024. 01. 28.</a:t>
+              <a:t>2024.02.02</a:t>
             </a:fld>
             <a:endParaRPr lang="hu-HU"/>
           </a:p>
@@ -2674,7 +2677,7 @@
           <a:p>
             <a:fld id="{9249FF70-B285-4D3D-80DB-5BA50DBCDABD}" type="datetimeFigureOut">
               <a:rPr lang="hu-HU" smtClean="0"/>
-              <a:t>2024. 01. 28.</a:t>
+              <a:t>2024.02.02</a:t>
             </a:fld>
             <a:endParaRPr lang="hu-HU"/>
           </a:p>
@@ -2915,7 +2918,7 @@
           <a:p>
             <a:fld id="{9249FF70-B285-4D3D-80DB-5BA50DBCDABD}" type="datetimeFigureOut">
               <a:rPr lang="hu-HU" smtClean="0"/>
-              <a:t>2024. 01. 28.</a:t>
+              <a:t>2024.02.02</a:t>
             </a:fld>
             <a:endParaRPr lang="hu-HU"/>
           </a:p>
@@ -3927,7 +3930,7 @@
         </p:nvSpPr>
         <p:spPr>
           <a:xfrm>
-            <a:off x="5908586" y="6519446"/>
+            <a:off x="6096000" y="9809746"/>
             <a:ext cx="6813144" cy="338554"/>
           </a:xfrm>
           <a:prstGeom prst="rect">
@@ -4058,6 +4061,263 @@
       </p:transition>
     </mc:Choice>
     <mc:Fallback xmlns="">
+      <p:transition spd="slow">
+        <p:fade/>
+      </p:transition>
+    </mc:Fallback>
+  </mc:AlternateContent>
+</p:sld>
+</file>
+
+<file path=ppt/slides/slide10.xml><?xml version="1.0" encoding="utf-8"?>
+<p:sld xmlns:a="http://schemas.openxmlformats.org/drawingml/2006/main" xmlns:r="http://schemas.openxmlformats.org/officeDocument/2006/relationships" xmlns:p="http://schemas.openxmlformats.org/presentationml/2006/main">
+  <p:cSld>
+    <p:spTree>
+      <p:nvGrpSpPr>
+        <p:cNvPr id="1" name=""/>
+        <p:cNvGrpSpPr/>
+        <p:nvPr/>
+      </p:nvGrpSpPr>
+      <p:grpSpPr>
+        <a:xfrm>
+          <a:off x="0" y="0"/>
+          <a:ext cx="0" cy="0"/>
+          <a:chOff x="0" y="0"/>
+          <a:chExt cx="0" cy="0"/>
+        </a:xfrm>
+      </p:grpSpPr>
+      <p:sp>
+        <p:nvSpPr>
+          <p:cNvPr id="9" name="Romboid 8">
+            <a:extLst>
+              <a:ext uri="{FF2B5EF4-FFF2-40B4-BE49-F238E27FC236}">
+                <a16:creationId xmlns:a16="http://schemas.microsoft.com/office/drawing/2014/main" id="{76C8771B-7D53-4453-BA90-D8A7334FEF1E}"/>
+              </a:ext>
+            </a:extLst>
+          </p:cNvPr>
+          <p:cNvSpPr/>
+          <p:nvPr/>
+        </p:nvSpPr>
+        <p:spPr>
+          <a:xfrm>
+            <a:off x="-2435948" y="0"/>
+            <a:ext cx="22381558" cy="6891379"/>
+          </a:xfrm>
+          <a:prstGeom prst="parallelogram">
+            <a:avLst>
+              <a:gd name="adj" fmla="val 26861"/>
+            </a:avLst>
+          </a:prstGeom>
+          <a:solidFill>
+            <a:srgbClr val="009BD5"/>
+          </a:solidFill>
+          <a:ln>
+            <a:noFill/>
+          </a:ln>
+        </p:spPr>
+        <p:style>
+          <a:lnRef idx="2">
+            <a:schemeClr val="accent1">
+              <a:shade val="50000"/>
+            </a:schemeClr>
+          </a:lnRef>
+          <a:fillRef idx="1">
+            <a:schemeClr val="accent1"/>
+          </a:fillRef>
+          <a:effectRef idx="0">
+            <a:schemeClr val="accent1"/>
+          </a:effectRef>
+          <a:fontRef idx="minor">
+            <a:schemeClr val="lt1"/>
+          </a:fontRef>
+        </p:style>
+        <p:txBody>
+          <a:bodyPr rtlCol="0" anchor="ctr"/>
+          <a:lstStyle/>
+          <a:p>
+            <a:pPr algn="ctr"/>
+            <a:endParaRPr lang="hu-HU"/>
+          </a:p>
+        </p:txBody>
+      </p:sp>
+      <p:sp>
+        <p:nvSpPr>
+          <p:cNvPr id="7" name="Romboid 6">
+            <a:extLst>
+              <a:ext uri="{FF2B5EF4-FFF2-40B4-BE49-F238E27FC236}">
+                <a16:creationId xmlns:a16="http://schemas.microsoft.com/office/drawing/2014/main" id="{69031AE5-7BAC-49BE-B673-28988C4C6AB2}"/>
+              </a:ext>
+            </a:extLst>
+          </p:cNvPr>
+          <p:cNvSpPr/>
+          <p:nvPr/>
+        </p:nvSpPr>
+        <p:spPr>
+          <a:xfrm>
+            <a:off x="-19814784" y="-22653"/>
+            <a:ext cx="19814784" cy="6891379"/>
+          </a:xfrm>
+          <a:prstGeom prst="parallelogram">
+            <a:avLst>
+              <a:gd name="adj" fmla="val 26861"/>
+            </a:avLst>
+          </a:prstGeom>
+          <a:solidFill>
+            <a:srgbClr val="000066"/>
+          </a:solidFill>
+          <a:ln>
+            <a:noFill/>
+          </a:ln>
+        </p:spPr>
+        <p:style>
+          <a:lnRef idx="2">
+            <a:schemeClr val="accent1">
+              <a:shade val="50000"/>
+            </a:schemeClr>
+          </a:lnRef>
+          <a:fillRef idx="1">
+            <a:schemeClr val="accent1"/>
+          </a:fillRef>
+          <a:effectRef idx="0">
+            <a:schemeClr val="accent1"/>
+          </a:effectRef>
+          <a:fontRef idx="minor">
+            <a:schemeClr val="lt1"/>
+          </a:fontRef>
+        </p:style>
+        <p:txBody>
+          <a:bodyPr rtlCol="0" anchor="ctr"/>
+          <a:lstStyle/>
+          <a:p>
+            <a:pPr algn="ctr"/>
+            <a:endParaRPr lang="hu-HU"/>
+          </a:p>
+        </p:txBody>
+      </p:sp>
+      <p:sp>
+        <p:nvSpPr>
+          <p:cNvPr id="2" name="Cím 1">
+            <a:extLst>
+              <a:ext uri="{FF2B5EF4-FFF2-40B4-BE49-F238E27FC236}">
+                <a16:creationId xmlns:a16="http://schemas.microsoft.com/office/drawing/2014/main" id="{CB1B688B-ED49-4A95-B0A6-6E7BDE2FDBCE}"/>
+              </a:ext>
+            </a:extLst>
+          </p:cNvPr>
+          <p:cNvSpPr>
+            <a:spLocks noGrp="1"/>
+          </p:cNvSpPr>
+          <p:nvPr>
+            <p:ph type="title"/>
+          </p:nvPr>
+        </p:nvSpPr>
+        <p:spPr/>
+        <p:txBody>
+          <a:bodyPr/>
+          <a:lstStyle/>
+          <a:p>
+            <a:r>
+              <a:rPr lang="hu-HU" dirty="0"/>
+              <a:t>PYTHON</a:t>
+            </a:r>
+          </a:p>
+        </p:txBody>
+      </p:sp>
+      <p:sp>
+        <p:nvSpPr>
+          <p:cNvPr id="3" name="Tartalom helye 2">
+            <a:extLst>
+              <a:ext uri="{FF2B5EF4-FFF2-40B4-BE49-F238E27FC236}">
+                <a16:creationId xmlns:a16="http://schemas.microsoft.com/office/drawing/2014/main" id="{A752E5E5-A8A7-44BC-8E4E-34C902C757D4}"/>
+              </a:ext>
+            </a:extLst>
+          </p:cNvPr>
+          <p:cNvSpPr>
+            <a:spLocks noGrp="1"/>
+          </p:cNvSpPr>
+          <p:nvPr>
+            <p:ph idx="1"/>
+          </p:nvPr>
+        </p:nvSpPr>
+        <p:spPr/>
+        <p:txBody>
+          <a:bodyPr/>
+          <a:lstStyle/>
+          <a:p>
+            <a:endParaRPr lang="hu-HU"/>
+          </a:p>
+        </p:txBody>
+      </p:sp>
+      <p:sp>
+        <p:nvSpPr>
+          <p:cNvPr id="6" name="Romboid 5">
+            <a:extLst>
+              <a:ext uri="{FF2B5EF4-FFF2-40B4-BE49-F238E27FC236}">
+                <a16:creationId xmlns:a16="http://schemas.microsoft.com/office/drawing/2014/main" id="{C80877C9-352B-47D2-9D48-C5245F25056D}"/>
+              </a:ext>
+            </a:extLst>
+          </p:cNvPr>
+          <p:cNvSpPr/>
+          <p:nvPr/>
+        </p:nvSpPr>
+        <p:spPr>
+          <a:xfrm>
+            <a:off x="-22523259" y="-33379"/>
+            <a:ext cx="22381558" cy="6891379"/>
+          </a:xfrm>
+          <a:prstGeom prst="parallelogram">
+            <a:avLst>
+              <a:gd name="adj" fmla="val 26861"/>
+            </a:avLst>
+          </a:prstGeom>
+          <a:solidFill>
+            <a:srgbClr val="002163"/>
+          </a:solidFill>
+          <a:ln>
+            <a:noFill/>
+          </a:ln>
+        </p:spPr>
+        <p:style>
+          <a:lnRef idx="2">
+            <a:schemeClr val="accent1">
+              <a:shade val="50000"/>
+            </a:schemeClr>
+          </a:lnRef>
+          <a:fillRef idx="1">
+            <a:schemeClr val="accent1"/>
+          </a:fillRef>
+          <a:effectRef idx="0">
+            <a:schemeClr val="accent1"/>
+          </a:effectRef>
+          <a:fontRef idx="minor">
+            <a:schemeClr val="lt1"/>
+          </a:fontRef>
+        </p:style>
+        <p:txBody>
+          <a:bodyPr rtlCol="0" anchor="ctr"/>
+          <a:lstStyle/>
+          <a:p>
+            <a:pPr algn="ctr"/>
+            <a:endParaRPr lang="hu-HU"/>
+          </a:p>
+        </p:txBody>
+      </p:sp>
+    </p:spTree>
+    <p:extLst>
+      <p:ext uri="{BB962C8B-B14F-4D97-AF65-F5344CB8AC3E}">
+        <p14:creationId xmlns:p14="http://schemas.microsoft.com/office/powerpoint/2010/main" val="1504724857"/>
+      </p:ext>
+    </p:extLst>
+  </p:cSld>
+  <p:clrMapOvr>
+    <a:masterClrMapping/>
+  </p:clrMapOvr>
+  <mc:AlternateContent xmlns:mc="http://schemas.openxmlformats.org/markup-compatibility/2006">
+    <mc:Choice xmlns:p159="http://schemas.microsoft.com/office/powerpoint/2015/09/main" Requires="p159">
+      <p:transition xmlns:p14="http://schemas.microsoft.com/office/powerpoint/2010/main" spd="slow" p14:dur="2000">
+        <p159:morph option="byObject"/>
+      </p:transition>
+    </mc:Choice>
+    <mc:Fallback>
       <p:transition spd="slow">
         <p:fade/>
       </p:transition>
@@ -5520,7 +5780,7 @@
         </p:nvSpPr>
         <p:spPr>
           <a:xfrm>
-            <a:off x="14481086" y="6387932"/>
+            <a:off x="14531886" y="6519446"/>
             <a:ext cx="6813144" cy="338554"/>
           </a:xfrm>
           <a:prstGeom prst="rect">
@@ -6810,15 +7070,7 @@
             <a:avLst/>
           </a:prstGeom>
           <a:noFill/>
-          <a:extLst>
-            <a:ext uri="{909E8E84-426E-40DD-AFC4-6F175D3DCCD1}">
-              <a14:hiddenFill xmlns:a14="http://schemas.microsoft.com/office/drawing/2010/main">
-                <a:solidFill>
-                  <a:srgbClr val="FFFFFF"/>
-                </a:solidFill>
-              </a14:hiddenFill>
-            </a:ext>
-          </a:extLst>
+          <a:extLst/>
         </p:spPr>
       </p:pic>
       <p:sp>
@@ -8119,6 +8371,162 @@
           </a:extLst>
         </p:spPr>
       </p:pic>
+      <p:sp>
+        <p:nvSpPr>
+          <p:cNvPr id="32" name="Romboid 31">
+            <a:extLst>
+              <a:ext uri="{FF2B5EF4-FFF2-40B4-BE49-F238E27FC236}">
+                <a16:creationId xmlns:a16="http://schemas.microsoft.com/office/drawing/2014/main" id="{5CF008D6-7A45-424F-911C-2E737CABE432}"/>
+              </a:ext>
+            </a:extLst>
+          </p:cNvPr>
+          <p:cNvSpPr/>
+          <p:nvPr/>
+        </p:nvSpPr>
+        <p:spPr>
+          <a:xfrm>
+            <a:off x="-16488650" y="32492117"/>
+            <a:ext cx="6995555" cy="6857999"/>
+          </a:xfrm>
+          <a:prstGeom prst="parallelogram">
+            <a:avLst>
+              <a:gd name="adj" fmla="val 26861"/>
+            </a:avLst>
+          </a:prstGeom>
+          <a:solidFill>
+            <a:srgbClr val="000066"/>
+          </a:solidFill>
+        </p:spPr>
+        <p:style>
+          <a:lnRef idx="2">
+            <a:schemeClr val="accent1">
+              <a:shade val="50000"/>
+            </a:schemeClr>
+          </a:lnRef>
+          <a:fillRef idx="1">
+            <a:schemeClr val="accent1"/>
+          </a:fillRef>
+          <a:effectRef idx="0">
+            <a:schemeClr val="accent1"/>
+          </a:effectRef>
+          <a:fontRef idx="minor">
+            <a:schemeClr val="lt1"/>
+          </a:fontRef>
+        </p:style>
+        <p:txBody>
+          <a:bodyPr rtlCol="0" anchor="ctr"/>
+          <a:lstStyle/>
+          <a:p>
+            <a:pPr algn="ctr"/>
+            <a:endParaRPr lang="hu-HU"/>
+          </a:p>
+        </p:txBody>
+      </p:sp>
+      <p:sp>
+        <p:nvSpPr>
+          <p:cNvPr id="33" name="Romboid 32">
+            <a:extLst>
+              <a:ext uri="{FF2B5EF4-FFF2-40B4-BE49-F238E27FC236}">
+                <a16:creationId xmlns:a16="http://schemas.microsoft.com/office/drawing/2014/main" id="{07B703E5-1C9F-413F-8DDE-461BD3FBA0BE}"/>
+              </a:ext>
+            </a:extLst>
+          </p:cNvPr>
+          <p:cNvSpPr/>
+          <p:nvPr/>
+        </p:nvSpPr>
+        <p:spPr>
+          <a:xfrm>
+            <a:off x="-7930897" y="-70843"/>
+            <a:ext cx="6995555" cy="6857999"/>
+          </a:xfrm>
+          <a:prstGeom prst="parallelogram">
+            <a:avLst>
+              <a:gd name="adj" fmla="val 26861"/>
+            </a:avLst>
+          </a:prstGeom>
+          <a:solidFill>
+            <a:srgbClr val="002163"/>
+          </a:solidFill>
+        </p:spPr>
+        <p:style>
+          <a:lnRef idx="2">
+            <a:schemeClr val="accent1">
+              <a:shade val="50000"/>
+            </a:schemeClr>
+          </a:lnRef>
+          <a:fillRef idx="1">
+            <a:schemeClr val="accent1"/>
+          </a:fillRef>
+          <a:effectRef idx="0">
+            <a:schemeClr val="accent1"/>
+          </a:effectRef>
+          <a:fontRef idx="minor">
+            <a:schemeClr val="lt1"/>
+          </a:fontRef>
+        </p:style>
+        <p:txBody>
+          <a:bodyPr rtlCol="0" anchor="ctr"/>
+          <a:lstStyle/>
+          <a:p>
+            <a:pPr algn="ctr"/>
+            <a:endParaRPr lang="hu-HU"/>
+          </a:p>
+        </p:txBody>
+      </p:sp>
+      <p:sp>
+        <p:nvSpPr>
+          <p:cNvPr id="36" name="Romboid 35">
+            <a:extLst>
+              <a:ext uri="{FF2B5EF4-FFF2-40B4-BE49-F238E27FC236}">
+                <a16:creationId xmlns:a16="http://schemas.microsoft.com/office/drawing/2014/main" id="{4EDFE0C6-0557-4261-8CE6-1D81EB0AB187}"/>
+              </a:ext>
+            </a:extLst>
+          </p:cNvPr>
+          <p:cNvSpPr/>
+          <p:nvPr/>
+        </p:nvSpPr>
+        <p:spPr>
+          <a:xfrm>
+            <a:off x="23395870" y="-48260000"/>
+            <a:ext cx="8303330" cy="6891379"/>
+          </a:xfrm>
+          <a:prstGeom prst="parallelogram">
+            <a:avLst>
+              <a:gd name="adj" fmla="val 26861"/>
+            </a:avLst>
+          </a:prstGeom>
+          <a:solidFill>
+            <a:srgbClr val="009BD5"/>
+          </a:solidFill>
+          <a:ln>
+            <a:noFill/>
+          </a:ln>
+        </p:spPr>
+        <p:style>
+          <a:lnRef idx="2">
+            <a:schemeClr val="accent1">
+              <a:shade val="50000"/>
+            </a:schemeClr>
+          </a:lnRef>
+          <a:fillRef idx="1">
+            <a:schemeClr val="accent1"/>
+          </a:fillRef>
+          <a:effectRef idx="0">
+            <a:schemeClr val="accent1"/>
+          </a:effectRef>
+          <a:fontRef idx="minor">
+            <a:schemeClr val="lt1"/>
+          </a:fontRef>
+        </p:style>
+        <p:txBody>
+          <a:bodyPr rtlCol="0" anchor="ctr"/>
+          <a:lstStyle/>
+          <a:p>
+            <a:pPr algn="ctr"/>
+            <a:endParaRPr lang="hu-HU"/>
+          </a:p>
+        </p:txBody>
+      </p:sp>
     </p:spTree>
     <p:extLst>
       <p:ext uri="{BB962C8B-B14F-4D97-AF65-F5344CB8AC3E}">
@@ -8163,6 +8571,185 @@
       </p:grpSpPr>
       <p:sp>
         <p:nvSpPr>
+          <p:cNvPr id="28" name="Szövegdoboz 27">
+            <a:extLst>
+              <a:ext uri="{FF2B5EF4-FFF2-40B4-BE49-F238E27FC236}">
+                <a16:creationId xmlns:a16="http://schemas.microsoft.com/office/drawing/2014/main" id="{9DA25C51-2E08-43BC-8600-F418A1818F45}"/>
+              </a:ext>
+            </a:extLst>
+          </p:cNvPr>
+          <p:cNvSpPr txBox="1"/>
+          <p:nvPr/>
+        </p:nvSpPr>
+        <p:spPr>
+          <a:xfrm>
+            <a:off x="15587244" y="5402554"/>
+            <a:ext cx="3619500" cy="769441"/>
+          </a:xfrm>
+          <a:prstGeom prst="rect">
+            <a:avLst/>
+          </a:prstGeom>
+          <a:noFill/>
+        </p:spPr>
+        <p:txBody>
+          <a:bodyPr wrap="square" rtlCol="0">
+            <a:spAutoFit/>
+          </a:bodyPr>
+          <a:lstStyle/>
+          <a:p>
+            <a:r>
+              <a:rPr lang="hu-HU" sz="4400" dirty="0">
+                <a:ln>
+                  <a:solidFill>
+                    <a:schemeClr val="tx1"/>
+                  </a:solidFill>
+                </a:ln>
+              </a:rPr>
+              <a:t>Baracskai Dóra</a:t>
+            </a:r>
+          </a:p>
+        </p:txBody>
+      </p:sp>
+      <p:sp>
+        <p:nvSpPr>
+          <p:cNvPr id="34" name="Romboid 33">
+            <a:extLst>
+              <a:ext uri="{FF2B5EF4-FFF2-40B4-BE49-F238E27FC236}">
+                <a16:creationId xmlns:a16="http://schemas.microsoft.com/office/drawing/2014/main" id="{3B4DA1CB-5F56-40A2-8D29-6888E8F6B7BE}"/>
+              </a:ext>
+            </a:extLst>
+          </p:cNvPr>
+          <p:cNvSpPr/>
+          <p:nvPr/>
+        </p:nvSpPr>
+        <p:spPr>
+          <a:xfrm>
+            <a:off x="2736803" y="-33379"/>
+            <a:ext cx="6995555" cy="6891379"/>
+          </a:xfrm>
+          <a:prstGeom prst="parallelogram">
+            <a:avLst>
+              <a:gd name="adj" fmla="val 26861"/>
+            </a:avLst>
+          </a:prstGeom>
+          <a:solidFill>
+            <a:srgbClr val="002163"/>
+          </a:solidFill>
+          <a:ln>
+            <a:noFill/>
+          </a:ln>
+        </p:spPr>
+        <p:style>
+          <a:lnRef idx="2">
+            <a:schemeClr val="accent1">
+              <a:shade val="50000"/>
+            </a:schemeClr>
+          </a:lnRef>
+          <a:fillRef idx="1">
+            <a:schemeClr val="accent1"/>
+          </a:fillRef>
+          <a:effectRef idx="0">
+            <a:schemeClr val="accent1"/>
+          </a:effectRef>
+          <a:fontRef idx="minor">
+            <a:schemeClr val="lt1"/>
+          </a:fontRef>
+        </p:style>
+        <p:txBody>
+          <a:bodyPr rtlCol="0" anchor="ctr"/>
+          <a:lstStyle/>
+          <a:p>
+            <a:pPr algn="ctr"/>
+            <a:endParaRPr lang="hu-HU"/>
+          </a:p>
+        </p:txBody>
+      </p:sp>
+      <p:sp>
+        <p:nvSpPr>
+          <p:cNvPr id="29" name="Szövegdoboz 28">
+            <a:extLst>
+              <a:ext uri="{FF2B5EF4-FFF2-40B4-BE49-F238E27FC236}">
+                <a16:creationId xmlns:a16="http://schemas.microsoft.com/office/drawing/2014/main" id="{B4405BBD-6535-4A8C-A314-19DB4245301A}"/>
+              </a:ext>
+            </a:extLst>
+          </p:cNvPr>
+          <p:cNvSpPr txBox="1"/>
+          <p:nvPr/>
+        </p:nvSpPr>
+        <p:spPr>
+          <a:xfrm>
+            <a:off x="24172867" y="5587219"/>
+            <a:ext cx="3609975" cy="584775"/>
+          </a:xfrm>
+          <a:prstGeom prst="rect">
+            <a:avLst/>
+          </a:prstGeom>
+          <a:noFill/>
+        </p:spPr>
+        <p:txBody>
+          <a:bodyPr wrap="square" rtlCol="0">
+            <a:spAutoFit/>
+          </a:bodyPr>
+          <a:lstStyle/>
+          <a:p>
+            <a:pPr algn="ctr"/>
+            <a:r>
+              <a:rPr lang="hu-HU" sz="3200" dirty="0">
+                <a:ln>
+                  <a:solidFill>
+                    <a:schemeClr val="tx1"/>
+                  </a:solidFill>
+                </a:ln>
+              </a:rPr>
+              <a:t>Major Bálint István</a:t>
+            </a:r>
+          </a:p>
+        </p:txBody>
+      </p:sp>
+      <p:sp>
+        <p:nvSpPr>
+          <p:cNvPr id="27" name="Szövegdoboz 26">
+            <a:extLst>
+              <a:ext uri="{FF2B5EF4-FFF2-40B4-BE49-F238E27FC236}">
+                <a16:creationId xmlns:a16="http://schemas.microsoft.com/office/drawing/2014/main" id="{564814BE-B035-42AD-BB4E-41B79E4B529B}"/>
+              </a:ext>
+            </a:extLst>
+          </p:cNvPr>
+          <p:cNvSpPr txBox="1"/>
+          <p:nvPr/>
+        </p:nvSpPr>
+        <p:spPr>
+          <a:xfrm>
+            <a:off x="19552117" y="5616971"/>
+            <a:ext cx="3619500" cy="584775"/>
+          </a:xfrm>
+          <a:prstGeom prst="rect">
+            <a:avLst/>
+          </a:prstGeom>
+          <a:noFill/>
+        </p:spPr>
+        <p:txBody>
+          <a:bodyPr wrap="square" rtlCol="0">
+            <a:spAutoFit/>
+          </a:bodyPr>
+          <a:lstStyle/>
+          <a:p>
+            <a:pPr algn="ctr"/>
+            <a:r>
+              <a:rPr lang="hu-HU" sz="3200" dirty="0">
+                <a:ln>
+                  <a:solidFill>
+                    <a:schemeClr val="tx1"/>
+                  </a:solidFill>
+                </a:ln>
+              </a:rPr>
+              <a:t>Szollinger Rajmund</a:t>
+            </a:r>
+          </a:p>
+        </p:txBody>
+      </p:sp>
+      <p:sp>
+        <p:nvSpPr>
           <p:cNvPr id="2" name="Cím 1">
             <a:extLst>
               <a:ext uri="{FF2B5EF4-FFF2-40B4-BE49-F238E27FC236}">
@@ -8182,7 +8769,7 @@
           <a:bodyPr/>
           <a:lstStyle/>
           <a:p>
-            <a:endParaRPr lang="hu-HU"/>
+            <a:endParaRPr lang="hu-HU" dirty="0"/>
           </a:p>
         </p:txBody>
       </p:sp>
@@ -8336,6 +8923,62 @@
           </p:txBody>
         </p:sp>
       </p:grpSp>
+      <p:sp>
+        <p:nvSpPr>
+          <p:cNvPr id="40" name="Téglalap: lekerekített 39">
+            <a:extLst>
+              <a:ext uri="{FF2B5EF4-FFF2-40B4-BE49-F238E27FC236}">
+                <a16:creationId xmlns:a16="http://schemas.microsoft.com/office/drawing/2014/main" id="{2F20CA6E-618E-404F-A3B2-5F93DBC12464}"/>
+              </a:ext>
+            </a:extLst>
+          </p:cNvPr>
+          <p:cNvSpPr/>
+          <p:nvPr/>
+        </p:nvSpPr>
+        <p:spPr>
+          <a:xfrm>
+            <a:off x="19511490" y="1922900"/>
+            <a:ext cx="3619500" cy="4412040"/>
+          </a:xfrm>
+          <a:prstGeom prst="roundRect">
+            <a:avLst/>
+          </a:prstGeom>
+          <a:blipFill dpi="0" rotWithShape="1">
+            <a:blip r:embed="rId2"/>
+            <a:srcRect/>
+            <a:stretch>
+              <a:fillRect b="-10000"/>
+            </a:stretch>
+          </a:blipFill>
+          <a:ln w="57150">
+            <a:noFill/>
+          </a:ln>
+        </p:spPr>
+        <p:style>
+          <a:lnRef idx="2">
+            <a:schemeClr val="accent1">
+              <a:shade val="50000"/>
+            </a:schemeClr>
+          </a:lnRef>
+          <a:fillRef idx="1">
+            <a:schemeClr val="accent1"/>
+          </a:fillRef>
+          <a:effectRef idx="0">
+            <a:schemeClr val="accent1"/>
+          </a:effectRef>
+          <a:fontRef idx="minor">
+            <a:schemeClr val="lt1"/>
+          </a:fontRef>
+        </p:style>
+        <p:txBody>
+          <a:bodyPr rtlCol="0" anchor="ctr"/>
+          <a:lstStyle/>
+          <a:p>
+            <a:pPr algn="ctr"/>
+            <a:endParaRPr lang="hu-HU"/>
+          </a:p>
+        </p:txBody>
+      </p:sp>
       <p:grpSp>
         <p:nvGrpSpPr>
           <p:cNvPr id="15" name="Csoportba foglalás 14">
@@ -8600,7 +9243,7 @@
         </p:nvGrpSpPr>
         <p:grpSpPr>
           <a:xfrm>
-            <a:off x="14010768" y="-120851"/>
+            <a:off x="14025665" y="-33379"/>
             <a:ext cx="1788201" cy="6858000"/>
             <a:chOff x="-1038838" y="0"/>
             <a:chExt cx="2305040" cy="6858000"/>
@@ -8750,10 +9393,10 @@
       </p:sp>
       <p:sp>
         <p:nvSpPr>
-          <p:cNvPr id="19" name="Téglalap: lekerekített 18">
-            <a:extLst>
-              <a:ext uri="{FF2B5EF4-FFF2-40B4-BE49-F238E27FC236}">
-                <a16:creationId xmlns:a16="http://schemas.microsoft.com/office/drawing/2014/main" id="{54067DD1-90CC-4BA4-A96F-3D4554F14767}"/>
+          <p:cNvPr id="35" name="Romboid 34">
+            <a:extLst>
+              <a:ext uri="{FF2B5EF4-FFF2-40B4-BE49-F238E27FC236}">
+                <a16:creationId xmlns:a16="http://schemas.microsoft.com/office/drawing/2014/main" id="{1DB042D8-2428-44E7-ACB6-67E56A1A83AE}"/>
               </a:ext>
             </a:extLst>
           </p:cNvPr>
@@ -8762,14 +9405,68 @@
         </p:nvSpPr>
         <p:spPr>
           <a:xfrm>
-            <a:off x="15479965" y="1922900"/>
+            <a:off x="-2345934" y="-22653"/>
+            <a:ext cx="6995555" cy="6891379"/>
+          </a:xfrm>
+          <a:prstGeom prst="parallelogram">
+            <a:avLst>
+              <a:gd name="adj" fmla="val 26861"/>
+            </a:avLst>
+          </a:prstGeom>
+          <a:solidFill>
+            <a:srgbClr val="000066"/>
+          </a:solidFill>
+          <a:ln>
+            <a:noFill/>
+          </a:ln>
+        </p:spPr>
+        <p:style>
+          <a:lnRef idx="2">
+            <a:schemeClr val="accent1">
+              <a:shade val="50000"/>
+            </a:schemeClr>
+          </a:lnRef>
+          <a:fillRef idx="1">
+            <a:schemeClr val="accent1"/>
+          </a:fillRef>
+          <a:effectRef idx="0">
+            <a:schemeClr val="accent1"/>
+          </a:effectRef>
+          <a:fontRef idx="minor">
+            <a:schemeClr val="lt1"/>
+          </a:fontRef>
+        </p:style>
+        <p:txBody>
+          <a:bodyPr rtlCol="0" anchor="ctr"/>
+          <a:lstStyle/>
+          <a:p>
+            <a:pPr algn="ctr"/>
+            <a:endParaRPr lang="hu-HU"/>
+          </a:p>
+        </p:txBody>
+      </p:sp>
+      <p:sp>
+        <p:nvSpPr>
+          <p:cNvPr id="39" name="Téglalap: lekerekített 38">
+            <a:extLst>
+              <a:ext uri="{FF2B5EF4-FFF2-40B4-BE49-F238E27FC236}">
+                <a16:creationId xmlns:a16="http://schemas.microsoft.com/office/drawing/2014/main" id="{33F7EC60-83A2-4144-83BC-C665480F050E}"/>
+              </a:ext>
+            </a:extLst>
+          </p:cNvPr>
+          <p:cNvSpPr/>
+          <p:nvPr/>
+        </p:nvSpPr>
+        <p:spPr>
+          <a:xfrm>
+            <a:off x="15572956" y="1922900"/>
             <a:ext cx="3619500" cy="4412040"/>
           </a:xfrm>
           <a:prstGeom prst="roundRect">
             <a:avLst/>
           </a:prstGeom>
           <a:blipFill>
-            <a:blip r:embed="rId2"/>
+            <a:blip r:embed="rId3"/>
             <a:stretch>
               <a:fillRect/>
             </a:stretch>
@@ -8805,10 +9502,10 @@
       </p:sp>
       <p:sp>
         <p:nvSpPr>
-          <p:cNvPr id="20" name="Téglalap: lekerekített 19">
-            <a:extLst>
-              <a:ext uri="{FF2B5EF4-FFF2-40B4-BE49-F238E27FC236}">
-                <a16:creationId xmlns:a16="http://schemas.microsoft.com/office/drawing/2014/main" id="{F4A32EB2-00AA-402C-8454-9410743B0C5F}"/>
+          <p:cNvPr id="41" name="Téglalap: lekerekített 40">
+            <a:extLst>
+              <a:ext uri="{FF2B5EF4-FFF2-40B4-BE49-F238E27FC236}">
+                <a16:creationId xmlns:a16="http://schemas.microsoft.com/office/drawing/2014/main" id="{271EF3E0-610B-432B-9BD2-96E1BDBAF0F1}"/>
               </a:ext>
             </a:extLst>
           </p:cNvPr>
@@ -8817,63 +9514,7 @@
         </p:nvSpPr>
         <p:spPr>
           <a:xfrm>
-            <a:off x="19682279" y="1932405"/>
-            <a:ext cx="3619500" cy="4412040"/>
-          </a:xfrm>
-          <a:prstGeom prst="roundRect">
-            <a:avLst/>
-          </a:prstGeom>
-          <a:blipFill dpi="0" rotWithShape="1">
-            <a:blip r:embed="rId3"/>
-            <a:srcRect/>
-            <a:stretch>
-              <a:fillRect b="-10000"/>
-            </a:stretch>
-          </a:blipFill>
-          <a:ln w="57150">
-            <a:noFill/>
-          </a:ln>
-        </p:spPr>
-        <p:style>
-          <a:lnRef idx="2">
-            <a:schemeClr val="accent1">
-              <a:shade val="50000"/>
-            </a:schemeClr>
-          </a:lnRef>
-          <a:fillRef idx="1">
-            <a:schemeClr val="accent1"/>
-          </a:fillRef>
-          <a:effectRef idx="0">
-            <a:schemeClr val="accent1"/>
-          </a:effectRef>
-          <a:fontRef idx="minor">
-            <a:schemeClr val="lt1"/>
-          </a:fontRef>
-        </p:style>
-        <p:txBody>
-          <a:bodyPr rtlCol="0" anchor="ctr"/>
-          <a:lstStyle/>
-          <a:p>
-            <a:pPr algn="ctr"/>
-            <a:endParaRPr lang="hu-HU"/>
-          </a:p>
-        </p:txBody>
-      </p:sp>
-      <p:sp>
-        <p:nvSpPr>
-          <p:cNvPr id="21" name="Téglalap: lekerekített 20">
-            <a:extLst>
-              <a:ext uri="{FF2B5EF4-FFF2-40B4-BE49-F238E27FC236}">
-                <a16:creationId xmlns:a16="http://schemas.microsoft.com/office/drawing/2014/main" id="{2809BA89-9418-470E-81B1-28EB080086CD}"/>
-              </a:ext>
-            </a:extLst>
-          </p:cNvPr>
-          <p:cNvSpPr/>
-          <p:nvPr/>
-        </p:nvSpPr>
-        <p:spPr>
-          <a:xfrm>
-            <a:off x="24177630" y="1932405"/>
+            <a:off x="24122715" y="1922900"/>
             <a:ext cx="3619500" cy="4412040"/>
           </a:xfrm>
           <a:prstGeom prst="roundRect">
@@ -8925,7 +9566,7 @@
         </p:nvSpPr>
         <p:spPr>
           <a:xfrm>
-            <a:off x="15546173" y="5402555"/>
+            <a:off x="15565174" y="5402554"/>
             <a:ext cx="3619500" cy="769441"/>
           </a:xfrm>
           <a:prstGeom prst="rect">
@@ -8968,7 +9609,7 @@
         </p:nvSpPr>
         <p:spPr>
           <a:xfrm>
-            <a:off x="19552117" y="5587221"/>
+            <a:off x="19537829" y="5616971"/>
             <a:ext cx="3619500" cy="584775"/>
           </a:xfrm>
           <a:prstGeom prst="rect">
@@ -9011,7 +9652,7 @@
         </p:nvSpPr>
         <p:spPr>
           <a:xfrm>
-            <a:off x="24172867" y="5587220"/>
+            <a:off x="24163342" y="5573738"/>
             <a:ext cx="3619500" cy="584775"/>
           </a:xfrm>
           <a:prstGeom prst="rect">
@@ -9042,135 +9683,10 @@
       </p:sp>
       <p:sp>
         <p:nvSpPr>
-          <p:cNvPr id="27" name="Szövegdoboz 26">
-            <a:extLst>
-              <a:ext uri="{FF2B5EF4-FFF2-40B4-BE49-F238E27FC236}">
-                <a16:creationId xmlns:a16="http://schemas.microsoft.com/office/drawing/2014/main" id="{564814BE-B035-42AD-BB4E-41B79E4B529B}"/>
-              </a:ext>
-            </a:extLst>
-          </p:cNvPr>
-          <p:cNvSpPr txBox="1"/>
-          <p:nvPr/>
-        </p:nvSpPr>
-        <p:spPr>
-          <a:xfrm>
-            <a:off x="19552117" y="5616971"/>
-            <a:ext cx="3619500" cy="584775"/>
-          </a:xfrm>
-          <a:prstGeom prst="rect">
-            <a:avLst/>
-          </a:prstGeom>
-          <a:noFill/>
-        </p:spPr>
-        <p:txBody>
-          <a:bodyPr wrap="square" rtlCol="0">
-            <a:spAutoFit/>
-          </a:bodyPr>
-          <a:lstStyle/>
-          <a:p>
-            <a:pPr algn="ctr"/>
-            <a:r>
-              <a:rPr lang="hu-HU" sz="3200" dirty="0">
-                <a:ln>
-                  <a:solidFill>
-                    <a:schemeClr val="tx1"/>
-                  </a:solidFill>
-                </a:ln>
-              </a:rPr>
-              <a:t>Szollinger Rajmund</a:t>
-            </a:r>
-          </a:p>
-        </p:txBody>
-      </p:sp>
-      <p:sp>
-        <p:nvSpPr>
-          <p:cNvPr id="28" name="Szövegdoboz 27">
-            <a:extLst>
-              <a:ext uri="{FF2B5EF4-FFF2-40B4-BE49-F238E27FC236}">
-                <a16:creationId xmlns:a16="http://schemas.microsoft.com/office/drawing/2014/main" id="{9DA25C51-2E08-43BC-8600-F418A1818F45}"/>
-              </a:ext>
-            </a:extLst>
-          </p:cNvPr>
-          <p:cNvSpPr txBox="1"/>
-          <p:nvPr/>
-        </p:nvSpPr>
-        <p:spPr>
-          <a:xfrm>
-            <a:off x="15587244" y="5402554"/>
-            <a:ext cx="3619500" cy="769441"/>
-          </a:xfrm>
-          <a:prstGeom prst="rect">
-            <a:avLst/>
-          </a:prstGeom>
-          <a:noFill/>
-        </p:spPr>
-        <p:txBody>
-          <a:bodyPr wrap="square" rtlCol="0">
-            <a:spAutoFit/>
-          </a:bodyPr>
-          <a:lstStyle/>
-          <a:p>
-            <a:r>
-              <a:rPr lang="hu-HU" sz="4400" dirty="0">
-                <a:ln>
-                  <a:solidFill>
-                    <a:schemeClr val="tx1"/>
-                  </a:solidFill>
-                </a:ln>
-              </a:rPr>
-              <a:t>Baracskai Dóra</a:t>
-            </a:r>
-          </a:p>
-        </p:txBody>
-      </p:sp>
-      <p:sp>
-        <p:nvSpPr>
-          <p:cNvPr id="29" name="Szövegdoboz 28">
-            <a:extLst>
-              <a:ext uri="{FF2B5EF4-FFF2-40B4-BE49-F238E27FC236}">
-                <a16:creationId xmlns:a16="http://schemas.microsoft.com/office/drawing/2014/main" id="{B4405BBD-6535-4A8C-A314-19DB4245301A}"/>
-              </a:ext>
-            </a:extLst>
-          </p:cNvPr>
-          <p:cNvSpPr txBox="1"/>
-          <p:nvPr/>
-        </p:nvSpPr>
-        <p:spPr>
-          <a:xfrm>
-            <a:off x="24172867" y="5587219"/>
-            <a:ext cx="3609975" cy="584775"/>
-          </a:xfrm>
-          <a:prstGeom prst="rect">
-            <a:avLst/>
-          </a:prstGeom>
-          <a:noFill/>
-        </p:spPr>
-        <p:txBody>
-          <a:bodyPr wrap="square" rtlCol="0">
-            <a:spAutoFit/>
-          </a:bodyPr>
-          <a:lstStyle/>
-          <a:p>
-            <a:pPr algn="ctr"/>
-            <a:r>
-              <a:rPr lang="hu-HU" sz="3200" dirty="0">
-                <a:ln>
-                  <a:solidFill>
-                    <a:schemeClr val="tx1"/>
-                  </a:solidFill>
-                </a:ln>
-              </a:rPr>
-              <a:t>Major Bálint István</a:t>
-            </a:r>
-          </a:p>
-        </p:txBody>
-      </p:sp>
-      <p:sp>
-        <p:nvSpPr>
-          <p:cNvPr id="30" name="Téglalap: lekerekített 29">
-            <a:extLst>
-              <a:ext uri="{FF2B5EF4-FFF2-40B4-BE49-F238E27FC236}">
-                <a16:creationId xmlns:a16="http://schemas.microsoft.com/office/drawing/2014/main" id="{45C240EF-E2B7-4E47-97EF-225FA6327894}"/>
+          <p:cNvPr id="42" name="Romboid 41">
+            <a:extLst>
+              <a:ext uri="{FF2B5EF4-FFF2-40B4-BE49-F238E27FC236}">
+                <a16:creationId xmlns:a16="http://schemas.microsoft.com/office/drawing/2014/main" id="{07C660D2-861B-47E5-A502-7871100F75C5}"/>
               </a:ext>
             </a:extLst>
           </p:cNvPr>
@@ -9179,18 +9695,17 @@
         </p:nvSpPr>
         <p:spPr>
           <a:xfrm>
-            <a:off x="15457082" y="1932405"/>
-            <a:ext cx="3619500" cy="4412040"/>
-          </a:xfrm>
-          <a:prstGeom prst="roundRect">
-            <a:avLst/>
+            <a:off x="7640742" y="-33379"/>
+            <a:ext cx="8303330" cy="6891379"/>
+          </a:xfrm>
+          <a:prstGeom prst="parallelogram">
+            <a:avLst>
+              <a:gd name="adj" fmla="val 26861"/>
+            </a:avLst>
           </a:prstGeom>
-          <a:blipFill>
-            <a:blip r:embed="rId2"/>
-            <a:stretch>
-              <a:fillRect/>
-            </a:stretch>
-          </a:blipFill>
+          <a:solidFill>
+            <a:srgbClr val="009BD5"/>
+          </a:solidFill>
           <a:ln>
             <a:noFill/>
           </a:ln>
@@ -9216,7 +9731,7 @@
           <a:lstStyle/>
           <a:p>
             <a:pPr algn="ctr"/>
-            <a:endParaRPr lang="hu-HU" dirty="0"/>
+            <a:endParaRPr lang="hu-HU"/>
           </a:p>
         </p:txBody>
       </p:sp>
@@ -9242,438 +9757,520 @@
       </p:transition>
     </mc:Fallback>
   </mc:AlternateContent>
-  <p:timing>
-    <p:tnLst>
-      <p:par>
-        <p:cTn id="1" dur="indefinite" restart="never" nodeType="tmRoot">
-          <p:childTnLst>
-            <p:seq concurrent="1" nextAc="seek">
-              <p:cTn id="2" dur="indefinite" nodeType="mainSeq">
-                <p:childTnLst>
-                  <p:par>
-                    <p:cTn id="3" fill="hold">
-                      <p:stCondLst>
-                        <p:cond delay="indefinite"/>
-                      </p:stCondLst>
-                      <p:childTnLst>
-                        <p:par>
-                          <p:cTn id="4" fill="hold">
-                            <p:stCondLst>
-                              <p:cond delay="0"/>
-                            </p:stCondLst>
-                            <p:childTnLst>
-                              <p:par>
-                                <p:cTn id="5" presetID="42" presetClass="entr" presetSubtype="0" fill="hold" grpId="0" nodeType="clickEffect">
-                                  <p:stCondLst>
-                                    <p:cond delay="0"/>
-                                  </p:stCondLst>
-                                  <p:childTnLst>
-                                    <p:set>
-                                      <p:cBhvr>
-                                        <p:cTn id="6" dur="1" fill="hold">
-                                          <p:stCondLst>
-                                            <p:cond delay="0"/>
-                                          </p:stCondLst>
-                                        </p:cTn>
-                                        <p:tgtEl>
-                                          <p:spTgt spid="19"/>
-                                        </p:tgtEl>
-                                        <p:attrNameLst>
-                                          <p:attrName>style.visibility</p:attrName>
-                                        </p:attrNameLst>
-                                      </p:cBhvr>
-                                      <p:to>
-                                        <p:strVal val="visible"/>
-                                      </p:to>
-                                    </p:set>
-                                    <p:animEffect transition="in" filter="fade">
-                                      <p:cBhvr>
-                                        <p:cTn id="7" dur="1000"/>
-                                        <p:tgtEl>
-                                          <p:spTgt spid="19"/>
-                                        </p:tgtEl>
-                                      </p:cBhvr>
-                                    </p:animEffect>
-                                    <p:anim calcmode="lin" valueType="num">
-                                      <p:cBhvr>
-                                        <p:cTn id="8" dur="1000" fill="hold"/>
-                                        <p:tgtEl>
-                                          <p:spTgt spid="19"/>
-                                        </p:tgtEl>
-                                        <p:attrNameLst>
-                                          <p:attrName>ppt_x</p:attrName>
-                                        </p:attrNameLst>
-                                      </p:cBhvr>
-                                      <p:tavLst>
-                                        <p:tav tm="0">
-                                          <p:val>
-                                            <p:strVal val="#ppt_x"/>
-                                          </p:val>
-                                        </p:tav>
-                                        <p:tav tm="100000">
-                                          <p:val>
-                                            <p:strVal val="#ppt_x"/>
-                                          </p:val>
-                                        </p:tav>
-                                      </p:tavLst>
-                                    </p:anim>
-                                    <p:anim calcmode="lin" valueType="num">
-                                      <p:cBhvr>
-                                        <p:cTn id="9" dur="1000" fill="hold"/>
-                                        <p:tgtEl>
-                                          <p:spTgt spid="19"/>
-                                        </p:tgtEl>
-                                        <p:attrNameLst>
-                                          <p:attrName>ppt_y</p:attrName>
-                                        </p:attrNameLst>
-                                      </p:cBhvr>
-                                      <p:tavLst>
-                                        <p:tav tm="0">
-                                          <p:val>
-                                            <p:strVal val="#ppt_y+.1"/>
-                                          </p:val>
-                                        </p:tav>
-                                        <p:tav tm="100000">
-                                          <p:val>
-                                            <p:strVal val="#ppt_y"/>
-                                          </p:val>
-                                        </p:tav>
-                                      </p:tavLst>
-                                    </p:anim>
-                                  </p:childTnLst>
-                                </p:cTn>
-                              </p:par>
-                            </p:childTnLst>
-                          </p:cTn>
-                        </p:par>
-                      </p:childTnLst>
-                    </p:cTn>
-                  </p:par>
-                  <p:par>
-                    <p:cTn id="10" fill="hold">
-                      <p:stCondLst>
-                        <p:cond delay="indefinite"/>
-                      </p:stCondLst>
-                      <p:childTnLst>
-                        <p:par>
-                          <p:cTn id="11" fill="hold">
-                            <p:stCondLst>
-                              <p:cond delay="0"/>
-                            </p:stCondLst>
-                            <p:childTnLst>
-                              <p:par>
-                                <p:cTn id="12" presetID="42" presetClass="entr" presetSubtype="0" fill="hold" grpId="0" nodeType="clickEffect">
-                                  <p:stCondLst>
-                                    <p:cond delay="0"/>
-                                  </p:stCondLst>
-                                  <p:childTnLst>
-                                    <p:set>
-                                      <p:cBhvr>
-                                        <p:cTn id="13" dur="1" fill="hold">
-                                          <p:stCondLst>
-                                            <p:cond delay="0"/>
-                                          </p:stCondLst>
-                                        </p:cTn>
-                                        <p:tgtEl>
-                                          <p:spTgt spid="20"/>
-                                        </p:tgtEl>
-                                        <p:attrNameLst>
-                                          <p:attrName>style.visibility</p:attrName>
-                                        </p:attrNameLst>
-                                      </p:cBhvr>
-                                      <p:to>
-                                        <p:strVal val="visible"/>
-                                      </p:to>
-                                    </p:set>
-                                    <p:animEffect transition="in" filter="fade">
-                                      <p:cBhvr>
-                                        <p:cTn id="14" dur="1000"/>
-                                        <p:tgtEl>
-                                          <p:spTgt spid="20"/>
-                                        </p:tgtEl>
-                                      </p:cBhvr>
-                                    </p:animEffect>
-                                    <p:anim calcmode="lin" valueType="num">
-                                      <p:cBhvr>
-                                        <p:cTn id="15" dur="1000" fill="hold"/>
-                                        <p:tgtEl>
-                                          <p:spTgt spid="20"/>
-                                        </p:tgtEl>
-                                        <p:attrNameLst>
-                                          <p:attrName>ppt_x</p:attrName>
-                                        </p:attrNameLst>
-                                      </p:cBhvr>
-                                      <p:tavLst>
-                                        <p:tav tm="0">
-                                          <p:val>
-                                            <p:strVal val="#ppt_x"/>
-                                          </p:val>
-                                        </p:tav>
-                                        <p:tav tm="100000">
-                                          <p:val>
-                                            <p:strVal val="#ppt_x"/>
-                                          </p:val>
-                                        </p:tav>
-                                      </p:tavLst>
-                                    </p:anim>
-                                    <p:anim calcmode="lin" valueType="num">
-                                      <p:cBhvr>
-                                        <p:cTn id="16" dur="1000" fill="hold"/>
-                                        <p:tgtEl>
-                                          <p:spTgt spid="20"/>
-                                        </p:tgtEl>
-                                        <p:attrNameLst>
-                                          <p:attrName>ppt_y</p:attrName>
-                                        </p:attrNameLst>
-                                      </p:cBhvr>
-                                      <p:tavLst>
-                                        <p:tav tm="0">
-                                          <p:val>
-                                            <p:strVal val="#ppt_y+.1"/>
-                                          </p:val>
-                                        </p:tav>
-                                        <p:tav tm="100000">
-                                          <p:val>
-                                            <p:strVal val="#ppt_y"/>
-                                          </p:val>
-                                        </p:tav>
-                                      </p:tavLst>
-                                    </p:anim>
-                                  </p:childTnLst>
-                                </p:cTn>
-                              </p:par>
-                            </p:childTnLst>
-                          </p:cTn>
-                        </p:par>
-                      </p:childTnLst>
-                    </p:cTn>
-                  </p:par>
-                  <p:par>
-                    <p:cTn id="17" fill="hold">
-                      <p:stCondLst>
-                        <p:cond delay="indefinite"/>
-                      </p:stCondLst>
-                      <p:childTnLst>
-                        <p:par>
-                          <p:cTn id="18" fill="hold">
-                            <p:stCondLst>
-                              <p:cond delay="0"/>
-                            </p:stCondLst>
-                            <p:childTnLst>
-                              <p:par>
-                                <p:cTn id="19" presetID="42" presetClass="entr" presetSubtype="0" fill="hold" grpId="0" nodeType="clickEffect">
-                                  <p:stCondLst>
-                                    <p:cond delay="0"/>
-                                  </p:stCondLst>
-                                  <p:childTnLst>
-                                    <p:set>
-                                      <p:cBhvr>
-                                        <p:cTn id="20" dur="1" fill="hold">
-                                          <p:stCondLst>
-                                            <p:cond delay="0"/>
-                                          </p:stCondLst>
-                                        </p:cTn>
-                                        <p:tgtEl>
-                                          <p:spTgt spid="21"/>
-                                        </p:tgtEl>
-                                        <p:attrNameLst>
-                                          <p:attrName>style.visibility</p:attrName>
-                                        </p:attrNameLst>
-                                      </p:cBhvr>
-                                      <p:to>
-                                        <p:strVal val="visible"/>
-                                      </p:to>
-                                    </p:set>
-                                    <p:animEffect transition="in" filter="fade">
-                                      <p:cBhvr>
-                                        <p:cTn id="21" dur="1000"/>
-                                        <p:tgtEl>
-                                          <p:spTgt spid="21"/>
-                                        </p:tgtEl>
-                                      </p:cBhvr>
-                                    </p:animEffect>
-                                    <p:anim calcmode="lin" valueType="num">
-                                      <p:cBhvr>
-                                        <p:cTn id="22" dur="1000" fill="hold"/>
-                                        <p:tgtEl>
-                                          <p:spTgt spid="21"/>
-                                        </p:tgtEl>
-                                        <p:attrNameLst>
-                                          <p:attrName>ppt_x</p:attrName>
-                                        </p:attrNameLst>
-                                      </p:cBhvr>
-                                      <p:tavLst>
-                                        <p:tav tm="0">
-                                          <p:val>
-                                            <p:strVal val="#ppt_x"/>
-                                          </p:val>
-                                        </p:tav>
-                                        <p:tav tm="100000">
-                                          <p:val>
-                                            <p:strVal val="#ppt_x"/>
-                                          </p:val>
-                                        </p:tav>
-                                      </p:tavLst>
-                                    </p:anim>
-                                    <p:anim calcmode="lin" valueType="num">
-                                      <p:cBhvr>
-                                        <p:cTn id="23" dur="1000" fill="hold"/>
-                                        <p:tgtEl>
-                                          <p:spTgt spid="21"/>
-                                        </p:tgtEl>
-                                        <p:attrNameLst>
-                                          <p:attrName>ppt_y</p:attrName>
-                                        </p:attrNameLst>
-                                      </p:cBhvr>
-                                      <p:tavLst>
-                                        <p:tav tm="0">
-                                          <p:val>
-                                            <p:strVal val="#ppt_y+.1"/>
-                                          </p:val>
-                                        </p:tav>
-                                        <p:tav tm="100000">
-                                          <p:val>
-                                            <p:strVal val="#ppt_y"/>
-                                          </p:val>
-                                        </p:tav>
-                                      </p:tavLst>
-                                    </p:anim>
-                                  </p:childTnLst>
-                                </p:cTn>
-                              </p:par>
-                            </p:childTnLst>
-                          </p:cTn>
-                        </p:par>
-                      </p:childTnLst>
-                    </p:cTn>
-                  </p:par>
-                  <p:par>
-                    <p:cTn id="24" fill="hold">
-                      <p:stCondLst>
-                        <p:cond delay="indefinite"/>
-                      </p:stCondLst>
-                      <p:childTnLst>
-                        <p:par>
-                          <p:cTn id="25" fill="hold">
-                            <p:stCondLst>
-                              <p:cond delay="0"/>
-                            </p:stCondLst>
-                            <p:childTnLst>
-                              <p:par>
-                                <p:cTn id="26" presetID="42" presetClass="entr" presetSubtype="0" fill="hold" grpId="0" nodeType="clickEffect">
-                                  <p:stCondLst>
-                                    <p:cond delay="0"/>
-                                  </p:stCondLst>
-                                  <p:childTnLst>
-                                    <p:set>
-                                      <p:cBhvr>
-                                        <p:cTn id="27" dur="1" fill="hold">
-                                          <p:stCondLst>
-                                            <p:cond delay="0"/>
-                                          </p:stCondLst>
-                                        </p:cTn>
-                                        <p:tgtEl>
-                                          <p:spTgt spid="30"/>
-                                        </p:tgtEl>
-                                        <p:attrNameLst>
-                                          <p:attrName>style.visibility</p:attrName>
-                                        </p:attrNameLst>
-                                      </p:cBhvr>
-                                      <p:to>
-                                        <p:strVal val="visible"/>
-                                      </p:to>
-                                    </p:set>
-                                    <p:animEffect transition="in" filter="fade">
-                                      <p:cBhvr>
-                                        <p:cTn id="28" dur="1000"/>
-                                        <p:tgtEl>
-                                          <p:spTgt spid="30"/>
-                                        </p:tgtEl>
-                                      </p:cBhvr>
-                                    </p:animEffect>
-                                    <p:anim calcmode="lin" valueType="num">
-                                      <p:cBhvr>
-                                        <p:cTn id="29" dur="1000" fill="hold"/>
-                                        <p:tgtEl>
-                                          <p:spTgt spid="30"/>
-                                        </p:tgtEl>
-                                        <p:attrNameLst>
-                                          <p:attrName>ppt_x</p:attrName>
-                                        </p:attrNameLst>
-                                      </p:cBhvr>
-                                      <p:tavLst>
-                                        <p:tav tm="0">
-                                          <p:val>
-                                            <p:strVal val="#ppt_x"/>
-                                          </p:val>
-                                        </p:tav>
-                                        <p:tav tm="100000">
-                                          <p:val>
-                                            <p:strVal val="#ppt_x"/>
-                                          </p:val>
-                                        </p:tav>
-                                      </p:tavLst>
-                                    </p:anim>
-                                    <p:anim calcmode="lin" valueType="num">
-                                      <p:cBhvr>
-                                        <p:cTn id="30" dur="1000" fill="hold"/>
-                                        <p:tgtEl>
-                                          <p:spTgt spid="30"/>
-                                        </p:tgtEl>
-                                        <p:attrNameLst>
-                                          <p:attrName>ppt_y</p:attrName>
-                                        </p:attrNameLst>
-                                      </p:cBhvr>
-                                      <p:tavLst>
-                                        <p:tav tm="0">
-                                          <p:val>
-                                            <p:strVal val="#ppt_y+.1"/>
-                                          </p:val>
-                                        </p:tav>
-                                        <p:tav tm="100000">
-                                          <p:val>
-                                            <p:strVal val="#ppt_y"/>
-                                          </p:val>
-                                        </p:tav>
-                                      </p:tavLst>
-                                    </p:anim>
-                                  </p:childTnLst>
-                                </p:cTn>
-                              </p:par>
-                            </p:childTnLst>
-                          </p:cTn>
-                        </p:par>
-                      </p:childTnLst>
-                    </p:cTn>
-                  </p:par>
-                </p:childTnLst>
-              </p:cTn>
-              <p:prevCondLst>
-                <p:cond evt="onPrev" delay="0">
-                  <p:tgtEl>
-                    <p:sldTgt/>
-                  </p:tgtEl>
-                </p:cond>
-              </p:prevCondLst>
-              <p:nextCondLst>
-                <p:cond evt="onNext" delay="0">
-                  <p:tgtEl>
-                    <p:sldTgt/>
-                  </p:tgtEl>
-                </p:cond>
-              </p:nextCondLst>
-            </p:seq>
-          </p:childTnLst>
-        </p:cTn>
-      </p:par>
-    </p:tnLst>
-    <p:bldLst>
-      <p:bldP spid="19" grpId="0" animBg="1"/>
-      <p:bldP spid="20" grpId="0" animBg="1"/>
-      <p:bldP spid="21" grpId="0" animBg="1"/>
-      <p:bldP spid="30" grpId="0" animBg="1"/>
-    </p:bldLst>
-  </p:timing>
+</p:sld>
+</file>
+
+<file path=ppt/slides/slide8.xml><?xml version="1.0" encoding="utf-8"?>
+<p:sld xmlns:a="http://schemas.openxmlformats.org/drawingml/2006/main" xmlns:r="http://schemas.openxmlformats.org/officeDocument/2006/relationships" xmlns:p="http://schemas.openxmlformats.org/presentationml/2006/main">
+  <p:cSld>
+    <p:spTree>
+      <p:nvGrpSpPr>
+        <p:cNvPr id="1" name=""/>
+        <p:cNvGrpSpPr/>
+        <p:nvPr/>
+      </p:nvGrpSpPr>
+      <p:grpSpPr>
+        <a:xfrm>
+          <a:off x="0" y="0"/>
+          <a:ext cx="0" cy="0"/>
+          <a:chOff x="0" y="0"/>
+          <a:chExt cx="0" cy="0"/>
+        </a:xfrm>
+      </p:grpSpPr>
+      <p:sp>
+        <p:nvSpPr>
+          <p:cNvPr id="7" name="Romboid 6">
+            <a:extLst>
+              <a:ext uri="{FF2B5EF4-FFF2-40B4-BE49-F238E27FC236}">
+                <a16:creationId xmlns:a16="http://schemas.microsoft.com/office/drawing/2014/main" id="{C14500F2-0B46-4290-951F-DF3D69DD1363}"/>
+              </a:ext>
+            </a:extLst>
+          </p:cNvPr>
+          <p:cNvSpPr/>
+          <p:nvPr/>
+        </p:nvSpPr>
+        <p:spPr>
+          <a:xfrm>
+            <a:off x="-2345934" y="-22653"/>
+            <a:ext cx="19814784" cy="6891379"/>
+          </a:xfrm>
+          <a:prstGeom prst="parallelogram">
+            <a:avLst>
+              <a:gd name="adj" fmla="val 26861"/>
+            </a:avLst>
+          </a:prstGeom>
+          <a:solidFill>
+            <a:srgbClr val="000066"/>
+          </a:solidFill>
+          <a:ln>
+            <a:noFill/>
+          </a:ln>
+        </p:spPr>
+        <p:style>
+          <a:lnRef idx="2">
+            <a:schemeClr val="accent1">
+              <a:shade val="50000"/>
+            </a:schemeClr>
+          </a:lnRef>
+          <a:fillRef idx="1">
+            <a:schemeClr val="accent1"/>
+          </a:fillRef>
+          <a:effectRef idx="0">
+            <a:schemeClr val="accent1"/>
+          </a:effectRef>
+          <a:fontRef idx="minor">
+            <a:schemeClr val="lt1"/>
+          </a:fontRef>
+        </p:style>
+        <p:txBody>
+          <a:bodyPr rtlCol="0" anchor="ctr"/>
+          <a:lstStyle/>
+          <a:p>
+            <a:pPr algn="ctr"/>
+            <a:endParaRPr lang="hu-HU"/>
+          </a:p>
+        </p:txBody>
+      </p:sp>
+      <p:sp>
+        <p:nvSpPr>
+          <p:cNvPr id="2" name="Cím 1">
+            <a:extLst>
+              <a:ext uri="{FF2B5EF4-FFF2-40B4-BE49-F238E27FC236}">
+                <a16:creationId xmlns:a16="http://schemas.microsoft.com/office/drawing/2014/main" id="{1D23A297-1A1F-4903-AA15-A915E4203EB4}"/>
+              </a:ext>
+            </a:extLst>
+          </p:cNvPr>
+          <p:cNvSpPr>
+            <a:spLocks noGrp="1"/>
+          </p:cNvSpPr>
+          <p:nvPr>
+            <p:ph type="title"/>
+          </p:nvPr>
+        </p:nvSpPr>
+        <p:spPr/>
+        <p:txBody>
+          <a:bodyPr/>
+          <a:lstStyle/>
+          <a:p>
+            <a:r>
+              <a:rPr lang="hu-HU" dirty="0"/>
+              <a:t>HTML/CSS</a:t>
+            </a:r>
+          </a:p>
+        </p:txBody>
+      </p:sp>
+      <p:sp>
+        <p:nvSpPr>
+          <p:cNvPr id="3" name="Tartalom helye 2">
+            <a:extLst>
+              <a:ext uri="{FF2B5EF4-FFF2-40B4-BE49-F238E27FC236}">
+                <a16:creationId xmlns:a16="http://schemas.microsoft.com/office/drawing/2014/main" id="{6E7F34E2-3409-4CC2-A3FE-53255E48FE78}"/>
+              </a:ext>
+            </a:extLst>
+          </p:cNvPr>
+          <p:cNvSpPr>
+            <a:spLocks noGrp="1"/>
+          </p:cNvSpPr>
+          <p:nvPr>
+            <p:ph idx="1"/>
+          </p:nvPr>
+        </p:nvSpPr>
+        <p:spPr/>
+        <p:txBody>
+          <a:bodyPr/>
+          <a:lstStyle/>
+          <a:p>
+            <a:endParaRPr lang="hu-HU"/>
+          </a:p>
+        </p:txBody>
+      </p:sp>
+      <p:sp>
+        <p:nvSpPr>
+          <p:cNvPr id="8" name="Romboid 7">
+            <a:extLst>
+              <a:ext uri="{FF2B5EF4-FFF2-40B4-BE49-F238E27FC236}">
+                <a16:creationId xmlns:a16="http://schemas.microsoft.com/office/drawing/2014/main" id="{3AAFDFD9-ACFE-4318-A31C-0F1DC39C7620}"/>
+              </a:ext>
+            </a:extLst>
+          </p:cNvPr>
+          <p:cNvSpPr/>
+          <p:nvPr/>
+        </p:nvSpPr>
+        <p:spPr>
+          <a:xfrm>
+            <a:off x="13481003" y="-33379"/>
+            <a:ext cx="6995555" cy="6891379"/>
+          </a:xfrm>
+          <a:prstGeom prst="parallelogram">
+            <a:avLst>
+              <a:gd name="adj" fmla="val 26861"/>
+            </a:avLst>
+          </a:prstGeom>
+          <a:solidFill>
+            <a:srgbClr val="002163"/>
+          </a:solidFill>
+          <a:ln>
+            <a:noFill/>
+          </a:ln>
+        </p:spPr>
+        <p:style>
+          <a:lnRef idx="2">
+            <a:schemeClr val="accent1">
+              <a:shade val="50000"/>
+            </a:schemeClr>
+          </a:lnRef>
+          <a:fillRef idx="1">
+            <a:schemeClr val="accent1"/>
+          </a:fillRef>
+          <a:effectRef idx="0">
+            <a:schemeClr val="accent1"/>
+          </a:effectRef>
+          <a:fontRef idx="minor">
+            <a:schemeClr val="lt1"/>
+          </a:fontRef>
+        </p:style>
+        <p:txBody>
+          <a:bodyPr rtlCol="0" anchor="ctr"/>
+          <a:lstStyle/>
+          <a:p>
+            <a:pPr algn="ctr"/>
+            <a:endParaRPr lang="hu-HU"/>
+          </a:p>
+        </p:txBody>
+      </p:sp>
+      <p:sp>
+        <p:nvSpPr>
+          <p:cNvPr id="10" name="Romboid 9">
+            <a:extLst>
+              <a:ext uri="{FF2B5EF4-FFF2-40B4-BE49-F238E27FC236}">
+                <a16:creationId xmlns:a16="http://schemas.microsoft.com/office/drawing/2014/main" id="{C5619A04-609B-49FE-966E-11373E72D8DD}"/>
+              </a:ext>
+            </a:extLst>
+          </p:cNvPr>
+          <p:cNvSpPr/>
+          <p:nvPr/>
+        </p:nvSpPr>
+        <p:spPr>
+          <a:xfrm>
+            <a:off x="18580100" y="-44105"/>
+            <a:ext cx="22415778" cy="6912831"/>
+          </a:xfrm>
+          <a:prstGeom prst="parallelogram">
+            <a:avLst>
+              <a:gd name="adj" fmla="val 26861"/>
+            </a:avLst>
+          </a:prstGeom>
+          <a:solidFill>
+            <a:srgbClr val="009BD5"/>
+          </a:solidFill>
+          <a:ln>
+            <a:noFill/>
+          </a:ln>
+        </p:spPr>
+        <p:style>
+          <a:lnRef idx="2">
+            <a:schemeClr val="accent1">
+              <a:shade val="50000"/>
+            </a:schemeClr>
+          </a:lnRef>
+          <a:fillRef idx="1">
+            <a:schemeClr val="accent1"/>
+          </a:fillRef>
+          <a:effectRef idx="0">
+            <a:schemeClr val="accent1"/>
+          </a:effectRef>
+          <a:fontRef idx="minor">
+            <a:schemeClr val="lt1"/>
+          </a:fontRef>
+        </p:style>
+        <p:txBody>
+          <a:bodyPr rtlCol="0" anchor="ctr"/>
+          <a:lstStyle/>
+          <a:p>
+            <a:pPr algn="ctr"/>
+            <a:endParaRPr lang="hu-HU"/>
+          </a:p>
+        </p:txBody>
+      </p:sp>
+    </p:spTree>
+    <p:extLst>
+      <p:ext uri="{BB962C8B-B14F-4D97-AF65-F5344CB8AC3E}">
+        <p14:creationId xmlns:p14="http://schemas.microsoft.com/office/powerpoint/2010/main" val="620877803"/>
+      </p:ext>
+    </p:extLst>
+  </p:cSld>
+  <p:clrMapOvr>
+    <a:masterClrMapping/>
+  </p:clrMapOvr>
+  <mc:AlternateContent xmlns:mc="http://schemas.openxmlformats.org/markup-compatibility/2006">
+    <mc:Choice xmlns:p159="http://schemas.microsoft.com/office/powerpoint/2015/09/main" Requires="p159">
+      <p:transition xmlns:p14="http://schemas.microsoft.com/office/powerpoint/2010/main" spd="slow" p14:dur="2000">
+        <p159:morph option="byObject"/>
+      </p:transition>
+    </mc:Choice>
+    <mc:Fallback>
+      <p:transition spd="slow">
+        <p:fade/>
+      </p:transition>
+    </mc:Fallback>
+  </mc:AlternateContent>
+</p:sld>
+</file>
+
+<file path=ppt/slides/slide9.xml><?xml version="1.0" encoding="utf-8"?>
+<p:sld xmlns:a="http://schemas.openxmlformats.org/drawingml/2006/main" xmlns:r="http://schemas.openxmlformats.org/officeDocument/2006/relationships" xmlns:p="http://schemas.openxmlformats.org/presentationml/2006/main">
+  <p:cSld>
+    <p:spTree>
+      <p:nvGrpSpPr>
+        <p:cNvPr id="1" name=""/>
+        <p:cNvGrpSpPr/>
+        <p:nvPr/>
+      </p:nvGrpSpPr>
+      <p:grpSpPr>
+        <a:xfrm>
+          <a:off x="0" y="0"/>
+          <a:ext cx="0" cy="0"/>
+          <a:chOff x="0" y="0"/>
+          <a:chExt cx="0" cy="0"/>
+        </a:xfrm>
+      </p:grpSpPr>
+      <p:sp>
+        <p:nvSpPr>
+          <p:cNvPr id="6" name="Romboid 5">
+            <a:extLst>
+              <a:ext uri="{FF2B5EF4-FFF2-40B4-BE49-F238E27FC236}">
+                <a16:creationId xmlns:a16="http://schemas.microsoft.com/office/drawing/2014/main" id="{C80877C9-352B-47D2-9D48-C5245F25056D}"/>
+              </a:ext>
+            </a:extLst>
+          </p:cNvPr>
+          <p:cNvSpPr/>
+          <p:nvPr/>
+        </p:nvSpPr>
+        <p:spPr>
+          <a:xfrm>
+            <a:off x="-1904999" y="-33379"/>
+            <a:ext cx="22381558" cy="6891379"/>
+          </a:xfrm>
+          <a:prstGeom prst="parallelogram">
+            <a:avLst>
+              <a:gd name="adj" fmla="val 26861"/>
+            </a:avLst>
+          </a:prstGeom>
+          <a:solidFill>
+            <a:srgbClr val="002163"/>
+          </a:solidFill>
+          <a:ln>
+            <a:noFill/>
+          </a:ln>
+        </p:spPr>
+        <p:style>
+          <a:lnRef idx="2">
+            <a:schemeClr val="accent1">
+              <a:shade val="50000"/>
+            </a:schemeClr>
+          </a:lnRef>
+          <a:fillRef idx="1">
+            <a:schemeClr val="accent1"/>
+          </a:fillRef>
+          <a:effectRef idx="0">
+            <a:schemeClr val="accent1"/>
+          </a:effectRef>
+          <a:fontRef idx="minor">
+            <a:schemeClr val="lt1"/>
+          </a:fontRef>
+        </p:style>
+        <p:txBody>
+          <a:bodyPr rtlCol="0" anchor="ctr"/>
+          <a:lstStyle/>
+          <a:p>
+            <a:pPr algn="ctr"/>
+            <a:endParaRPr lang="hu-HU"/>
+          </a:p>
+        </p:txBody>
+      </p:sp>
+      <p:sp>
+        <p:nvSpPr>
+          <p:cNvPr id="7" name="Romboid 6">
+            <a:extLst>
+              <a:ext uri="{FF2B5EF4-FFF2-40B4-BE49-F238E27FC236}">
+                <a16:creationId xmlns:a16="http://schemas.microsoft.com/office/drawing/2014/main" id="{69031AE5-7BAC-49BE-B673-28988C4C6AB2}"/>
+              </a:ext>
+            </a:extLst>
+          </p:cNvPr>
+          <p:cNvSpPr/>
+          <p:nvPr/>
+        </p:nvSpPr>
+        <p:spPr>
+          <a:xfrm>
+            <a:off x="-19814784" y="-22653"/>
+            <a:ext cx="19814784" cy="6891379"/>
+          </a:xfrm>
+          <a:prstGeom prst="parallelogram">
+            <a:avLst>
+              <a:gd name="adj" fmla="val 26861"/>
+            </a:avLst>
+          </a:prstGeom>
+          <a:solidFill>
+            <a:srgbClr val="000066"/>
+          </a:solidFill>
+          <a:ln>
+            <a:noFill/>
+          </a:ln>
+        </p:spPr>
+        <p:style>
+          <a:lnRef idx="2">
+            <a:schemeClr val="accent1">
+              <a:shade val="50000"/>
+            </a:schemeClr>
+          </a:lnRef>
+          <a:fillRef idx="1">
+            <a:schemeClr val="accent1"/>
+          </a:fillRef>
+          <a:effectRef idx="0">
+            <a:schemeClr val="accent1"/>
+          </a:effectRef>
+          <a:fontRef idx="minor">
+            <a:schemeClr val="lt1"/>
+          </a:fontRef>
+        </p:style>
+        <p:txBody>
+          <a:bodyPr rtlCol="0" anchor="ctr"/>
+          <a:lstStyle/>
+          <a:p>
+            <a:pPr algn="ctr"/>
+            <a:endParaRPr lang="hu-HU"/>
+          </a:p>
+        </p:txBody>
+      </p:sp>
+      <p:sp>
+        <p:nvSpPr>
+          <p:cNvPr id="2" name="Cím 1">
+            <a:extLst>
+              <a:ext uri="{FF2B5EF4-FFF2-40B4-BE49-F238E27FC236}">
+                <a16:creationId xmlns:a16="http://schemas.microsoft.com/office/drawing/2014/main" id="{CB1B688B-ED49-4A95-B0A6-6E7BDE2FDBCE}"/>
+              </a:ext>
+            </a:extLst>
+          </p:cNvPr>
+          <p:cNvSpPr>
+            <a:spLocks noGrp="1"/>
+          </p:cNvSpPr>
+          <p:nvPr>
+            <p:ph type="title"/>
+          </p:nvPr>
+        </p:nvSpPr>
+        <p:spPr/>
+        <p:txBody>
+          <a:bodyPr/>
+          <a:lstStyle/>
+          <a:p>
+            <a:r>
+              <a:rPr lang="hu-HU" dirty="0"/>
+              <a:t>JAVASCRIPT</a:t>
+            </a:r>
+          </a:p>
+        </p:txBody>
+      </p:sp>
+      <p:sp>
+        <p:nvSpPr>
+          <p:cNvPr id="3" name="Tartalom helye 2">
+            <a:extLst>
+              <a:ext uri="{FF2B5EF4-FFF2-40B4-BE49-F238E27FC236}">
+                <a16:creationId xmlns:a16="http://schemas.microsoft.com/office/drawing/2014/main" id="{A752E5E5-A8A7-44BC-8E4E-34C902C757D4}"/>
+              </a:ext>
+            </a:extLst>
+          </p:cNvPr>
+          <p:cNvSpPr>
+            <a:spLocks noGrp="1"/>
+          </p:cNvSpPr>
+          <p:nvPr>
+            <p:ph idx="1"/>
+          </p:nvPr>
+        </p:nvSpPr>
+        <p:spPr/>
+        <p:txBody>
+          <a:bodyPr/>
+          <a:lstStyle/>
+          <a:p>
+            <a:endParaRPr lang="hu-HU"/>
+          </a:p>
+        </p:txBody>
+      </p:sp>
+      <p:sp>
+        <p:nvSpPr>
+          <p:cNvPr id="9" name="Romboid 8">
+            <a:extLst>
+              <a:ext uri="{FF2B5EF4-FFF2-40B4-BE49-F238E27FC236}">
+                <a16:creationId xmlns:a16="http://schemas.microsoft.com/office/drawing/2014/main" id="{995E086E-AA84-4608-A0EC-1E1F4AFB108E}"/>
+              </a:ext>
+            </a:extLst>
+          </p:cNvPr>
+          <p:cNvSpPr/>
+          <p:nvPr/>
+        </p:nvSpPr>
+        <p:spPr>
+          <a:xfrm>
+            <a:off x="18595270" y="0"/>
+            <a:ext cx="22381558" cy="6891379"/>
+          </a:xfrm>
+          <a:prstGeom prst="parallelogram">
+            <a:avLst>
+              <a:gd name="adj" fmla="val 26861"/>
+            </a:avLst>
+          </a:prstGeom>
+          <a:solidFill>
+            <a:srgbClr val="009BD5"/>
+          </a:solidFill>
+          <a:ln>
+            <a:noFill/>
+          </a:ln>
+        </p:spPr>
+        <p:style>
+          <a:lnRef idx="2">
+            <a:schemeClr val="accent1">
+              <a:shade val="50000"/>
+            </a:schemeClr>
+          </a:lnRef>
+          <a:fillRef idx="1">
+            <a:schemeClr val="accent1"/>
+          </a:fillRef>
+          <a:effectRef idx="0">
+            <a:schemeClr val="accent1"/>
+          </a:effectRef>
+          <a:fontRef idx="minor">
+            <a:schemeClr val="lt1"/>
+          </a:fontRef>
+        </p:style>
+        <p:txBody>
+          <a:bodyPr rtlCol="0" anchor="ctr"/>
+          <a:lstStyle/>
+          <a:p>
+            <a:pPr algn="ctr"/>
+            <a:endParaRPr lang="hu-HU"/>
+          </a:p>
+        </p:txBody>
+      </p:sp>
+    </p:spTree>
+    <p:extLst>
+      <p:ext uri="{BB962C8B-B14F-4D97-AF65-F5344CB8AC3E}">
+        <p14:creationId xmlns:p14="http://schemas.microsoft.com/office/powerpoint/2010/main" val="334953808"/>
+      </p:ext>
+    </p:extLst>
+  </p:cSld>
+  <p:clrMapOvr>
+    <a:masterClrMapping/>
+  </p:clrMapOvr>
+  <mc:AlternateContent xmlns:mc="http://schemas.openxmlformats.org/markup-compatibility/2006">
+    <mc:Choice xmlns:p159="http://schemas.microsoft.com/office/powerpoint/2015/09/main" Requires="p159">
+      <p:transition xmlns:p14="http://schemas.microsoft.com/office/powerpoint/2010/main" spd="slow" p14:dur="2000">
+        <p159:morph option="byObject"/>
+      </p:transition>
+    </mc:Choice>
+    <mc:Fallback>
+      <p:transition spd="slow">
+        <p:fade/>
+      </p:transition>
+    </mc:Fallback>
+  </mc:AlternateContent>
 </p:sld>
 </file>
 

--- a/powerpoint.pptx
+++ b/powerpoint.pptx
@@ -4088,6 +4088,114 @@
       </p:grpSpPr>
       <p:sp>
         <p:nvSpPr>
+          <p:cNvPr id="7" name="Romboid 6">
+            <a:extLst>
+              <a:ext uri="{FF2B5EF4-FFF2-40B4-BE49-F238E27FC236}">
+                <a16:creationId xmlns:a16="http://schemas.microsoft.com/office/drawing/2014/main" id="{69031AE5-7BAC-49BE-B673-28988C4C6AB2}"/>
+              </a:ext>
+            </a:extLst>
+          </p:cNvPr>
+          <p:cNvSpPr/>
+          <p:nvPr/>
+        </p:nvSpPr>
+        <p:spPr>
+          <a:xfrm>
+            <a:off x="-19814784" y="-22653"/>
+            <a:ext cx="19814784" cy="6891379"/>
+          </a:xfrm>
+          <a:prstGeom prst="parallelogram">
+            <a:avLst>
+              <a:gd name="adj" fmla="val 26861"/>
+            </a:avLst>
+          </a:prstGeom>
+          <a:solidFill>
+            <a:srgbClr val="660000"/>
+          </a:solidFill>
+          <a:ln>
+            <a:noFill/>
+          </a:ln>
+        </p:spPr>
+        <p:style>
+          <a:lnRef idx="2">
+            <a:schemeClr val="accent1">
+              <a:shade val="50000"/>
+            </a:schemeClr>
+          </a:lnRef>
+          <a:fillRef idx="1">
+            <a:schemeClr val="accent1"/>
+          </a:fillRef>
+          <a:effectRef idx="0">
+            <a:schemeClr val="accent1"/>
+          </a:effectRef>
+          <a:fontRef idx="minor">
+            <a:schemeClr val="lt1"/>
+          </a:fontRef>
+        </p:style>
+        <p:txBody>
+          <a:bodyPr rtlCol="0" anchor="ctr"/>
+          <a:lstStyle/>
+          <a:p>
+            <a:pPr algn="ctr"/>
+            <a:endParaRPr lang="hu-HU"/>
+          </a:p>
+        </p:txBody>
+      </p:sp>
+      <p:sp>
+        <p:nvSpPr>
+          <p:cNvPr id="6" name="Romboid 5">
+            <a:extLst>
+              <a:ext uri="{FF2B5EF4-FFF2-40B4-BE49-F238E27FC236}">
+                <a16:creationId xmlns:a16="http://schemas.microsoft.com/office/drawing/2014/main" id="{C80877C9-352B-47D2-9D48-C5245F25056D}"/>
+              </a:ext>
+            </a:extLst>
+          </p:cNvPr>
+          <p:cNvSpPr/>
+          <p:nvPr/>
+        </p:nvSpPr>
+        <p:spPr>
+          <a:xfrm>
+            <a:off x="-22523259" y="-33379"/>
+            <a:ext cx="22381558" cy="6891379"/>
+          </a:xfrm>
+          <a:prstGeom prst="parallelogram">
+            <a:avLst>
+              <a:gd name="adj" fmla="val 26861"/>
+            </a:avLst>
+          </a:prstGeom>
+          <a:solidFill>
+            <a:srgbClr val="002163"/>
+          </a:solidFill>
+          <a:ln>
+            <a:noFill/>
+          </a:ln>
+        </p:spPr>
+        <p:style>
+          <a:lnRef idx="2">
+            <a:schemeClr val="accent1">
+              <a:shade val="50000"/>
+            </a:schemeClr>
+          </a:lnRef>
+          <a:fillRef idx="1">
+            <a:schemeClr val="accent1"/>
+          </a:fillRef>
+          <a:effectRef idx="0">
+            <a:schemeClr val="accent1"/>
+          </a:effectRef>
+          <a:fontRef idx="minor">
+            <a:schemeClr val="lt1"/>
+          </a:fontRef>
+        </p:style>
+        <p:txBody>
+          <a:bodyPr rtlCol="0" anchor="ctr"/>
+          <a:lstStyle/>
+          <a:p>
+            <a:pPr algn="ctr"/>
+            <a:endParaRPr lang="hu-HU"/>
+          </a:p>
+        </p:txBody>
+      </p:sp>
+      <p:sp>
+        <p:nvSpPr>
           <p:cNvPr id="9" name="Romboid 8">
             <a:extLst>
               <a:ext uri="{FF2B5EF4-FFF2-40B4-BE49-F238E27FC236}">
@@ -4142,60 +4250,6 @@
       </p:sp>
       <p:sp>
         <p:nvSpPr>
-          <p:cNvPr id="7" name="Romboid 6">
-            <a:extLst>
-              <a:ext uri="{FF2B5EF4-FFF2-40B4-BE49-F238E27FC236}">
-                <a16:creationId xmlns:a16="http://schemas.microsoft.com/office/drawing/2014/main" id="{69031AE5-7BAC-49BE-B673-28988C4C6AB2}"/>
-              </a:ext>
-            </a:extLst>
-          </p:cNvPr>
-          <p:cNvSpPr/>
-          <p:nvPr/>
-        </p:nvSpPr>
-        <p:spPr>
-          <a:xfrm>
-            <a:off x="-19814784" y="-22653"/>
-            <a:ext cx="19814784" cy="6891379"/>
-          </a:xfrm>
-          <a:prstGeom prst="parallelogram">
-            <a:avLst>
-              <a:gd name="adj" fmla="val 26861"/>
-            </a:avLst>
-          </a:prstGeom>
-          <a:solidFill>
-            <a:srgbClr val="000066"/>
-          </a:solidFill>
-          <a:ln>
-            <a:noFill/>
-          </a:ln>
-        </p:spPr>
-        <p:style>
-          <a:lnRef idx="2">
-            <a:schemeClr val="accent1">
-              <a:shade val="50000"/>
-            </a:schemeClr>
-          </a:lnRef>
-          <a:fillRef idx="1">
-            <a:schemeClr val="accent1"/>
-          </a:fillRef>
-          <a:effectRef idx="0">
-            <a:schemeClr val="accent1"/>
-          </a:effectRef>
-          <a:fontRef idx="minor">
-            <a:schemeClr val="lt1"/>
-          </a:fontRef>
-        </p:style>
-        <p:txBody>
-          <a:bodyPr rtlCol="0" anchor="ctr"/>
-          <a:lstStyle/>
-          <a:p>
-            <a:pPr algn="ctr"/>
-            <a:endParaRPr lang="hu-HU"/>
-          </a:p>
-        </p:txBody>
-      </p:sp>
-      <p:sp>
-        <p:nvSpPr>
           <p:cNvPr id="2" name="Cím 1">
             <a:extLst>
               <a:ext uri="{FF2B5EF4-FFF2-40B4-BE49-F238E27FC236}">
@@ -4216,9 +4270,18 @@
           <a:lstStyle/>
           <a:p>
             <a:r>
+              <a:rPr lang="hu-HU" dirty="0" err="1"/>
+              <a:t>Html</a:t>
+            </a:r>
+            <a:r>
               <a:rPr lang="hu-HU" dirty="0"/>
-              <a:t>PYTHON</a:t>
+              <a:t>/</a:t>
             </a:r>
+            <a:r>
+              <a:rPr lang="hu-HU" dirty="0" err="1"/>
+              <a:t>css</a:t>
+            </a:r>
+            <a:endParaRPr lang="hu-HU" dirty="0"/>
           </a:p>
         </p:txBody>
       </p:sp>
@@ -4243,61 +4306,7 @@
           <a:bodyPr/>
           <a:lstStyle/>
           <a:p>
-            <a:endParaRPr lang="hu-HU"/>
-          </a:p>
-        </p:txBody>
-      </p:sp>
-      <p:sp>
-        <p:nvSpPr>
-          <p:cNvPr id="6" name="Romboid 5">
-            <a:extLst>
-              <a:ext uri="{FF2B5EF4-FFF2-40B4-BE49-F238E27FC236}">
-                <a16:creationId xmlns:a16="http://schemas.microsoft.com/office/drawing/2014/main" id="{C80877C9-352B-47D2-9D48-C5245F25056D}"/>
-              </a:ext>
-            </a:extLst>
-          </p:cNvPr>
-          <p:cNvSpPr/>
-          <p:nvPr/>
-        </p:nvSpPr>
-        <p:spPr>
-          <a:xfrm>
-            <a:off x="-22523259" y="-33379"/>
-            <a:ext cx="22381558" cy="6891379"/>
-          </a:xfrm>
-          <a:prstGeom prst="parallelogram">
-            <a:avLst>
-              <a:gd name="adj" fmla="val 26861"/>
-            </a:avLst>
-          </a:prstGeom>
-          <a:solidFill>
-            <a:srgbClr val="002163"/>
-          </a:solidFill>
-          <a:ln>
-            <a:noFill/>
-          </a:ln>
-        </p:spPr>
-        <p:style>
-          <a:lnRef idx="2">
-            <a:schemeClr val="accent1">
-              <a:shade val="50000"/>
-            </a:schemeClr>
-          </a:lnRef>
-          <a:fillRef idx="1">
-            <a:schemeClr val="accent1"/>
-          </a:fillRef>
-          <a:effectRef idx="0">
-            <a:schemeClr val="accent1"/>
-          </a:effectRef>
-          <a:fontRef idx="minor">
-            <a:schemeClr val="lt1"/>
-          </a:fontRef>
-        </p:style>
-        <p:txBody>
-          <a:bodyPr rtlCol="0" anchor="ctr"/>
-          <a:lstStyle/>
-          <a:p>
-            <a:pPr algn="ctr"/>
-            <a:endParaRPr lang="hu-HU"/>
+            <a:endParaRPr lang="hu-HU" dirty="0"/>
           </a:p>
         </p:txBody>
       </p:sp>
@@ -4311,13 +4320,13 @@
   <p:clrMapOvr>
     <a:masterClrMapping/>
   </p:clrMapOvr>
-  <mc:AlternateContent xmlns:mc="http://schemas.openxmlformats.org/markup-compatibility/2006">
-    <mc:Choice xmlns:p159="http://schemas.microsoft.com/office/powerpoint/2015/09/main" Requires="p159">
+  <mc:AlternateContent xmlns:mc="http://schemas.openxmlformats.org/markup-compatibility/2006" xmlns:p159="http://schemas.microsoft.com/office/powerpoint/2015/09/main">
+    <mc:Choice Requires="p159">
       <p:transition xmlns:p14="http://schemas.microsoft.com/office/powerpoint/2010/main" spd="slow" p14:dur="2000">
         <p159:morph option="byObject"/>
       </p:transition>
     </mc:Choice>
-    <mc:Fallback>
+    <mc:Fallback xmlns="">
       <p:transition spd="slow">
         <p:fade/>
       </p:transition>
@@ -8394,7 +8403,7 @@
             </a:avLst>
           </a:prstGeom>
           <a:solidFill>
-            <a:srgbClr val="000066"/>
+            <a:srgbClr val="660000"/>
           </a:solidFill>
         </p:spPr>
         <p:style>
@@ -8527,6 +8536,150 @@
           </a:p>
         </p:txBody>
       </p:sp>
+      <p:pic>
+        <p:nvPicPr>
+          <p:cNvPr id="34" name="Kép 33">
+            <a:extLst>
+              <a:ext uri="{FF2B5EF4-FFF2-40B4-BE49-F238E27FC236}">
+                <a16:creationId xmlns:a16="http://schemas.microsoft.com/office/drawing/2014/main" id="{C68D6931-9327-42DA-9209-3541A404AFB2}"/>
+              </a:ext>
+            </a:extLst>
+          </p:cNvPr>
+          <p:cNvPicPr>
+            <a:picLocks noChangeAspect="1"/>
+          </p:cNvPicPr>
+          <p:nvPr/>
+        </p:nvPicPr>
+        <p:blipFill>
+          <a:blip r:embed="rId6">
+            <a:extLst>
+              <a:ext uri="{28A0092B-C50C-407E-A947-70E740481C1C}">
+                <a14:useLocalDpi xmlns:a14="http://schemas.microsoft.com/office/drawing/2010/main" val="0"/>
+              </a:ext>
+            </a:extLst>
+          </a:blip>
+          <a:stretch>
+            <a:fillRect/>
+          </a:stretch>
+        </p:blipFill>
+        <p:spPr>
+          <a:xfrm>
+            <a:off x="-13743069" y="34826020"/>
+            <a:ext cx="2799791" cy="2799791"/>
+          </a:xfrm>
+          <a:prstGeom prst="rect">
+            <a:avLst/>
+          </a:prstGeom>
+        </p:spPr>
+      </p:pic>
+      <p:pic>
+        <p:nvPicPr>
+          <p:cNvPr id="35" name="Kép 34">
+            <a:extLst>
+              <a:ext uri="{FF2B5EF4-FFF2-40B4-BE49-F238E27FC236}">
+                <a16:creationId xmlns:a16="http://schemas.microsoft.com/office/drawing/2014/main" id="{1309C9B8-B687-46C0-BFDF-C6638C9A657B}"/>
+              </a:ext>
+            </a:extLst>
+          </p:cNvPr>
+          <p:cNvPicPr>
+            <a:picLocks/>
+          </p:cNvPicPr>
+          <p:nvPr/>
+        </p:nvPicPr>
+        <p:blipFill>
+          <a:blip r:embed="rId7">
+            <a:extLst>
+              <a:ext uri="{28A0092B-C50C-407E-A947-70E740481C1C}">
+                <a14:useLocalDpi xmlns:a14="http://schemas.microsoft.com/office/drawing/2010/main" val="0"/>
+              </a:ext>
+            </a:extLst>
+          </a:blip>
+          <a:stretch>
+            <a:fillRect/>
+          </a:stretch>
+        </p:blipFill>
+        <p:spPr>
+          <a:xfrm>
+            <a:off x="25948171" y="-48199942"/>
+            <a:ext cx="2765366" cy="2880000"/>
+          </a:xfrm>
+          <a:prstGeom prst="rect">
+            <a:avLst/>
+          </a:prstGeom>
+        </p:spPr>
+      </p:pic>
+      <p:pic>
+        <p:nvPicPr>
+          <p:cNvPr id="37" name="Kép 36">
+            <a:extLst>
+              <a:ext uri="{FF2B5EF4-FFF2-40B4-BE49-F238E27FC236}">
+                <a16:creationId xmlns:a16="http://schemas.microsoft.com/office/drawing/2014/main" id="{61496F6D-0772-4C32-A795-B7E659F73116}"/>
+              </a:ext>
+            </a:extLst>
+          </p:cNvPr>
+          <p:cNvPicPr>
+            <a:picLocks noChangeAspect="1"/>
+          </p:cNvPicPr>
+          <p:nvPr/>
+        </p:nvPicPr>
+        <p:blipFill>
+          <a:blip r:embed="rId8">
+            <a:extLst>
+              <a:ext uri="{28A0092B-C50C-407E-A947-70E740481C1C}">
+                <a14:useLocalDpi xmlns:a14="http://schemas.microsoft.com/office/drawing/2010/main" val="0"/>
+              </a:ext>
+            </a:extLst>
+          </a:blip>
+          <a:stretch>
+            <a:fillRect/>
+          </a:stretch>
+        </p:blipFill>
+        <p:spPr>
+          <a:xfrm>
+            <a:off x="24788835" y="-44723820"/>
+            <a:ext cx="2041347" cy="2880000"/>
+          </a:xfrm>
+          <a:prstGeom prst="rect">
+            <a:avLst/>
+          </a:prstGeom>
+        </p:spPr>
+      </p:pic>
+      <p:pic>
+        <p:nvPicPr>
+          <p:cNvPr id="38" name="Kép 37">
+            <a:extLst>
+              <a:ext uri="{FF2B5EF4-FFF2-40B4-BE49-F238E27FC236}">
+                <a16:creationId xmlns:a16="http://schemas.microsoft.com/office/drawing/2014/main" id="{611847F8-1C28-40AE-A0F2-C7F0096050B5}"/>
+              </a:ext>
+            </a:extLst>
+          </p:cNvPr>
+          <p:cNvPicPr>
+            <a:picLocks noChangeAspect="1"/>
+          </p:cNvPicPr>
+          <p:nvPr/>
+        </p:nvPicPr>
+        <p:blipFill>
+          <a:blip r:embed="rId9">
+            <a:extLst>
+              <a:ext uri="{28A0092B-C50C-407E-A947-70E740481C1C}">
+                <a14:useLocalDpi xmlns:a14="http://schemas.microsoft.com/office/drawing/2010/main" val="0"/>
+              </a:ext>
+            </a:extLst>
+          </a:blip>
+          <a:stretch>
+            <a:fillRect/>
+          </a:stretch>
+        </p:blipFill>
+        <p:spPr>
+          <a:xfrm>
+            <a:off x="-6064267" y="1468438"/>
+            <a:ext cx="3892543" cy="4267200"/>
+          </a:xfrm>
+          <a:prstGeom prst="rect">
+            <a:avLst/>
+          </a:prstGeom>
+        </p:spPr>
+      </p:pic>
     </p:spTree>
     <p:extLst>
       <p:ext uri="{BB962C8B-B14F-4D97-AF65-F5344CB8AC3E}">
@@ -9414,7 +9567,7 @@
             </a:avLst>
           </a:prstGeom>
           <a:solidFill>
-            <a:srgbClr val="000066"/>
+            <a:srgbClr val="660000"/>
           </a:solidFill>
           <a:ln>
             <a:noFill/>
@@ -9735,6 +9888,150 @@
           </a:p>
         </p:txBody>
       </p:sp>
+      <p:pic>
+        <p:nvPicPr>
+          <p:cNvPr id="20" name="Kép 19">
+            <a:extLst>
+              <a:ext uri="{FF2B5EF4-FFF2-40B4-BE49-F238E27FC236}">
+                <a16:creationId xmlns:a16="http://schemas.microsoft.com/office/drawing/2014/main" id="{ECA5C03A-09D9-401A-A4E9-B951C0BC629C}"/>
+              </a:ext>
+            </a:extLst>
+          </p:cNvPr>
+          <p:cNvPicPr>
+            <a:picLocks/>
+          </p:cNvPicPr>
+          <p:nvPr/>
+        </p:nvPicPr>
+        <p:blipFill>
+          <a:blip r:embed="rId5">
+            <a:extLst>
+              <a:ext uri="{28A0092B-C50C-407E-A947-70E740481C1C}">
+                <a14:useLocalDpi xmlns:a14="http://schemas.microsoft.com/office/drawing/2010/main" val="0"/>
+              </a:ext>
+            </a:extLst>
+          </a:blip>
+          <a:stretch>
+            <a:fillRect/>
+          </a:stretch>
+        </p:blipFill>
+        <p:spPr>
+          <a:xfrm>
+            <a:off x="9793771" y="271525"/>
+            <a:ext cx="2765366" cy="2880000"/>
+          </a:xfrm>
+          <a:prstGeom prst="rect">
+            <a:avLst/>
+          </a:prstGeom>
+        </p:spPr>
+      </p:pic>
+      <p:pic>
+        <p:nvPicPr>
+          <p:cNvPr id="25" name="Kép 24">
+            <a:extLst>
+              <a:ext uri="{FF2B5EF4-FFF2-40B4-BE49-F238E27FC236}">
+                <a16:creationId xmlns:a16="http://schemas.microsoft.com/office/drawing/2014/main" id="{A15AA571-3C55-441E-9AD2-91D03F3B437C}"/>
+              </a:ext>
+            </a:extLst>
+          </p:cNvPr>
+          <p:cNvPicPr>
+            <a:picLocks noChangeAspect="1"/>
+          </p:cNvPicPr>
+          <p:nvPr/>
+        </p:nvPicPr>
+        <p:blipFill>
+          <a:blip r:embed="rId6">
+            <a:extLst>
+              <a:ext uri="{28A0092B-C50C-407E-A947-70E740481C1C}">
+                <a14:useLocalDpi xmlns:a14="http://schemas.microsoft.com/office/drawing/2010/main" val="0"/>
+              </a:ext>
+            </a:extLst>
+          </a:blip>
+          <a:stretch>
+            <a:fillRect/>
+          </a:stretch>
+        </p:blipFill>
+        <p:spPr>
+          <a:xfrm>
+            <a:off x="532275" y="2029104"/>
+            <a:ext cx="2799791" cy="2799791"/>
+          </a:xfrm>
+          <a:prstGeom prst="rect">
+            <a:avLst/>
+          </a:prstGeom>
+        </p:spPr>
+      </p:pic>
+      <p:pic>
+        <p:nvPicPr>
+          <p:cNvPr id="30" name="Kép 29">
+            <a:extLst>
+              <a:ext uri="{FF2B5EF4-FFF2-40B4-BE49-F238E27FC236}">
+                <a16:creationId xmlns:a16="http://schemas.microsoft.com/office/drawing/2014/main" id="{8BEBFB8B-B768-4C65-A816-592EBE2453FF}"/>
+              </a:ext>
+            </a:extLst>
+          </p:cNvPr>
+          <p:cNvPicPr>
+            <a:picLocks noChangeAspect="1"/>
+          </p:cNvPicPr>
+          <p:nvPr/>
+        </p:nvPicPr>
+        <p:blipFill>
+          <a:blip r:embed="rId7">
+            <a:extLst>
+              <a:ext uri="{28A0092B-C50C-407E-A947-70E740481C1C}">
+                <a14:useLocalDpi xmlns:a14="http://schemas.microsoft.com/office/drawing/2010/main" val="0"/>
+              </a:ext>
+            </a:extLst>
+          </a:blip>
+          <a:stretch>
+            <a:fillRect/>
+          </a:stretch>
+        </p:blipFill>
+        <p:spPr>
+          <a:xfrm>
+            <a:off x="8634435" y="3747647"/>
+            <a:ext cx="2041347" cy="2880000"/>
+          </a:xfrm>
+          <a:prstGeom prst="rect">
+            <a:avLst/>
+          </a:prstGeom>
+        </p:spPr>
+      </p:pic>
+      <p:pic>
+        <p:nvPicPr>
+          <p:cNvPr id="32" name="Kép 31">
+            <a:extLst>
+              <a:ext uri="{FF2B5EF4-FFF2-40B4-BE49-F238E27FC236}">
+                <a16:creationId xmlns:a16="http://schemas.microsoft.com/office/drawing/2014/main" id="{B41ABAC3-55DA-49FB-8A3F-05D416B40DBC}"/>
+              </a:ext>
+            </a:extLst>
+          </p:cNvPr>
+          <p:cNvPicPr>
+            <a:picLocks noChangeAspect="1"/>
+          </p:cNvPicPr>
+          <p:nvPr/>
+        </p:nvPicPr>
+        <p:blipFill>
+          <a:blip r:embed="rId8">
+            <a:extLst>
+              <a:ext uri="{28A0092B-C50C-407E-A947-70E740481C1C}">
+                <a14:useLocalDpi xmlns:a14="http://schemas.microsoft.com/office/drawing/2010/main" val="0"/>
+              </a:ext>
+            </a:extLst>
+          </a:blip>
+          <a:stretch>
+            <a:fillRect/>
+          </a:stretch>
+        </p:blipFill>
+        <p:spPr>
+          <a:xfrm>
+            <a:off x="4304542" y="1569660"/>
+            <a:ext cx="3892543" cy="4267200"/>
+          </a:xfrm>
+          <a:prstGeom prst="rect">
+            <a:avLst/>
+          </a:prstGeom>
+        </p:spPr>
+      </p:pic>
     </p:spTree>
     <p:extLst>
       <p:ext uri="{BB962C8B-B14F-4D97-AF65-F5344CB8AC3E}">
@@ -9800,7 +10097,7 @@
             </a:avLst>
           </a:prstGeom>
           <a:solidFill>
-            <a:srgbClr val="000066"/>
+            <a:srgbClr val="660000"/>
           </a:solidFill>
           <a:ln>
             <a:noFill/>
@@ -9853,9 +10150,10 @@
           <a:lstStyle/>
           <a:p>
             <a:r>
-              <a:rPr lang="hu-HU" dirty="0"/>
-              <a:t>HTML/CSS</a:t>
+              <a:rPr lang="hu-HU" dirty="0" err="1"/>
+              <a:t>hightlight</a:t>
             </a:r>
+            <a:endParaRPr lang="hu-HU" dirty="0"/>
           </a:p>
         </p:txBody>
       </p:sp>
@@ -10002,13 +10300,13 @@
   <p:clrMapOvr>
     <a:masterClrMapping/>
   </p:clrMapOvr>
-  <mc:AlternateContent xmlns:mc="http://schemas.openxmlformats.org/markup-compatibility/2006">
-    <mc:Choice xmlns:p159="http://schemas.microsoft.com/office/powerpoint/2015/09/main" Requires="p159">
+  <mc:AlternateContent xmlns:mc="http://schemas.openxmlformats.org/markup-compatibility/2006" xmlns:p159="http://schemas.microsoft.com/office/powerpoint/2015/09/main">
+    <mc:Choice Requires="p159">
       <p:transition xmlns:p14="http://schemas.microsoft.com/office/powerpoint/2010/main" spd="slow" p14:dur="2000">
         <p159:morph option="byObject"/>
       </p:transition>
     </mc:Choice>
-    <mc:Fallback>
+    <mc:Fallback xmlns="">
       <p:transition spd="slow">
         <p:fade/>
       </p:transition>
@@ -10111,7 +10409,7 @@
             </a:avLst>
           </a:prstGeom>
           <a:solidFill>
-            <a:srgbClr val="000066"/>
+            <a:srgbClr val="660000"/>
           </a:solidFill>
           <a:ln>
             <a:noFill/>
@@ -10165,7 +10463,7 @@
           <a:p>
             <a:r>
               <a:rPr lang="hu-HU" dirty="0"/>
-              <a:t>JAVASCRIPT</a:t>
+              <a:t>PYTHON</a:t>
             </a:r>
           </a:p>
         </p:txBody>
@@ -10259,13 +10557,13 @@
   <p:clrMapOvr>
     <a:masterClrMapping/>
   </p:clrMapOvr>
-  <mc:AlternateContent xmlns:mc="http://schemas.openxmlformats.org/markup-compatibility/2006">
-    <mc:Choice xmlns:p159="http://schemas.microsoft.com/office/powerpoint/2015/09/main" Requires="p159">
+  <mc:AlternateContent xmlns:mc="http://schemas.openxmlformats.org/markup-compatibility/2006" xmlns:p159="http://schemas.microsoft.com/office/powerpoint/2015/09/main">
+    <mc:Choice Requires="p159">
       <p:transition xmlns:p14="http://schemas.microsoft.com/office/powerpoint/2010/main" spd="slow" p14:dur="2000">
         <p159:morph option="byObject"/>
       </p:transition>
     </mc:Choice>
-    <mc:Fallback>
+    <mc:Fallback xmlns="">
       <p:transition spd="slow">
         <p:fade/>
       </p:transition>

--- a/powerpoint.pptx
+++ b/powerpoint.pptx
@@ -268,7 +268,7 @@
           <a:p>
             <a:fld id="{9249FF70-B285-4D3D-80DB-5BA50DBCDABD}" type="datetimeFigureOut">
               <a:rPr lang="hu-HU" smtClean="0"/>
-              <a:t>2024. 02. 07.</a:t>
+              <a:t>2024.02.08</a:t>
             </a:fld>
             <a:endParaRPr lang="hu-HU"/>
           </a:p>
@@ -466,7 +466,7 @@
           <a:p>
             <a:fld id="{9249FF70-B285-4D3D-80DB-5BA50DBCDABD}" type="datetimeFigureOut">
               <a:rPr lang="hu-HU" smtClean="0"/>
-              <a:t>2024. 02. 07.</a:t>
+              <a:t>2024.02.08</a:t>
             </a:fld>
             <a:endParaRPr lang="hu-HU"/>
           </a:p>
@@ -674,7 +674,7 @@
           <a:p>
             <a:fld id="{9249FF70-B285-4D3D-80DB-5BA50DBCDABD}" type="datetimeFigureOut">
               <a:rPr lang="hu-HU" smtClean="0"/>
-              <a:t>2024. 02. 07.</a:t>
+              <a:t>2024.02.08</a:t>
             </a:fld>
             <a:endParaRPr lang="hu-HU"/>
           </a:p>
@@ -872,7 +872,7 @@
           <a:p>
             <a:fld id="{9249FF70-B285-4D3D-80DB-5BA50DBCDABD}" type="datetimeFigureOut">
               <a:rPr lang="hu-HU" smtClean="0"/>
-              <a:t>2024. 02. 07.</a:t>
+              <a:t>2024.02.08</a:t>
             </a:fld>
             <a:endParaRPr lang="hu-HU"/>
           </a:p>
@@ -1147,7 +1147,7 @@
           <a:p>
             <a:fld id="{9249FF70-B285-4D3D-80DB-5BA50DBCDABD}" type="datetimeFigureOut">
               <a:rPr lang="hu-HU" smtClean="0"/>
-              <a:t>2024. 02. 07.</a:t>
+              <a:t>2024.02.08</a:t>
             </a:fld>
             <a:endParaRPr lang="hu-HU"/>
           </a:p>
@@ -1412,7 +1412,7 @@
           <a:p>
             <a:fld id="{9249FF70-B285-4D3D-80DB-5BA50DBCDABD}" type="datetimeFigureOut">
               <a:rPr lang="hu-HU" smtClean="0"/>
-              <a:t>2024. 02. 07.</a:t>
+              <a:t>2024.02.08</a:t>
             </a:fld>
             <a:endParaRPr lang="hu-HU"/>
           </a:p>
@@ -1824,7 +1824,7 @@
           <a:p>
             <a:fld id="{9249FF70-B285-4D3D-80DB-5BA50DBCDABD}" type="datetimeFigureOut">
               <a:rPr lang="hu-HU" smtClean="0"/>
-              <a:t>2024. 02. 07.</a:t>
+              <a:t>2024.02.08</a:t>
             </a:fld>
             <a:endParaRPr lang="hu-HU"/>
           </a:p>
@@ -1965,7 +1965,7 @@
           <a:p>
             <a:fld id="{9249FF70-B285-4D3D-80DB-5BA50DBCDABD}" type="datetimeFigureOut">
               <a:rPr lang="hu-HU" smtClean="0"/>
-              <a:t>2024. 02. 07.</a:t>
+              <a:t>2024.02.08</a:t>
             </a:fld>
             <a:endParaRPr lang="hu-HU"/>
           </a:p>
@@ -2078,7 +2078,7 @@
           <a:p>
             <a:fld id="{9249FF70-B285-4D3D-80DB-5BA50DBCDABD}" type="datetimeFigureOut">
               <a:rPr lang="hu-HU" smtClean="0"/>
-              <a:t>2024. 02. 07.</a:t>
+              <a:t>2024.02.08</a:t>
             </a:fld>
             <a:endParaRPr lang="hu-HU"/>
           </a:p>
@@ -2389,7 +2389,7 @@
           <a:p>
             <a:fld id="{9249FF70-B285-4D3D-80DB-5BA50DBCDABD}" type="datetimeFigureOut">
               <a:rPr lang="hu-HU" smtClean="0"/>
-              <a:t>2024. 02. 07.</a:t>
+              <a:t>2024.02.08</a:t>
             </a:fld>
             <a:endParaRPr lang="hu-HU"/>
           </a:p>
@@ -2677,7 +2677,7 @@
           <a:p>
             <a:fld id="{9249FF70-B285-4D3D-80DB-5BA50DBCDABD}" type="datetimeFigureOut">
               <a:rPr lang="hu-HU" smtClean="0"/>
-              <a:t>2024. 02. 07.</a:t>
+              <a:t>2024.02.08</a:t>
             </a:fld>
             <a:endParaRPr lang="hu-HU"/>
           </a:p>
@@ -2918,7 +2918,7 @@
           <a:p>
             <a:fld id="{9249FF70-B285-4D3D-80DB-5BA50DBCDABD}" type="datetimeFigureOut">
               <a:rPr lang="hu-HU" smtClean="0"/>
-              <a:t>2024. 02. 07.</a:t>
+              <a:t>2024.02.08</a:t>
             </a:fld>
             <a:endParaRPr lang="hu-HU"/>
           </a:p>
@@ -4300,9 +4300,9 @@
         <p:grpSpPr>
           <a:xfrm>
             <a:off x="-1" y="-10466"/>
-            <a:ext cx="12192001" cy="2597875"/>
+            <a:ext cx="2058259" cy="2597875"/>
             <a:chOff x="-1" y="-10466"/>
-            <a:chExt cx="12192001" cy="2597875"/>
+            <a:chExt cx="2058259" cy="2597875"/>
           </a:xfrm>
         </p:grpSpPr>
         <p:pic>
@@ -4335,97 +4335,6 @@
             </a:prstGeom>
           </p:spPr>
         </p:pic>
-        <p:grpSp>
-          <p:nvGrpSpPr>
-            <p:cNvPr id="19" name="Csoportba foglalás 18">
-              <a:extLst>
-                <a:ext uri="{FF2B5EF4-FFF2-40B4-BE49-F238E27FC236}">
-                  <a16:creationId xmlns:a16="http://schemas.microsoft.com/office/drawing/2014/main" id="{1FE95EAC-6A92-4406-8C75-C54147DFC932}"/>
-                </a:ext>
-              </a:extLst>
-            </p:cNvPr>
-            <p:cNvGrpSpPr/>
-            <p:nvPr/>
-          </p:nvGrpSpPr>
-          <p:grpSpPr>
-            <a:xfrm>
-              <a:off x="10139998" y="0"/>
-              <a:ext cx="2052002" cy="2544846"/>
-              <a:chOff x="10139998" y="0"/>
-              <a:chExt cx="2052002" cy="2544846"/>
-            </a:xfrm>
-          </p:grpSpPr>
-          <p:pic>
-            <p:nvPicPr>
-              <p:cNvPr id="11" name="Kép 10">
-                <a:extLst>
-                  <a:ext uri="{FF2B5EF4-FFF2-40B4-BE49-F238E27FC236}">
-                    <a16:creationId xmlns:a16="http://schemas.microsoft.com/office/drawing/2014/main" id="{96B9EA89-E454-4A70-9C91-ADEAFC70E970}"/>
-                  </a:ext>
-                </a:extLst>
-              </p:cNvPr>
-              <p:cNvPicPr>
-                <a:picLocks noChangeAspect="1"/>
-              </p:cNvPicPr>
-              <p:nvPr/>
-            </p:nvPicPr>
-            <p:blipFill>
-              <a:blip r:embed="rId3"/>
-              <a:stretch>
-                <a:fillRect/>
-              </a:stretch>
-            </p:blipFill>
-            <p:spPr>
-              <a:xfrm>
-                <a:off x="10139998" y="0"/>
-                <a:ext cx="2052002" cy="2052002"/>
-              </a:xfrm>
-              <a:prstGeom prst="rect">
-                <a:avLst/>
-              </a:prstGeom>
-            </p:spPr>
-          </p:pic>
-          <p:sp>
-            <p:nvSpPr>
-              <p:cNvPr id="14" name="Szövegdoboz 13">
-                <a:extLst>
-                  <a:ext uri="{FF2B5EF4-FFF2-40B4-BE49-F238E27FC236}">
-                    <a16:creationId xmlns:a16="http://schemas.microsoft.com/office/drawing/2014/main" id="{8509CDD1-EF2E-40DE-B22C-00D95055E558}"/>
-                  </a:ext>
-                </a:extLst>
-              </p:cNvPr>
-              <p:cNvSpPr txBox="1"/>
-              <p:nvPr/>
-            </p:nvSpPr>
-            <p:spPr>
-              <a:xfrm>
-                <a:off x="10324131" y="2021626"/>
-                <a:ext cx="1683735" cy="523220"/>
-              </a:xfrm>
-              <a:prstGeom prst="rect">
-                <a:avLst/>
-              </a:prstGeom>
-              <a:noFill/>
-            </p:spPr>
-            <p:txBody>
-              <a:bodyPr wrap="square" rtlCol="0">
-                <a:spAutoFit/>
-              </a:bodyPr>
-              <a:lstStyle/>
-              <a:p>
-                <a:r>
-                  <a:rPr lang="hu-HU" sz="2800" dirty="0" err="1">
-                    <a:latin typeface="Palatino Linotype" panose="02040502050505030304" pitchFamily="18" charset="0"/>
-                  </a:rPr>
-                  <a:t>bootstrap</a:t>
-                </a:r>
-                <a:endParaRPr lang="hu-HU" sz="2800" dirty="0">
-                  <a:latin typeface="Palatino Linotype" panose="02040502050505030304" pitchFamily="18" charset="0"/>
-                </a:endParaRPr>
-              </a:p>
-            </p:txBody>
-          </p:sp>
-        </p:grpSp>
         <p:sp>
           <p:nvSpPr>
             <p:cNvPr id="15" name="Szövegdoboz 14">
@@ -4469,10 +4378,10 @@
       </p:grpSp>
       <p:pic>
         <p:nvPicPr>
-          <p:cNvPr id="17" name="Kép 16">
-            <a:extLst>
-              <a:ext uri="{FF2B5EF4-FFF2-40B4-BE49-F238E27FC236}">
-                <a16:creationId xmlns:a16="http://schemas.microsoft.com/office/drawing/2014/main" id="{51F0F615-E146-423F-8BA1-BB721F2C6A53}"/>
+          <p:cNvPr id="23" name="Kép 22">
+            <a:extLst>
+              <a:ext uri="{FF2B5EF4-FFF2-40B4-BE49-F238E27FC236}">
+                <a16:creationId xmlns:a16="http://schemas.microsoft.com/office/drawing/2014/main" id="{9D962290-8090-467C-9829-86A014E2FB00}"/>
               </a:ext>
             </a:extLst>
           </p:cNvPr>
@@ -4481,81 +4390,8 @@
           </p:cNvPicPr>
           <p:nvPr/>
         </p:nvPicPr>
-        <p:blipFill>
-          <a:blip r:embed="rId4"/>
-          <a:stretch>
-            <a:fillRect/>
-          </a:stretch>
-        </p:blipFill>
-        <p:spPr>
-          <a:xfrm>
-            <a:off x="-1" y="4849841"/>
-            <a:ext cx="2052001" cy="2052000"/>
-          </a:xfrm>
-          <a:prstGeom prst="rect">
-            <a:avLst/>
-          </a:prstGeom>
-        </p:spPr>
-      </p:pic>
-      <p:sp>
-        <p:nvSpPr>
-          <p:cNvPr id="18" name="Szövegdoboz 17">
-            <a:extLst>
-              <a:ext uri="{FF2B5EF4-FFF2-40B4-BE49-F238E27FC236}">
-                <a16:creationId xmlns:a16="http://schemas.microsoft.com/office/drawing/2014/main" id="{D784B60D-CF86-4007-9603-B15FBB0E9EEA}"/>
-              </a:ext>
-            </a:extLst>
-          </p:cNvPr>
-          <p:cNvSpPr txBox="1"/>
-          <p:nvPr/>
-        </p:nvSpPr>
-        <p:spPr>
-          <a:xfrm>
-            <a:off x="150262" y="4329752"/>
-            <a:ext cx="2058259" cy="523220"/>
-          </a:xfrm>
-          <a:prstGeom prst="rect">
-            <a:avLst/>
-          </a:prstGeom>
-          <a:noFill/>
-        </p:spPr>
-        <p:txBody>
-          <a:bodyPr wrap="square" rtlCol="0">
-            <a:spAutoFit/>
-          </a:bodyPr>
-          <a:lstStyle/>
-          <a:p>
-            <a:r>
-              <a:rPr lang="hu-HU" sz="2800" dirty="0" err="1">
-                <a:latin typeface="Palatino Linotype" panose="02040502050505030304" pitchFamily="18" charset="0"/>
-              </a:rPr>
-              <a:t>Sulipy</a:t>
-            </a:r>
-            <a:r>
-              <a:rPr lang="hu-HU" sz="2800" dirty="0">
-                <a:latin typeface="Palatino Linotype" panose="02040502050505030304" pitchFamily="18" charset="0"/>
-              </a:rPr>
-              <a:t> YT</a:t>
-            </a:r>
-          </a:p>
-        </p:txBody>
-      </p:sp>
-      <p:pic>
-        <p:nvPicPr>
-          <p:cNvPr id="23" name="Kép 22">
-            <a:extLst>
-              <a:ext uri="{FF2B5EF4-FFF2-40B4-BE49-F238E27FC236}">
-                <a16:creationId xmlns:a16="http://schemas.microsoft.com/office/drawing/2014/main" id="{9D962290-8090-467C-9829-86A014E2FB00}"/>
-              </a:ext>
-            </a:extLst>
-          </p:cNvPr>
-          <p:cNvPicPr>
-            <a:picLocks noChangeAspect="1"/>
-          </p:cNvPicPr>
-          <p:nvPr/>
-        </p:nvPicPr>
         <p:blipFill rotWithShape="1">
-          <a:blip r:embed="rId5"/>
+          <a:blip r:embed="rId3"/>
           <a:srcRect l="58" b="58860"/>
           <a:stretch/>
         </p:blipFill>
@@ -4584,7 +4420,7 @@
           <p:nvPr/>
         </p:nvPicPr>
         <p:blipFill rotWithShape="1">
-          <a:blip r:embed="rId6"/>
+          <a:blip r:embed="rId4"/>
           <a:srcRect l="168" t="41086"/>
           <a:stretch/>
         </p:blipFill>
@@ -4613,7 +4449,7 @@
           <p:nvPr/>
         </p:nvPicPr>
         <p:blipFill rotWithShape="1">
-          <a:blip r:embed="rId7"/>
+          <a:blip r:embed="rId5"/>
           <a:srcRect l="911" t="2350" b="57013"/>
           <a:stretch/>
         </p:blipFill>
@@ -4642,7 +4478,7 @@
           <p:nvPr/>
         </p:nvPicPr>
         <p:blipFill rotWithShape="1">
-          <a:blip r:embed="rId8"/>
+          <a:blip r:embed="rId6"/>
           <a:srcRect t="52018" r="283"/>
           <a:stretch/>
         </p:blipFill>
@@ -4810,170 +4646,6 @@
                       </p:childTnLst>
                     </p:cTn>
                   </p:par>
-                  <p:par>
-                    <p:cTn id="9" fill="hold">
-                      <p:stCondLst>
-                        <p:cond delay="indefinite"/>
-                      </p:stCondLst>
-                      <p:childTnLst>
-                        <p:par>
-                          <p:cTn id="10" fill="hold">
-                            <p:stCondLst>
-                              <p:cond delay="0"/>
-                            </p:stCondLst>
-                            <p:childTnLst>
-                              <p:par>
-                                <p:cTn id="11" presetID="2" presetClass="entr" presetSubtype="4" fill="hold" nodeType="clickEffect">
-                                  <p:stCondLst>
-                                    <p:cond delay="0"/>
-                                  </p:stCondLst>
-                                  <p:childTnLst>
-                                    <p:set>
-                                      <p:cBhvr>
-                                        <p:cTn id="12" dur="1" fill="hold">
-                                          <p:stCondLst>
-                                            <p:cond delay="0"/>
-                                          </p:stCondLst>
-                                        </p:cTn>
-                                        <p:tgtEl>
-                                          <p:spTgt spid="17"/>
-                                        </p:tgtEl>
-                                        <p:attrNameLst>
-                                          <p:attrName>style.visibility</p:attrName>
-                                        </p:attrNameLst>
-                                      </p:cBhvr>
-                                      <p:to>
-                                        <p:strVal val="visible"/>
-                                      </p:to>
-                                    </p:set>
-                                    <p:anim calcmode="lin" valueType="num">
-                                      <p:cBhvr additive="base">
-                                        <p:cTn id="13" dur="500" fill="hold"/>
-                                        <p:tgtEl>
-                                          <p:spTgt spid="17"/>
-                                        </p:tgtEl>
-                                        <p:attrNameLst>
-                                          <p:attrName>ppt_x</p:attrName>
-                                        </p:attrNameLst>
-                                      </p:cBhvr>
-                                      <p:tavLst>
-                                        <p:tav tm="0">
-                                          <p:val>
-                                            <p:strVal val="#ppt_x"/>
-                                          </p:val>
-                                        </p:tav>
-                                        <p:tav tm="100000">
-                                          <p:val>
-                                            <p:strVal val="#ppt_x"/>
-                                          </p:val>
-                                        </p:tav>
-                                      </p:tavLst>
-                                    </p:anim>
-                                    <p:anim calcmode="lin" valueType="num">
-                                      <p:cBhvr additive="base">
-                                        <p:cTn id="14" dur="500" fill="hold"/>
-                                        <p:tgtEl>
-                                          <p:spTgt spid="17"/>
-                                        </p:tgtEl>
-                                        <p:attrNameLst>
-                                          <p:attrName>ppt_y</p:attrName>
-                                        </p:attrNameLst>
-                                      </p:cBhvr>
-                                      <p:tavLst>
-                                        <p:tav tm="0">
-                                          <p:val>
-                                            <p:strVal val="1+#ppt_h/2"/>
-                                          </p:val>
-                                        </p:tav>
-                                        <p:tav tm="100000">
-                                          <p:val>
-                                            <p:strVal val="#ppt_y"/>
-                                          </p:val>
-                                        </p:tav>
-                                      </p:tavLst>
-                                    </p:anim>
-                                  </p:childTnLst>
-                                </p:cTn>
-                              </p:par>
-                              <p:par>
-                                <p:cTn id="15" presetID="2" presetClass="entr" presetSubtype="4" fill="hold" grpId="0" nodeType="withEffect">
-                                  <p:stCondLst>
-                                    <p:cond delay="0"/>
-                                  </p:stCondLst>
-                                  <p:childTnLst>
-                                    <p:set>
-                                      <p:cBhvr>
-                                        <p:cTn id="16" dur="1" fill="hold">
-                                          <p:stCondLst>
-                                            <p:cond delay="0"/>
-                                          </p:stCondLst>
-                                        </p:cTn>
-                                        <p:tgtEl>
-                                          <p:spTgt spid="18"/>
-                                        </p:tgtEl>
-                                        <p:attrNameLst>
-                                          <p:attrName>style.visibility</p:attrName>
-                                        </p:attrNameLst>
-                                      </p:cBhvr>
-                                      <p:to>
-                                        <p:strVal val="visible"/>
-                                      </p:to>
-                                    </p:set>
-                                    <p:anim calcmode="lin" valueType="num">
-                                      <p:cBhvr additive="base">
-                                        <p:cTn id="17" dur="500" fill="hold"/>
-                                        <p:tgtEl>
-                                          <p:spTgt spid="18"/>
-                                        </p:tgtEl>
-                                        <p:attrNameLst>
-                                          <p:attrName>ppt_x</p:attrName>
-                                        </p:attrNameLst>
-                                      </p:cBhvr>
-                                      <p:tavLst>
-                                        <p:tav tm="0">
-                                          <p:val>
-                                            <p:strVal val="#ppt_x"/>
-                                          </p:val>
-                                        </p:tav>
-                                        <p:tav tm="100000">
-                                          <p:val>
-                                            <p:strVal val="#ppt_x"/>
-                                          </p:val>
-                                        </p:tav>
-                                      </p:tavLst>
-                                    </p:anim>
-                                    <p:anim calcmode="lin" valueType="num">
-                                      <p:cBhvr additive="base">
-                                        <p:cTn id="18" dur="500" fill="hold"/>
-                                        <p:tgtEl>
-                                          <p:spTgt spid="18"/>
-                                        </p:tgtEl>
-                                        <p:attrNameLst>
-                                          <p:attrName>ppt_y</p:attrName>
-                                        </p:attrNameLst>
-                                      </p:cBhvr>
-                                      <p:tavLst>
-                                        <p:tav tm="0">
-                                          <p:val>
-                                            <p:strVal val="1+#ppt_h/2"/>
-                                          </p:val>
-                                        </p:tav>
-                                        <p:tav tm="100000">
-                                          <p:val>
-                                            <p:strVal val="#ppt_y"/>
-                                          </p:val>
-                                        </p:tav>
-                                      </p:tavLst>
-                                    </p:anim>
-                                  </p:childTnLst>
-                                </p:cTn>
-                              </p:par>
-                            </p:childTnLst>
-                          </p:cTn>
-                        </p:par>
-                      </p:childTnLst>
-                    </p:cTn>
-                  </p:par>
                 </p:childTnLst>
               </p:cTn>
               <p:prevCondLst>
@@ -4995,9 +4667,6 @@
         </p:cTn>
       </p:par>
     </p:tnLst>
-    <p:bldLst>
-      <p:bldP spid="18" grpId="0"/>
-    </p:bldLst>
   </p:timing>
 </p:sld>
 </file>
@@ -6140,6 +5809,9 @@
           <a:p>
             <a:r>
               <a:rPr lang="hu-HU" sz="3200" dirty="0">
+                <a:solidFill>
+                  <a:schemeClr val="bg1"/>
+                </a:solidFill>
                 <a:latin typeface="Palatino Linotype" panose="02040502050505030304" pitchFamily="18" charset="0"/>
               </a:rPr>
               <a:t>„FPS”</a:t>
@@ -6177,6 +5849,9 @@
           <a:p>
             <a:r>
               <a:rPr lang="hu-HU" sz="8800" dirty="0">
+                <a:solidFill>
+                  <a:schemeClr val="bg1"/>
+                </a:solidFill>
                 <a:latin typeface="Palatino Linotype" panose="02040502050505030304" pitchFamily="18" charset="0"/>
               </a:rPr>
               <a:t>Animáció</a:t>
@@ -6214,18 +5889,27 @@
           <a:p>
             <a:r>
               <a:rPr lang="hu-HU" sz="2800" dirty="0">
+                <a:solidFill>
+                  <a:schemeClr val="bg1"/>
+                </a:solidFill>
                 <a:latin typeface="Palatino Linotype" panose="02040502050505030304" pitchFamily="18" charset="0"/>
               </a:rPr>
               <a:t>O</a:t>
             </a:r>
             <a:r>
               <a:rPr lang="hu-HU" sz="2800" b="0" i="0" dirty="0">
+                <a:solidFill>
+                  <a:schemeClr val="bg1"/>
+                </a:solidFill>
                 <a:effectLst/>
                 <a:latin typeface="Palatino Linotype" panose="02040502050505030304" pitchFamily="18" charset="0"/>
               </a:rPr>
               <a:t>lyan technika, amely élettelen tárgyak, rajzok vagy ábrák „kockázásával” olyan illúziót kelt a nézőben, mintha a tárgyak élnének, mozognának.</a:t>
             </a:r>
             <a:endParaRPr lang="hu-HU" sz="2800" dirty="0">
+              <a:solidFill>
+                <a:schemeClr val="bg1"/>
+              </a:solidFill>
               <a:latin typeface="Palatino Linotype" panose="02040502050505030304" pitchFamily="18" charset="0"/>
             </a:endParaRPr>
           </a:p>
@@ -7874,6 +7558,9 @@
           <a:p>
             <a:r>
               <a:rPr lang="hu-HU" sz="3200" dirty="0">
+                <a:solidFill>
+                  <a:schemeClr val="bg1"/>
+                </a:solidFill>
                 <a:latin typeface="Palatino Linotype" panose="02040502050505030304" pitchFamily="18" charset="0"/>
               </a:rPr>
               <a:t>„FPS”</a:t>
@@ -7911,6 +7598,9 @@
           <a:p>
             <a:r>
               <a:rPr lang="hu-HU" sz="8800" dirty="0">
+                <a:solidFill>
+                  <a:schemeClr val="bg1"/>
+                </a:solidFill>
                 <a:latin typeface="Palatino Linotype" panose="02040502050505030304" pitchFamily="18" charset="0"/>
               </a:rPr>
               <a:t>Animáció</a:t>
@@ -7948,18 +7638,27 @@
           <a:p>
             <a:r>
               <a:rPr lang="hu-HU" sz="2800" dirty="0">
+                <a:solidFill>
+                  <a:schemeClr val="bg1"/>
+                </a:solidFill>
                 <a:latin typeface="Palatino Linotype" panose="02040502050505030304" pitchFamily="18" charset="0"/>
               </a:rPr>
               <a:t>O</a:t>
             </a:r>
             <a:r>
               <a:rPr lang="hu-HU" sz="2800" b="0" i="0" dirty="0">
+                <a:solidFill>
+                  <a:schemeClr val="bg1"/>
+                </a:solidFill>
                 <a:effectLst/>
                 <a:latin typeface="Palatino Linotype" panose="02040502050505030304" pitchFamily="18" charset="0"/>
               </a:rPr>
               <a:t>lyan technika, amely élettelen tárgyak, rajzok vagy ábrák „kockázásával” olyan illúziót kelt a nézőben, mintha a tárgyak élnének, mozognának.</a:t>
             </a:r>
             <a:endParaRPr lang="hu-HU" sz="2800" dirty="0">
+              <a:solidFill>
+                <a:schemeClr val="bg1"/>
+              </a:solidFill>
               <a:latin typeface="Palatino Linotype" panose="02040502050505030304" pitchFamily="18" charset="0"/>
             </a:endParaRPr>
           </a:p>
@@ -12934,7 +12633,11 @@
           <a:lstStyle/>
           <a:p>
             <a:r>
-              <a:rPr lang="hu-HU" dirty="0"/>
+              <a:rPr lang="hu-HU" dirty="0">
+                <a:solidFill>
+                  <a:schemeClr val="bg1"/>
+                </a:solidFill>
+              </a:rPr>
               <a:t>Minta.py</a:t>
             </a:r>
           </a:p>

--- a/powerpoint.pptx
+++ b/powerpoint.pptx
@@ -5781,86 +5781,6 @@
       </p:pic>
       <p:sp>
         <p:nvSpPr>
-          <p:cNvPr id="3" name="Szövegdoboz 2">
-            <a:extLst>
-              <a:ext uri="{FF2B5EF4-FFF2-40B4-BE49-F238E27FC236}">
-                <a16:creationId xmlns:a16="http://schemas.microsoft.com/office/drawing/2014/main" id="{A05B77A4-4D3E-4AD4-A00C-784998535944}"/>
-              </a:ext>
-            </a:extLst>
-          </p:cNvPr>
-          <p:cNvSpPr txBox="1"/>
-          <p:nvPr/>
-        </p:nvSpPr>
-        <p:spPr>
-          <a:xfrm>
-            <a:off x="3559182" y="3950810"/>
-            <a:ext cx="1279518" cy="584775"/>
-          </a:xfrm>
-          <a:prstGeom prst="rect">
-            <a:avLst/>
-          </a:prstGeom>
-          <a:noFill/>
-        </p:spPr>
-        <p:txBody>
-          <a:bodyPr wrap="square" rtlCol="0">
-            <a:spAutoFit/>
-          </a:bodyPr>
-          <a:lstStyle/>
-          <a:p>
-            <a:r>
-              <a:rPr lang="hu-HU" sz="3200" dirty="0">
-                <a:solidFill>
-                  <a:schemeClr val="bg1"/>
-                </a:solidFill>
-                <a:latin typeface="Palatino Linotype" panose="02040502050505030304" pitchFamily="18" charset="0"/>
-              </a:rPr>
-              <a:t>„FPS”</a:t>
-            </a:r>
-          </a:p>
-        </p:txBody>
-      </p:sp>
-      <p:sp>
-        <p:nvSpPr>
-          <p:cNvPr id="2" name="Szövegdoboz 1">
-            <a:extLst>
-              <a:ext uri="{FF2B5EF4-FFF2-40B4-BE49-F238E27FC236}">
-                <a16:creationId xmlns:a16="http://schemas.microsoft.com/office/drawing/2014/main" id="{12E11446-1822-4A9B-BA01-3CE9E7B71CE0}"/>
-              </a:ext>
-            </a:extLst>
-          </p:cNvPr>
-          <p:cNvSpPr txBox="1"/>
-          <p:nvPr/>
-        </p:nvSpPr>
-        <p:spPr>
-          <a:xfrm>
-            <a:off x="5352176" y="394904"/>
-            <a:ext cx="5469724" cy="1446550"/>
-          </a:xfrm>
-          <a:prstGeom prst="rect">
-            <a:avLst/>
-          </a:prstGeom>
-          <a:noFill/>
-        </p:spPr>
-        <p:txBody>
-          <a:bodyPr wrap="square" rtlCol="0">
-            <a:spAutoFit/>
-          </a:bodyPr>
-          <a:lstStyle/>
-          <a:p>
-            <a:r>
-              <a:rPr lang="hu-HU" sz="8800" dirty="0">
-                <a:solidFill>
-                  <a:schemeClr val="bg1"/>
-                </a:solidFill>
-                <a:latin typeface="Palatino Linotype" panose="02040502050505030304" pitchFamily="18" charset="0"/>
-              </a:rPr>
-              <a:t>Animáció</a:t>
-            </a:r>
-          </a:p>
-        </p:txBody>
-      </p:sp>
-      <p:sp>
-        <p:nvSpPr>
           <p:cNvPr id="23" name="Szövegdoboz 22">
             <a:extLst>
               <a:ext uri="{FF2B5EF4-FFF2-40B4-BE49-F238E27FC236}">
@@ -5912,6 +5832,46 @@
               </a:solidFill>
               <a:latin typeface="Palatino Linotype" panose="02040502050505030304" pitchFamily="18" charset="0"/>
             </a:endParaRPr>
+          </a:p>
+        </p:txBody>
+      </p:sp>
+      <p:sp>
+        <p:nvSpPr>
+          <p:cNvPr id="2" name="Szövegdoboz 1">
+            <a:extLst>
+              <a:ext uri="{FF2B5EF4-FFF2-40B4-BE49-F238E27FC236}">
+                <a16:creationId xmlns:a16="http://schemas.microsoft.com/office/drawing/2014/main" id="{12E11446-1822-4A9B-BA01-3CE9E7B71CE0}"/>
+              </a:ext>
+            </a:extLst>
+          </p:cNvPr>
+          <p:cNvSpPr txBox="1"/>
+          <p:nvPr/>
+        </p:nvSpPr>
+        <p:spPr>
+          <a:xfrm>
+            <a:off x="5352176" y="394904"/>
+            <a:ext cx="5469724" cy="1446550"/>
+          </a:xfrm>
+          <a:prstGeom prst="rect">
+            <a:avLst/>
+          </a:prstGeom>
+          <a:noFill/>
+        </p:spPr>
+        <p:txBody>
+          <a:bodyPr wrap="square" rtlCol="0">
+            <a:spAutoFit/>
+          </a:bodyPr>
+          <a:lstStyle/>
+          <a:p>
+            <a:r>
+              <a:rPr lang="hu-HU" sz="8800" dirty="0">
+                <a:solidFill>
+                  <a:schemeClr val="bg1"/>
+                </a:solidFill>
+                <a:latin typeface="Palatino Linotype" panose="02040502050505030304" pitchFamily="18" charset="0"/>
+              </a:rPr>
+              <a:t>Animáció</a:t>
+            </a:r>
           </a:p>
         </p:txBody>
       </p:sp>
@@ -6040,102 +6000,365 @@
           </p:txBody>
         </p:sp>
       </p:grpSp>
-      <p:pic>
-        <p:nvPicPr>
-          <p:cNvPr id="26" name="Kép 25">
-            <a:extLst>
-              <a:ext uri="{FF2B5EF4-FFF2-40B4-BE49-F238E27FC236}">
-                <a16:creationId xmlns:a16="http://schemas.microsoft.com/office/drawing/2014/main" id="{301D9F9B-EC50-4D39-85D0-1C8777EC1872}"/>
-              </a:ext>
-            </a:extLst>
-          </p:cNvPr>
-          <p:cNvPicPr>
-            <a:picLocks noChangeAspect="1"/>
-          </p:cNvPicPr>
-          <p:nvPr/>
-        </p:nvPicPr>
-        <p:blipFill>
-          <a:blip r:embed="rId3"/>
-          <a:stretch>
-            <a:fillRect/>
-          </a:stretch>
-        </p:blipFill>
-        <p:spPr>
-          <a:xfrm>
-            <a:off x="-9483993" y="3851530"/>
-            <a:ext cx="8182414" cy="2667916"/>
-          </a:xfrm>
-          <a:prstGeom prst="rect">
-            <a:avLst/>
-          </a:prstGeom>
-        </p:spPr>
-      </p:pic>
-      <p:sp>
-        <p:nvSpPr>
-          <p:cNvPr id="25" name="Szövegdoboz 24">
-            <a:extLst>
-              <a:ext uri="{FF2B5EF4-FFF2-40B4-BE49-F238E27FC236}">
-                <a16:creationId xmlns:a16="http://schemas.microsoft.com/office/drawing/2014/main" id="{614E7ADC-CB7D-4C88-9007-F7BA190B839C}"/>
-              </a:ext>
-            </a:extLst>
-          </p:cNvPr>
-          <p:cNvSpPr txBox="1"/>
-          <p:nvPr/>
-        </p:nvSpPr>
-        <p:spPr>
-          <a:xfrm>
-            <a:off x="-8705536" y="-147484"/>
-            <a:ext cx="6991350" cy="1446550"/>
-          </a:xfrm>
-          <a:prstGeom prst="rect">
-            <a:avLst/>
-          </a:prstGeom>
-          <a:noFill/>
-        </p:spPr>
-        <p:txBody>
-          <a:bodyPr wrap="square" rtlCol="0">
-            <a:spAutoFit/>
-          </a:bodyPr>
-          <a:lstStyle/>
-          <a:p>
-            <a:r>
-              <a:rPr lang="hu-HU" sz="8800" dirty="0">
+      <p:grpSp>
+        <p:nvGrpSpPr>
+          <p:cNvPr id="42" name="Csoportba foglalás 41">
+            <a:extLst>
+              <a:ext uri="{FF2B5EF4-FFF2-40B4-BE49-F238E27FC236}">
+                <a16:creationId xmlns:a16="http://schemas.microsoft.com/office/drawing/2014/main" id="{F4916C6B-FFFB-4861-ABE5-A7FA74DEB4A8}"/>
+              </a:ext>
+            </a:extLst>
+          </p:cNvPr>
+          <p:cNvGrpSpPr/>
+          <p:nvPr/>
+        </p:nvGrpSpPr>
+        <p:grpSpPr>
+          <a:xfrm>
+            <a:off x="-11649899" y="394904"/>
+            <a:ext cx="10257121" cy="5917744"/>
+            <a:chOff x="2360934" y="337874"/>
+            <a:chExt cx="10257121" cy="5917744"/>
+          </a:xfrm>
+        </p:grpSpPr>
+        <p:sp>
+          <p:nvSpPr>
+            <p:cNvPr id="43" name="Szövegdoboz 42">
+              <a:extLst>
+                <a:ext uri="{FF2B5EF4-FFF2-40B4-BE49-F238E27FC236}">
+                  <a16:creationId xmlns:a16="http://schemas.microsoft.com/office/drawing/2014/main" id="{C34C896D-5476-4198-B7F1-A06B79DA6453}"/>
+                </a:ext>
+              </a:extLst>
+            </p:cNvPr>
+            <p:cNvSpPr txBox="1"/>
+            <p:nvPr/>
+          </p:nvSpPr>
+          <p:spPr>
+            <a:xfrm>
+              <a:off x="4453417" y="337874"/>
+              <a:ext cx="6502291" cy="769441"/>
+            </a:xfrm>
+            <a:prstGeom prst="rect">
+              <a:avLst/>
+            </a:prstGeom>
+            <a:noFill/>
+          </p:spPr>
+          <p:txBody>
+            <a:bodyPr wrap="square" rtlCol="0">
+              <a:spAutoFit/>
+            </a:bodyPr>
+            <a:lstStyle/>
+            <a:p>
+              <a:r>
+                <a:rPr lang="hu-HU" sz="4400" dirty="0">
+                  <a:latin typeface="Palatino Linotype" panose="02040502050505030304" pitchFamily="18" charset="0"/>
+                </a:rPr>
+                <a:t>A fejezet fontosabb részei</a:t>
+              </a:r>
+            </a:p>
+          </p:txBody>
+        </p:sp>
+        <p:sp>
+          <p:nvSpPr>
+            <p:cNvPr id="44" name="Szövegdoboz 43">
+              <a:extLst>
+                <a:ext uri="{FF2B5EF4-FFF2-40B4-BE49-F238E27FC236}">
+                  <a16:creationId xmlns:a16="http://schemas.microsoft.com/office/drawing/2014/main" id="{158A24B3-D8CE-4ABB-BFAF-18BD0E4A21D4}"/>
+                </a:ext>
+              </a:extLst>
+            </p:cNvPr>
+            <p:cNvSpPr txBox="1"/>
+            <p:nvPr/>
+          </p:nvSpPr>
+          <p:spPr>
+            <a:xfrm>
+              <a:off x="2751435" y="2142019"/>
+              <a:ext cx="4318780" cy="584775"/>
+            </a:xfrm>
+            <a:prstGeom prst="rect">
+              <a:avLst/>
+            </a:prstGeom>
+            <a:noFill/>
+          </p:spPr>
+          <p:txBody>
+            <a:bodyPr wrap="square" rtlCol="0">
+              <a:spAutoFit/>
+            </a:bodyPr>
+            <a:lstStyle/>
+            <a:p>
+              <a:r>
+                <a:rPr lang="hu-HU" sz="3200" dirty="0">
+                  <a:latin typeface="Palatino Linotype" panose="02040502050505030304" pitchFamily="18" charset="0"/>
+                </a:rPr>
+                <a:t>Téglalap megrajzolása</a:t>
+              </a:r>
+            </a:p>
+          </p:txBody>
+        </p:sp>
+        <p:sp>
+          <p:nvSpPr>
+            <p:cNvPr id="45" name="Szövegdoboz 44">
+              <a:extLst>
+                <a:ext uri="{FF2B5EF4-FFF2-40B4-BE49-F238E27FC236}">
+                  <a16:creationId xmlns:a16="http://schemas.microsoft.com/office/drawing/2014/main" id="{6E66FBB1-B84F-487F-AD79-F150EBB49676}"/>
+                </a:ext>
+              </a:extLst>
+            </p:cNvPr>
+            <p:cNvSpPr txBox="1"/>
+            <p:nvPr/>
+          </p:nvSpPr>
+          <p:spPr>
+            <a:xfrm>
+              <a:off x="9101578" y="4920590"/>
+              <a:ext cx="2040767" cy="830997"/>
+            </a:xfrm>
+            <a:prstGeom prst="rect">
+              <a:avLst/>
+            </a:prstGeom>
+            <a:noFill/>
+          </p:spPr>
+          <p:txBody>
+            <a:bodyPr wrap="square" rtlCol="0">
+              <a:spAutoFit/>
+            </a:bodyPr>
+            <a:lstStyle/>
+            <a:p>
+              <a:r>
+                <a:rPr lang="hu-HU" sz="2400" dirty="0">
+                  <a:latin typeface="Palatino Linotype" panose="02040502050505030304" pitchFamily="18" charset="0"/>
+                </a:rPr>
+                <a:t>Képek megjelenítése</a:t>
+              </a:r>
+            </a:p>
+          </p:txBody>
+        </p:sp>
+        <p:sp>
+          <p:nvSpPr>
+            <p:cNvPr id="46" name="Szövegdoboz 45">
+              <a:extLst>
+                <a:ext uri="{FF2B5EF4-FFF2-40B4-BE49-F238E27FC236}">
+                  <a16:creationId xmlns:a16="http://schemas.microsoft.com/office/drawing/2014/main" id="{6464183E-B346-4E63-96B8-C6E79843F2DB}"/>
+                </a:ext>
+              </a:extLst>
+            </p:cNvPr>
+            <p:cNvSpPr txBox="1"/>
+            <p:nvPr/>
+          </p:nvSpPr>
+          <p:spPr>
+            <a:xfrm>
+              <a:off x="8231008" y="2198842"/>
+              <a:ext cx="4387047" cy="584775"/>
+            </a:xfrm>
+            <a:prstGeom prst="rect">
+              <a:avLst/>
+            </a:prstGeom>
+            <a:noFill/>
+          </p:spPr>
+          <p:txBody>
+            <a:bodyPr wrap="square" rtlCol="0">
+              <a:spAutoFit/>
+            </a:bodyPr>
+            <a:lstStyle/>
+            <a:p>
+              <a:r>
+                <a:rPr lang="hu-HU" sz="3200" dirty="0">
+                  <a:latin typeface="Palatino Linotype" panose="02040502050505030304" pitchFamily="18" charset="0"/>
+                </a:rPr>
+                <a:t>Feliratok </a:t>
+              </a:r>
+              <a:r>
+                <a:rPr lang="hu-HU" sz="3200" dirty="0" err="1">
+                  <a:latin typeface="Palatino Linotype" panose="02040502050505030304" pitchFamily="18" charset="0"/>
+                </a:rPr>
+                <a:t>léztrehozása</a:t>
+              </a:r>
+              <a:endParaRPr lang="hu-HU" sz="3200" dirty="0">
                 <a:latin typeface="Palatino Linotype" panose="02040502050505030304" pitchFamily="18" charset="0"/>
-              </a:rPr>
-              <a:t>HTML oldal</a:t>
-            </a:r>
-          </a:p>
-        </p:txBody>
-      </p:sp>
-      <p:pic>
-        <p:nvPicPr>
-          <p:cNvPr id="24" name="Kép 23">
-            <a:extLst>
-              <a:ext uri="{FF2B5EF4-FFF2-40B4-BE49-F238E27FC236}">
-                <a16:creationId xmlns:a16="http://schemas.microsoft.com/office/drawing/2014/main" id="{0CAE62C5-C38D-498F-85A5-FE376FEE0D47}"/>
-              </a:ext>
-            </a:extLst>
-          </p:cNvPr>
-          <p:cNvPicPr>
-            <a:picLocks noChangeAspect="1"/>
-          </p:cNvPicPr>
-          <p:nvPr/>
-        </p:nvPicPr>
-        <p:blipFill rotWithShape="1">
-          <a:blip r:embed="rId4"/>
-          <a:srcRect t="21770" r="197" b="47476"/>
-          <a:stretch/>
-        </p:blipFill>
-        <p:spPr>
-          <a:xfrm>
-            <a:off x="-9437744" y="1185729"/>
-            <a:ext cx="8146678" cy="2109095"/>
-          </a:xfrm>
-          <a:prstGeom prst="rect">
-            <a:avLst/>
-          </a:prstGeom>
-        </p:spPr>
-      </p:pic>
+              </a:endParaRPr>
+            </a:p>
+          </p:txBody>
+        </p:sp>
+        <p:sp>
+          <p:nvSpPr>
+            <p:cNvPr id="47" name="Szövegdoboz 46">
+              <a:extLst>
+                <a:ext uri="{FF2B5EF4-FFF2-40B4-BE49-F238E27FC236}">
+                  <a16:creationId xmlns:a16="http://schemas.microsoft.com/office/drawing/2014/main" id="{26C8C3DE-A55B-4966-8EAD-B465F0602D41}"/>
+                </a:ext>
+              </a:extLst>
+            </p:cNvPr>
+            <p:cNvSpPr txBox="1"/>
+            <p:nvPr/>
+          </p:nvSpPr>
+          <p:spPr>
+            <a:xfrm>
+              <a:off x="3756165" y="3661070"/>
+              <a:ext cx="2928987" cy="584775"/>
+            </a:xfrm>
+            <a:prstGeom prst="rect">
+              <a:avLst/>
+            </a:prstGeom>
+            <a:noFill/>
+          </p:spPr>
+          <p:txBody>
+            <a:bodyPr wrap="square" rtlCol="0">
+              <a:spAutoFit/>
+            </a:bodyPr>
+            <a:lstStyle/>
+            <a:p>
+              <a:r>
+                <a:rPr lang="hu-HU" sz="3200" dirty="0">
+                  <a:latin typeface="Palatino Linotype" panose="02040502050505030304" pitchFamily="18" charset="0"/>
+                </a:rPr>
+                <a:t>Mozgásfázisok</a:t>
+              </a:r>
+            </a:p>
+          </p:txBody>
+        </p:sp>
+        <p:pic>
+          <p:nvPicPr>
+            <p:cNvPr id="48" name="Kép 47">
+              <a:extLst>
+                <a:ext uri="{FF2B5EF4-FFF2-40B4-BE49-F238E27FC236}">
+                  <a16:creationId xmlns:a16="http://schemas.microsoft.com/office/drawing/2014/main" id="{95175C07-2454-445B-9991-9C083C2C5B79}"/>
+                </a:ext>
+              </a:extLst>
+            </p:cNvPr>
+            <p:cNvPicPr>
+              <a:picLocks noChangeAspect="1"/>
+            </p:cNvPicPr>
+            <p:nvPr/>
+          </p:nvPicPr>
+          <p:blipFill>
+            <a:blip r:embed="rId3">
+              <a:extLst>
+                <a:ext uri="{28A0092B-C50C-407E-A947-70E740481C1C}">
+                  <a14:useLocalDpi xmlns:a14="http://schemas.microsoft.com/office/drawing/2010/main" val="0"/>
+                </a:ext>
+              </a:extLst>
+            </a:blip>
+            <a:stretch>
+              <a:fillRect/>
+            </a:stretch>
+          </p:blipFill>
+          <p:spPr>
+            <a:xfrm>
+              <a:off x="8240200" y="5854683"/>
+              <a:ext cx="4036077" cy="400935"/>
+            </a:xfrm>
+            <a:prstGeom prst="rect">
+              <a:avLst/>
+            </a:prstGeom>
+          </p:spPr>
+        </p:pic>
+        <p:pic>
+          <p:nvPicPr>
+            <p:cNvPr id="49" name="Kép 48">
+              <a:extLst>
+                <a:ext uri="{FF2B5EF4-FFF2-40B4-BE49-F238E27FC236}">
+                  <a16:creationId xmlns:a16="http://schemas.microsoft.com/office/drawing/2014/main" id="{DEB5DECA-A9C2-456A-BA33-23CDBA7043C7}"/>
+                </a:ext>
+              </a:extLst>
+            </p:cNvPr>
+            <p:cNvPicPr>
+              <a:picLocks noChangeAspect="1"/>
+            </p:cNvPicPr>
+            <p:nvPr/>
+          </p:nvPicPr>
+          <p:blipFill>
+            <a:blip r:embed="rId4">
+              <a:extLst>
+                <a:ext uri="{28A0092B-C50C-407E-A947-70E740481C1C}">
+                  <a14:useLocalDpi xmlns:a14="http://schemas.microsoft.com/office/drawing/2010/main" val="0"/>
+                </a:ext>
+              </a:extLst>
+            </a:blip>
+            <a:stretch>
+              <a:fillRect/>
+            </a:stretch>
+          </p:blipFill>
+          <p:spPr>
+            <a:xfrm>
+              <a:off x="8061028" y="2967177"/>
+              <a:ext cx="4394420" cy="476176"/>
+            </a:xfrm>
+            <a:prstGeom prst="rect">
+              <a:avLst/>
+            </a:prstGeom>
+          </p:spPr>
+        </p:pic>
+        <p:pic>
+          <p:nvPicPr>
+            <p:cNvPr id="50" name="Kép 49">
+              <a:extLst>
+                <a:ext uri="{FF2B5EF4-FFF2-40B4-BE49-F238E27FC236}">
+                  <a16:creationId xmlns:a16="http://schemas.microsoft.com/office/drawing/2014/main" id="{5F61CFAE-83FC-4EF6-B9C0-E801028C4867}"/>
+                </a:ext>
+              </a:extLst>
+            </p:cNvPr>
+            <p:cNvPicPr>
+              <a:picLocks noChangeAspect="1"/>
+            </p:cNvPicPr>
+            <p:nvPr/>
+          </p:nvPicPr>
+          <p:blipFill>
+            <a:blip r:embed="rId5">
+              <a:extLst>
+                <a:ext uri="{28A0092B-C50C-407E-A947-70E740481C1C}">
+                  <a14:useLocalDpi xmlns:a14="http://schemas.microsoft.com/office/drawing/2010/main" val="0"/>
+                </a:ext>
+              </a:extLst>
+            </a:blip>
+            <a:stretch>
+              <a:fillRect/>
+            </a:stretch>
+          </p:blipFill>
+          <p:spPr>
+            <a:xfrm>
+              <a:off x="2629498" y="4355700"/>
+              <a:ext cx="5182323" cy="1752845"/>
+            </a:xfrm>
+            <a:prstGeom prst="rect">
+              <a:avLst/>
+            </a:prstGeom>
+          </p:spPr>
+        </p:pic>
+        <p:pic>
+          <p:nvPicPr>
+            <p:cNvPr id="51" name="Kép 50">
+              <a:extLst>
+                <a:ext uri="{FF2B5EF4-FFF2-40B4-BE49-F238E27FC236}">
+                  <a16:creationId xmlns:a16="http://schemas.microsoft.com/office/drawing/2014/main" id="{6C70C26F-2D3B-4C3E-91E9-A98EE8388390}"/>
+                </a:ext>
+              </a:extLst>
+            </p:cNvPr>
+            <p:cNvPicPr>
+              <a:picLocks noChangeAspect="1"/>
+            </p:cNvPicPr>
+            <p:nvPr/>
+          </p:nvPicPr>
+          <p:blipFill>
+            <a:blip r:embed="rId6">
+              <a:extLst>
+                <a:ext uri="{28A0092B-C50C-407E-A947-70E740481C1C}">
+                  <a14:useLocalDpi xmlns:a14="http://schemas.microsoft.com/office/drawing/2010/main" val="0"/>
+                </a:ext>
+              </a:extLst>
+            </a:blip>
+            <a:stretch>
+              <a:fillRect/>
+            </a:stretch>
+          </p:blipFill>
+          <p:spPr>
+            <a:xfrm>
+              <a:off x="2360934" y="2848903"/>
+              <a:ext cx="5189846" cy="329789"/>
+            </a:xfrm>
+            <a:prstGeom prst="rect">
+              <a:avLst/>
+            </a:prstGeom>
+          </p:spPr>
+        </p:pic>
+      </p:grpSp>
       <p:sp>
         <p:nvSpPr>
           <p:cNvPr id="32" name="Szövegdoboz 31">
@@ -6482,7 +6705,7 @@
           <p:nvPr/>
         </p:nvPicPr>
         <p:blipFill>
-          <a:blip r:embed="rId5">
+          <a:blip r:embed="rId7">
             <a:extLst>
               <a:ext uri="{28A0092B-C50C-407E-A947-70E740481C1C}">
                 <a14:useLocalDpi xmlns:a14="http://schemas.microsoft.com/office/drawing/2010/main" val="0"/>
@@ -6776,7 +6999,7 @@
         </p:nvGrpSpPr>
         <p:grpSpPr>
           <a:xfrm>
-            <a:off x="-169033" y="0"/>
+            <a:off x="-147529" y="0"/>
             <a:ext cx="14683133" cy="6858000"/>
             <a:chOff x="-139819" y="0"/>
             <a:chExt cx="3365084" cy="6858000"/>
@@ -6887,137 +7110,365 @@
           </p:txBody>
         </p:sp>
       </p:grpSp>
-      <p:sp>
-        <p:nvSpPr>
-          <p:cNvPr id="19" name="Szövegdoboz 18">
-            <a:extLst>
-              <a:ext uri="{FF2B5EF4-FFF2-40B4-BE49-F238E27FC236}">
-                <a16:creationId xmlns:a16="http://schemas.microsoft.com/office/drawing/2014/main" id="{059CDCE6-A03B-48E7-B1E7-AF463679A055}"/>
-              </a:ext>
-            </a:extLst>
-          </p:cNvPr>
-          <p:cNvSpPr txBox="1"/>
-          <p:nvPr/>
-        </p:nvSpPr>
-        <p:spPr>
-          <a:xfrm>
-            <a:off x="10340628" y="6596390"/>
-            <a:ext cx="1746597" cy="261610"/>
-          </a:xfrm>
-          <a:prstGeom prst="rect">
-            <a:avLst/>
-          </a:prstGeom>
-          <a:noFill/>
-        </p:spPr>
-        <p:txBody>
-          <a:bodyPr wrap="square" rtlCol="0">
-            <a:spAutoFit/>
-          </a:bodyPr>
-          <a:lstStyle/>
-          <a:p>
-            <a:r>
-              <a:rPr lang="hu-HU" sz="1100" dirty="0"/>
-              <a:t>Készítette: Baracskai Dóra</a:t>
-            </a:r>
-          </a:p>
-        </p:txBody>
-      </p:sp>
-      <p:sp>
-        <p:nvSpPr>
-          <p:cNvPr id="4" name="Szövegdoboz 3">
-            <a:extLst>
-              <a:ext uri="{FF2B5EF4-FFF2-40B4-BE49-F238E27FC236}">
-                <a16:creationId xmlns:a16="http://schemas.microsoft.com/office/drawing/2014/main" id="{F54FF97E-935E-438B-A6F0-825A4BC45943}"/>
-              </a:ext>
-            </a:extLst>
-          </p:cNvPr>
-          <p:cNvSpPr txBox="1"/>
-          <p:nvPr/>
-        </p:nvSpPr>
-        <p:spPr>
-          <a:xfrm>
-            <a:off x="4718284" y="147088"/>
-            <a:ext cx="6991350" cy="1446550"/>
-          </a:xfrm>
-          <a:prstGeom prst="rect">
-            <a:avLst/>
-          </a:prstGeom>
-          <a:noFill/>
-        </p:spPr>
-        <p:txBody>
-          <a:bodyPr wrap="square" rtlCol="0">
-            <a:spAutoFit/>
-          </a:bodyPr>
-          <a:lstStyle/>
-          <a:p>
-            <a:r>
-              <a:rPr lang="hu-HU" sz="8800" dirty="0">
+      <p:grpSp>
+        <p:nvGrpSpPr>
+          <p:cNvPr id="45" name="Csoportba foglalás 44">
+            <a:extLst>
+              <a:ext uri="{FF2B5EF4-FFF2-40B4-BE49-F238E27FC236}">
+                <a16:creationId xmlns:a16="http://schemas.microsoft.com/office/drawing/2014/main" id="{1430DF1F-2AF5-4BBD-B737-69D11D2770BD}"/>
+              </a:ext>
+            </a:extLst>
+          </p:cNvPr>
+          <p:cNvGrpSpPr/>
+          <p:nvPr/>
+        </p:nvGrpSpPr>
+        <p:grpSpPr>
+          <a:xfrm>
+            <a:off x="2360934" y="337874"/>
+            <a:ext cx="10257121" cy="5917744"/>
+            <a:chOff x="2360934" y="337874"/>
+            <a:chExt cx="10257121" cy="5917744"/>
+          </a:xfrm>
+        </p:grpSpPr>
+        <p:sp>
+          <p:nvSpPr>
+            <p:cNvPr id="2" name="Szövegdoboz 1">
+              <a:extLst>
+                <a:ext uri="{FF2B5EF4-FFF2-40B4-BE49-F238E27FC236}">
+                  <a16:creationId xmlns:a16="http://schemas.microsoft.com/office/drawing/2014/main" id="{5988E47C-79C3-426B-9662-E962B040C7B7}"/>
+                </a:ext>
+              </a:extLst>
+            </p:cNvPr>
+            <p:cNvSpPr txBox="1"/>
+            <p:nvPr/>
+          </p:nvSpPr>
+          <p:spPr>
+            <a:xfrm>
+              <a:off x="4453417" y="337874"/>
+              <a:ext cx="6502291" cy="769441"/>
+            </a:xfrm>
+            <a:prstGeom prst="rect">
+              <a:avLst/>
+            </a:prstGeom>
+            <a:noFill/>
+          </p:spPr>
+          <p:txBody>
+            <a:bodyPr wrap="square" rtlCol="0">
+              <a:spAutoFit/>
+            </a:bodyPr>
+            <a:lstStyle/>
+            <a:p>
+              <a:r>
+                <a:rPr lang="hu-HU" sz="4400" dirty="0">
+                  <a:latin typeface="Palatino Linotype" panose="02040502050505030304" pitchFamily="18" charset="0"/>
+                </a:rPr>
+                <a:t>A fejezet fontosabb részei</a:t>
+              </a:r>
+            </a:p>
+          </p:txBody>
+        </p:sp>
+        <p:sp>
+          <p:nvSpPr>
+            <p:cNvPr id="30" name="Szövegdoboz 29">
+              <a:extLst>
+                <a:ext uri="{FF2B5EF4-FFF2-40B4-BE49-F238E27FC236}">
+                  <a16:creationId xmlns:a16="http://schemas.microsoft.com/office/drawing/2014/main" id="{3C21D8AE-1769-424B-94E1-AF3F2D00E029}"/>
+                </a:ext>
+              </a:extLst>
+            </p:cNvPr>
+            <p:cNvSpPr txBox="1"/>
+            <p:nvPr/>
+          </p:nvSpPr>
+          <p:spPr>
+            <a:xfrm>
+              <a:off x="2751435" y="2142019"/>
+              <a:ext cx="4318780" cy="584775"/>
+            </a:xfrm>
+            <a:prstGeom prst="rect">
+              <a:avLst/>
+            </a:prstGeom>
+            <a:noFill/>
+          </p:spPr>
+          <p:txBody>
+            <a:bodyPr wrap="square" rtlCol="0">
+              <a:spAutoFit/>
+            </a:bodyPr>
+            <a:lstStyle/>
+            <a:p>
+              <a:r>
+                <a:rPr lang="hu-HU" sz="3200" dirty="0">
+                  <a:latin typeface="Palatino Linotype" panose="02040502050505030304" pitchFamily="18" charset="0"/>
+                </a:rPr>
+                <a:t>Téglalap megrajzolása</a:t>
+              </a:r>
+            </a:p>
+          </p:txBody>
+        </p:sp>
+        <p:sp>
+          <p:nvSpPr>
+            <p:cNvPr id="3" name="Szövegdoboz 2">
+              <a:extLst>
+                <a:ext uri="{FF2B5EF4-FFF2-40B4-BE49-F238E27FC236}">
+                  <a16:creationId xmlns:a16="http://schemas.microsoft.com/office/drawing/2014/main" id="{3A3FD0C9-EA0A-4215-A592-F44E56EE56CF}"/>
+                </a:ext>
+              </a:extLst>
+            </p:cNvPr>
+            <p:cNvSpPr txBox="1"/>
+            <p:nvPr/>
+          </p:nvSpPr>
+          <p:spPr>
+            <a:xfrm>
+              <a:off x="9101578" y="4920590"/>
+              <a:ext cx="2040767" cy="830997"/>
+            </a:xfrm>
+            <a:prstGeom prst="rect">
+              <a:avLst/>
+            </a:prstGeom>
+            <a:noFill/>
+          </p:spPr>
+          <p:txBody>
+            <a:bodyPr wrap="square" rtlCol="0">
+              <a:spAutoFit/>
+            </a:bodyPr>
+            <a:lstStyle/>
+            <a:p>
+              <a:r>
+                <a:rPr lang="hu-HU" sz="2400" dirty="0">
+                  <a:latin typeface="Palatino Linotype" panose="02040502050505030304" pitchFamily="18" charset="0"/>
+                </a:rPr>
+                <a:t>Képek megjelenítése</a:t>
+              </a:r>
+            </a:p>
+          </p:txBody>
+        </p:sp>
+        <p:sp>
+          <p:nvSpPr>
+            <p:cNvPr id="20" name="Szövegdoboz 19">
+              <a:extLst>
+                <a:ext uri="{FF2B5EF4-FFF2-40B4-BE49-F238E27FC236}">
+                  <a16:creationId xmlns:a16="http://schemas.microsoft.com/office/drawing/2014/main" id="{143B5CF3-6F50-4574-BEBD-642BF60A24B0}"/>
+                </a:ext>
+              </a:extLst>
+            </p:cNvPr>
+            <p:cNvSpPr txBox="1"/>
+            <p:nvPr/>
+          </p:nvSpPr>
+          <p:spPr>
+            <a:xfrm>
+              <a:off x="8231008" y="2198842"/>
+              <a:ext cx="4387047" cy="584775"/>
+            </a:xfrm>
+            <a:prstGeom prst="rect">
+              <a:avLst/>
+            </a:prstGeom>
+            <a:noFill/>
+          </p:spPr>
+          <p:txBody>
+            <a:bodyPr wrap="square" rtlCol="0">
+              <a:spAutoFit/>
+            </a:bodyPr>
+            <a:lstStyle/>
+            <a:p>
+              <a:r>
+                <a:rPr lang="hu-HU" sz="3200" dirty="0">
+                  <a:latin typeface="Palatino Linotype" panose="02040502050505030304" pitchFamily="18" charset="0"/>
+                </a:rPr>
+                <a:t>Feliratok </a:t>
+              </a:r>
+              <a:r>
+                <a:rPr lang="hu-HU" sz="3200" dirty="0" err="1">
+                  <a:latin typeface="Palatino Linotype" panose="02040502050505030304" pitchFamily="18" charset="0"/>
+                </a:rPr>
+                <a:t>léztrehozása</a:t>
+              </a:r>
+              <a:endParaRPr lang="hu-HU" sz="3200" dirty="0">
                 <a:latin typeface="Palatino Linotype" panose="02040502050505030304" pitchFamily="18" charset="0"/>
-              </a:rPr>
-              <a:t>HTML oldal</a:t>
-            </a:r>
-          </a:p>
-        </p:txBody>
-      </p:sp>
-      <p:pic>
-        <p:nvPicPr>
-          <p:cNvPr id="29" name="Kép 28">
-            <a:extLst>
-              <a:ext uri="{FF2B5EF4-FFF2-40B4-BE49-F238E27FC236}">
-                <a16:creationId xmlns:a16="http://schemas.microsoft.com/office/drawing/2014/main" id="{0D2FD9C2-D666-4ECD-819F-169EFEA2AF2F}"/>
-              </a:ext>
-            </a:extLst>
-          </p:cNvPr>
-          <p:cNvPicPr>
-            <a:picLocks noChangeAspect="1"/>
-          </p:cNvPicPr>
-          <p:nvPr/>
-        </p:nvPicPr>
-        <p:blipFill>
-          <a:blip r:embed="rId2"/>
-          <a:stretch>
-            <a:fillRect/>
-          </a:stretch>
-        </p:blipFill>
-        <p:spPr>
-          <a:xfrm>
-            <a:off x="3940549" y="3951825"/>
-            <a:ext cx="8182414" cy="2667916"/>
-          </a:xfrm>
-          <a:prstGeom prst="rect">
-            <a:avLst/>
-          </a:prstGeom>
-        </p:spPr>
-      </p:pic>
-      <p:pic>
-        <p:nvPicPr>
-          <p:cNvPr id="34" name="Kép 33">
-            <a:extLst>
-              <a:ext uri="{FF2B5EF4-FFF2-40B4-BE49-F238E27FC236}">
-                <a16:creationId xmlns:a16="http://schemas.microsoft.com/office/drawing/2014/main" id="{82E6A3F0-6F96-411F-B327-87C39D6C3EDB}"/>
-              </a:ext>
-            </a:extLst>
-          </p:cNvPr>
-          <p:cNvPicPr>
-            <a:picLocks noChangeAspect="1"/>
-          </p:cNvPicPr>
-          <p:nvPr/>
-        </p:nvPicPr>
-        <p:blipFill rotWithShape="1">
-          <a:blip r:embed="rId3"/>
-          <a:srcRect t="21770" r="197" b="47476"/>
-          <a:stretch/>
-        </p:blipFill>
-        <p:spPr>
-          <a:xfrm>
-            <a:off x="3940548" y="1629419"/>
-            <a:ext cx="8146678" cy="2109095"/>
-          </a:xfrm>
-          <a:prstGeom prst="rect">
-            <a:avLst/>
-          </a:prstGeom>
-        </p:spPr>
-      </p:pic>
+              </a:endParaRPr>
+            </a:p>
+          </p:txBody>
+        </p:sp>
+        <p:sp>
+          <p:nvSpPr>
+            <p:cNvPr id="23" name="Szövegdoboz 22">
+              <a:extLst>
+                <a:ext uri="{FF2B5EF4-FFF2-40B4-BE49-F238E27FC236}">
+                  <a16:creationId xmlns:a16="http://schemas.microsoft.com/office/drawing/2014/main" id="{E91DB4BD-0C0D-4448-9587-7827D46CB315}"/>
+                </a:ext>
+              </a:extLst>
+            </p:cNvPr>
+            <p:cNvSpPr txBox="1"/>
+            <p:nvPr/>
+          </p:nvSpPr>
+          <p:spPr>
+            <a:xfrm>
+              <a:off x="3756165" y="3661070"/>
+              <a:ext cx="2928987" cy="584775"/>
+            </a:xfrm>
+            <a:prstGeom prst="rect">
+              <a:avLst/>
+            </a:prstGeom>
+            <a:noFill/>
+          </p:spPr>
+          <p:txBody>
+            <a:bodyPr wrap="square" rtlCol="0">
+              <a:spAutoFit/>
+            </a:bodyPr>
+            <a:lstStyle/>
+            <a:p>
+              <a:r>
+                <a:rPr lang="hu-HU" sz="3200" dirty="0">
+                  <a:latin typeface="Palatino Linotype" panose="02040502050505030304" pitchFamily="18" charset="0"/>
+                </a:rPr>
+                <a:t>Mozgásfázisok</a:t>
+              </a:r>
+            </a:p>
+          </p:txBody>
+        </p:sp>
+        <p:pic>
+          <p:nvPicPr>
+            <p:cNvPr id="35" name="Kép 34">
+              <a:extLst>
+                <a:ext uri="{FF2B5EF4-FFF2-40B4-BE49-F238E27FC236}">
+                  <a16:creationId xmlns:a16="http://schemas.microsoft.com/office/drawing/2014/main" id="{1BE3AC30-F1CA-465E-9330-BAD925A16045}"/>
+                </a:ext>
+              </a:extLst>
+            </p:cNvPr>
+            <p:cNvPicPr>
+              <a:picLocks noChangeAspect="1"/>
+            </p:cNvPicPr>
+            <p:nvPr/>
+          </p:nvPicPr>
+          <p:blipFill>
+            <a:blip r:embed="rId2">
+              <a:extLst>
+                <a:ext uri="{28A0092B-C50C-407E-A947-70E740481C1C}">
+                  <a14:useLocalDpi xmlns:a14="http://schemas.microsoft.com/office/drawing/2010/main" val="0"/>
+                </a:ext>
+              </a:extLst>
+            </a:blip>
+            <a:stretch>
+              <a:fillRect/>
+            </a:stretch>
+          </p:blipFill>
+          <p:spPr>
+            <a:xfrm>
+              <a:off x="8240200" y="5854683"/>
+              <a:ext cx="4036077" cy="400935"/>
+            </a:xfrm>
+            <a:prstGeom prst="rect">
+              <a:avLst/>
+            </a:prstGeom>
+          </p:spPr>
+        </p:pic>
+        <p:pic>
+          <p:nvPicPr>
+            <p:cNvPr id="38" name="Kép 37">
+              <a:extLst>
+                <a:ext uri="{FF2B5EF4-FFF2-40B4-BE49-F238E27FC236}">
+                  <a16:creationId xmlns:a16="http://schemas.microsoft.com/office/drawing/2014/main" id="{7D7ECFB2-CA8D-47FA-891A-86245D7C41A5}"/>
+                </a:ext>
+              </a:extLst>
+            </p:cNvPr>
+            <p:cNvPicPr>
+              <a:picLocks noChangeAspect="1"/>
+            </p:cNvPicPr>
+            <p:nvPr/>
+          </p:nvPicPr>
+          <p:blipFill>
+            <a:blip r:embed="rId3">
+              <a:extLst>
+                <a:ext uri="{28A0092B-C50C-407E-A947-70E740481C1C}">
+                  <a14:useLocalDpi xmlns:a14="http://schemas.microsoft.com/office/drawing/2010/main" val="0"/>
+                </a:ext>
+              </a:extLst>
+            </a:blip>
+            <a:stretch>
+              <a:fillRect/>
+            </a:stretch>
+          </p:blipFill>
+          <p:spPr>
+            <a:xfrm>
+              <a:off x="8061028" y="2967177"/>
+              <a:ext cx="4394420" cy="476176"/>
+            </a:xfrm>
+            <a:prstGeom prst="rect">
+              <a:avLst/>
+            </a:prstGeom>
+          </p:spPr>
+        </p:pic>
+        <p:pic>
+          <p:nvPicPr>
+            <p:cNvPr id="41" name="Kép 40">
+              <a:extLst>
+                <a:ext uri="{FF2B5EF4-FFF2-40B4-BE49-F238E27FC236}">
+                  <a16:creationId xmlns:a16="http://schemas.microsoft.com/office/drawing/2014/main" id="{50ACEADF-FFBD-4402-9453-3F6F7C2C3F12}"/>
+                </a:ext>
+              </a:extLst>
+            </p:cNvPr>
+            <p:cNvPicPr>
+              <a:picLocks noChangeAspect="1"/>
+            </p:cNvPicPr>
+            <p:nvPr/>
+          </p:nvPicPr>
+          <p:blipFill>
+            <a:blip r:embed="rId4">
+              <a:extLst>
+                <a:ext uri="{28A0092B-C50C-407E-A947-70E740481C1C}">
+                  <a14:useLocalDpi xmlns:a14="http://schemas.microsoft.com/office/drawing/2010/main" val="0"/>
+                </a:ext>
+              </a:extLst>
+            </a:blip>
+            <a:stretch>
+              <a:fillRect/>
+            </a:stretch>
+          </p:blipFill>
+          <p:spPr>
+            <a:xfrm>
+              <a:off x="2629498" y="4355700"/>
+              <a:ext cx="5182323" cy="1752845"/>
+            </a:xfrm>
+            <a:prstGeom prst="rect">
+              <a:avLst/>
+            </a:prstGeom>
+          </p:spPr>
+        </p:pic>
+        <p:pic>
+          <p:nvPicPr>
+            <p:cNvPr id="44" name="Kép 43">
+              <a:extLst>
+                <a:ext uri="{FF2B5EF4-FFF2-40B4-BE49-F238E27FC236}">
+                  <a16:creationId xmlns:a16="http://schemas.microsoft.com/office/drawing/2014/main" id="{D38BDA83-BEEB-4D4B-B317-176932A712A4}"/>
+                </a:ext>
+              </a:extLst>
+            </p:cNvPr>
+            <p:cNvPicPr>
+              <a:picLocks noChangeAspect="1"/>
+            </p:cNvPicPr>
+            <p:nvPr/>
+          </p:nvPicPr>
+          <p:blipFill>
+            <a:blip r:embed="rId5">
+              <a:extLst>
+                <a:ext uri="{28A0092B-C50C-407E-A947-70E740481C1C}">
+                  <a14:useLocalDpi xmlns:a14="http://schemas.microsoft.com/office/drawing/2010/main" val="0"/>
+                </a:ext>
+              </a:extLst>
+            </a:blip>
+            <a:stretch>
+              <a:fillRect/>
+            </a:stretch>
+          </p:blipFill>
+          <p:spPr>
+            <a:xfrm>
+              <a:off x="2360934" y="2848903"/>
+              <a:ext cx="5189846" cy="329789"/>
+            </a:xfrm>
+            <a:prstGeom prst="rect">
+              <a:avLst/>
+            </a:prstGeom>
+          </p:spPr>
+        </p:pic>
+      </p:grpSp>
       <p:grpSp>
         <p:nvGrpSpPr>
           <p:cNvPr id="14" name="Csoportba foglalás 13">
@@ -7158,7 +7609,7 @@
           <p:nvPr/>
         </p:nvPicPr>
         <p:blipFill>
-          <a:blip r:embed="rId4">
+          <a:blip r:embed="rId6">
             <a:extLst>
               <a:ext uri="{28A0092B-C50C-407E-A947-70E740481C1C}">
                 <a14:useLocalDpi xmlns:a14="http://schemas.microsoft.com/office/drawing/2010/main" val="0"/>
@@ -7205,7 +7656,7 @@
           <p:nvPr/>
         </p:nvPicPr>
         <p:blipFill>
-          <a:blip r:embed="rId5">
+          <a:blip r:embed="rId7">
             <a:extLst>
               <a:ext uri="{28A0092B-C50C-407E-A947-70E740481C1C}">
                 <a14:useLocalDpi xmlns:a14="http://schemas.microsoft.com/office/drawing/2010/main" val="0"/>
@@ -7263,7 +7714,7 @@
           <p:nvPr/>
         </p:nvPicPr>
         <p:blipFill>
-          <a:blip r:embed="rId6">
+          <a:blip r:embed="rId8">
             <a:extLst>
               <a:ext uri="{28A0092B-C50C-407E-A947-70E740481C1C}">
                 <a14:useLocalDpi xmlns:a14="http://schemas.microsoft.com/office/drawing/2010/main" val="0"/>
@@ -7299,7 +7750,7 @@
           <p:nvPr/>
         </p:nvPicPr>
         <p:blipFill>
-          <a:blip r:embed="rId7">
+          <a:blip r:embed="rId9">
             <a:extLst>
               <a:ext uri="{28A0092B-C50C-407E-A947-70E740481C1C}">
                 <a14:useLocalDpi xmlns:a14="http://schemas.microsoft.com/office/drawing/2010/main" val="0"/>
@@ -7335,7 +7786,7 @@
           <p:nvPr/>
         </p:nvPicPr>
         <p:blipFill>
-          <a:blip r:embed="rId8">
+          <a:blip r:embed="rId10">
             <a:extLst>
               <a:ext uri="{28A0092B-C50C-407E-A947-70E740481C1C}">
                 <a14:useLocalDpi xmlns:a14="http://schemas.microsoft.com/office/drawing/2010/main" val="0"/>
@@ -7496,7 +7947,7 @@
           <p:nvPr/>
         </p:nvPicPr>
         <p:blipFill>
-          <a:blip r:embed="rId9">
+          <a:blip r:embed="rId11">
             <a:extLst>
               <a:ext uri="{28A0092B-C50C-407E-A947-70E740481C1C}">
                 <a14:useLocalDpi xmlns:a14="http://schemas.microsoft.com/office/drawing/2010/main" val="0"/>
@@ -8623,102 +9074,6 @@
           </p:txBody>
         </p:sp>
       </p:grpSp>
-      <p:pic>
-        <p:nvPicPr>
-          <p:cNvPr id="24" name="Kép 23">
-            <a:extLst>
-              <a:ext uri="{FF2B5EF4-FFF2-40B4-BE49-F238E27FC236}">
-                <a16:creationId xmlns:a16="http://schemas.microsoft.com/office/drawing/2014/main" id="{A0346574-19EC-4A29-BEF0-614C9E885A12}"/>
-              </a:ext>
-            </a:extLst>
-          </p:cNvPr>
-          <p:cNvPicPr>
-            <a:picLocks noChangeAspect="1"/>
-          </p:cNvPicPr>
-          <p:nvPr/>
-        </p:nvPicPr>
-        <p:blipFill rotWithShape="1">
-          <a:blip r:embed="rId10"/>
-          <a:srcRect t="21770" r="197" b="47476"/>
-          <a:stretch/>
-        </p:blipFill>
-        <p:spPr>
-          <a:xfrm>
-            <a:off x="15986531" y="1681308"/>
-            <a:ext cx="8146678" cy="2109095"/>
-          </a:xfrm>
-          <a:prstGeom prst="rect">
-            <a:avLst/>
-          </a:prstGeom>
-        </p:spPr>
-      </p:pic>
-      <p:pic>
-        <p:nvPicPr>
-          <p:cNvPr id="25" name="Kép 24">
-            <a:extLst>
-              <a:ext uri="{FF2B5EF4-FFF2-40B4-BE49-F238E27FC236}">
-                <a16:creationId xmlns:a16="http://schemas.microsoft.com/office/drawing/2014/main" id="{7B97EA99-A946-4146-9279-247308887778}"/>
-              </a:ext>
-            </a:extLst>
-          </p:cNvPr>
-          <p:cNvPicPr>
-            <a:picLocks noChangeAspect="1"/>
-          </p:cNvPicPr>
-          <p:nvPr/>
-        </p:nvPicPr>
-        <p:blipFill>
-          <a:blip r:embed="rId11"/>
-          <a:stretch>
-            <a:fillRect/>
-          </a:stretch>
-        </p:blipFill>
-        <p:spPr>
-          <a:xfrm>
-            <a:off x="15968663" y="4401678"/>
-            <a:ext cx="8182414" cy="2667916"/>
-          </a:xfrm>
-          <a:prstGeom prst="rect">
-            <a:avLst/>
-          </a:prstGeom>
-        </p:spPr>
-      </p:pic>
-      <p:sp>
-        <p:nvSpPr>
-          <p:cNvPr id="26" name="Szövegdoboz 25">
-            <a:extLst>
-              <a:ext uri="{FF2B5EF4-FFF2-40B4-BE49-F238E27FC236}">
-                <a16:creationId xmlns:a16="http://schemas.microsoft.com/office/drawing/2014/main" id="{42D6164C-4265-4D8D-88F0-C26964F031CF}"/>
-              </a:ext>
-            </a:extLst>
-          </p:cNvPr>
-          <p:cNvSpPr txBox="1"/>
-          <p:nvPr/>
-        </p:nvSpPr>
-        <p:spPr>
-          <a:xfrm>
-            <a:off x="16535859" y="272296"/>
-            <a:ext cx="6991350" cy="1446550"/>
-          </a:xfrm>
-          <a:prstGeom prst="rect">
-            <a:avLst/>
-          </a:prstGeom>
-          <a:noFill/>
-        </p:spPr>
-        <p:txBody>
-          <a:bodyPr wrap="square" rtlCol="0">
-            <a:spAutoFit/>
-          </a:bodyPr>
-          <a:lstStyle/>
-          <a:p>
-            <a:r>
-              <a:rPr lang="hu-HU" sz="8800" dirty="0">
-                <a:latin typeface="Palatino Linotype" panose="02040502050505030304" pitchFamily="18" charset="0"/>
-              </a:rPr>
-              <a:t>HTML oldal</a:t>
-            </a:r>
-          </a:p>
-        </p:txBody>
-      </p:sp>
       <p:sp>
         <p:nvSpPr>
           <p:cNvPr id="27" name="Szövegdoboz 26">
@@ -8756,6 +9111,365 @@
           </a:p>
         </p:txBody>
       </p:sp>
+      <p:grpSp>
+        <p:nvGrpSpPr>
+          <p:cNvPr id="29" name="Csoportba foglalás 28">
+            <a:extLst>
+              <a:ext uri="{FF2B5EF4-FFF2-40B4-BE49-F238E27FC236}">
+                <a16:creationId xmlns:a16="http://schemas.microsoft.com/office/drawing/2014/main" id="{907A1ED7-6165-4922-8E3D-AEC4DA115EB0}"/>
+              </a:ext>
+            </a:extLst>
+          </p:cNvPr>
+          <p:cNvGrpSpPr/>
+          <p:nvPr/>
+        </p:nvGrpSpPr>
+        <p:grpSpPr>
+          <a:xfrm>
+            <a:off x="15189018" y="470128"/>
+            <a:ext cx="10257121" cy="5917744"/>
+            <a:chOff x="2360934" y="337874"/>
+            <a:chExt cx="10257121" cy="5917744"/>
+          </a:xfrm>
+        </p:grpSpPr>
+        <p:sp>
+          <p:nvSpPr>
+            <p:cNvPr id="30" name="Szövegdoboz 29">
+              <a:extLst>
+                <a:ext uri="{FF2B5EF4-FFF2-40B4-BE49-F238E27FC236}">
+                  <a16:creationId xmlns:a16="http://schemas.microsoft.com/office/drawing/2014/main" id="{77DC131D-8210-437C-B4E8-534B9B76B9F6}"/>
+                </a:ext>
+              </a:extLst>
+            </p:cNvPr>
+            <p:cNvSpPr txBox="1"/>
+            <p:nvPr/>
+          </p:nvSpPr>
+          <p:spPr>
+            <a:xfrm>
+              <a:off x="4453417" y="337874"/>
+              <a:ext cx="6502291" cy="769441"/>
+            </a:xfrm>
+            <a:prstGeom prst="rect">
+              <a:avLst/>
+            </a:prstGeom>
+            <a:noFill/>
+          </p:spPr>
+          <p:txBody>
+            <a:bodyPr wrap="square" rtlCol="0">
+              <a:spAutoFit/>
+            </a:bodyPr>
+            <a:lstStyle/>
+            <a:p>
+              <a:r>
+                <a:rPr lang="hu-HU" sz="4400" dirty="0">
+                  <a:latin typeface="Palatino Linotype" panose="02040502050505030304" pitchFamily="18" charset="0"/>
+                </a:rPr>
+                <a:t>A fejezet fontosabb részei</a:t>
+              </a:r>
+            </a:p>
+          </p:txBody>
+        </p:sp>
+        <p:sp>
+          <p:nvSpPr>
+            <p:cNvPr id="31" name="Szövegdoboz 30">
+              <a:extLst>
+                <a:ext uri="{FF2B5EF4-FFF2-40B4-BE49-F238E27FC236}">
+                  <a16:creationId xmlns:a16="http://schemas.microsoft.com/office/drawing/2014/main" id="{B698A9EF-E290-4209-BA85-1C81E3A5561F}"/>
+                </a:ext>
+              </a:extLst>
+            </p:cNvPr>
+            <p:cNvSpPr txBox="1"/>
+            <p:nvPr/>
+          </p:nvSpPr>
+          <p:spPr>
+            <a:xfrm>
+              <a:off x="2751435" y="2142019"/>
+              <a:ext cx="4318780" cy="584775"/>
+            </a:xfrm>
+            <a:prstGeom prst="rect">
+              <a:avLst/>
+            </a:prstGeom>
+            <a:noFill/>
+          </p:spPr>
+          <p:txBody>
+            <a:bodyPr wrap="square" rtlCol="0">
+              <a:spAutoFit/>
+            </a:bodyPr>
+            <a:lstStyle/>
+            <a:p>
+              <a:r>
+                <a:rPr lang="hu-HU" sz="3200" dirty="0">
+                  <a:latin typeface="Palatino Linotype" panose="02040502050505030304" pitchFamily="18" charset="0"/>
+                </a:rPr>
+                <a:t>Téglalap megrajzolása</a:t>
+              </a:r>
+            </a:p>
+          </p:txBody>
+        </p:sp>
+        <p:sp>
+          <p:nvSpPr>
+            <p:cNvPr id="32" name="Szövegdoboz 31">
+              <a:extLst>
+                <a:ext uri="{FF2B5EF4-FFF2-40B4-BE49-F238E27FC236}">
+                  <a16:creationId xmlns:a16="http://schemas.microsoft.com/office/drawing/2014/main" id="{892FC898-3984-4ACE-811A-6058317DE078}"/>
+                </a:ext>
+              </a:extLst>
+            </p:cNvPr>
+            <p:cNvSpPr txBox="1"/>
+            <p:nvPr/>
+          </p:nvSpPr>
+          <p:spPr>
+            <a:xfrm>
+              <a:off x="9101578" y="4920590"/>
+              <a:ext cx="2040767" cy="830997"/>
+            </a:xfrm>
+            <a:prstGeom prst="rect">
+              <a:avLst/>
+            </a:prstGeom>
+            <a:noFill/>
+          </p:spPr>
+          <p:txBody>
+            <a:bodyPr wrap="square" rtlCol="0">
+              <a:spAutoFit/>
+            </a:bodyPr>
+            <a:lstStyle/>
+            <a:p>
+              <a:r>
+                <a:rPr lang="hu-HU" sz="2400" dirty="0">
+                  <a:latin typeface="Palatino Linotype" panose="02040502050505030304" pitchFamily="18" charset="0"/>
+                </a:rPr>
+                <a:t>Képek megjelenítése</a:t>
+              </a:r>
+            </a:p>
+          </p:txBody>
+        </p:sp>
+        <p:sp>
+          <p:nvSpPr>
+            <p:cNvPr id="34" name="Szövegdoboz 33">
+              <a:extLst>
+                <a:ext uri="{FF2B5EF4-FFF2-40B4-BE49-F238E27FC236}">
+                  <a16:creationId xmlns:a16="http://schemas.microsoft.com/office/drawing/2014/main" id="{A4DFB581-5269-4E24-9A4D-A127D81B22F7}"/>
+                </a:ext>
+              </a:extLst>
+            </p:cNvPr>
+            <p:cNvSpPr txBox="1"/>
+            <p:nvPr/>
+          </p:nvSpPr>
+          <p:spPr>
+            <a:xfrm>
+              <a:off x="8231008" y="2198842"/>
+              <a:ext cx="4387047" cy="584775"/>
+            </a:xfrm>
+            <a:prstGeom prst="rect">
+              <a:avLst/>
+            </a:prstGeom>
+            <a:noFill/>
+          </p:spPr>
+          <p:txBody>
+            <a:bodyPr wrap="square" rtlCol="0">
+              <a:spAutoFit/>
+            </a:bodyPr>
+            <a:lstStyle/>
+            <a:p>
+              <a:r>
+                <a:rPr lang="hu-HU" sz="3200" dirty="0">
+                  <a:latin typeface="Palatino Linotype" panose="02040502050505030304" pitchFamily="18" charset="0"/>
+                </a:rPr>
+                <a:t>Feliratok </a:t>
+              </a:r>
+              <a:r>
+                <a:rPr lang="hu-HU" sz="3200" dirty="0" err="1">
+                  <a:latin typeface="Palatino Linotype" panose="02040502050505030304" pitchFamily="18" charset="0"/>
+                </a:rPr>
+                <a:t>léztrehozása</a:t>
+              </a:r>
+              <a:endParaRPr lang="hu-HU" sz="3200" dirty="0">
+                <a:latin typeface="Palatino Linotype" panose="02040502050505030304" pitchFamily="18" charset="0"/>
+              </a:endParaRPr>
+            </a:p>
+          </p:txBody>
+        </p:sp>
+        <p:sp>
+          <p:nvSpPr>
+            <p:cNvPr id="36" name="Szövegdoboz 35">
+              <a:extLst>
+                <a:ext uri="{FF2B5EF4-FFF2-40B4-BE49-F238E27FC236}">
+                  <a16:creationId xmlns:a16="http://schemas.microsoft.com/office/drawing/2014/main" id="{6CC866C3-50F5-453F-BD91-24BDBF9F5B11}"/>
+                </a:ext>
+              </a:extLst>
+            </p:cNvPr>
+            <p:cNvSpPr txBox="1"/>
+            <p:nvPr/>
+          </p:nvSpPr>
+          <p:spPr>
+            <a:xfrm>
+              <a:off x="3756165" y="3661070"/>
+              <a:ext cx="2928987" cy="584775"/>
+            </a:xfrm>
+            <a:prstGeom prst="rect">
+              <a:avLst/>
+            </a:prstGeom>
+            <a:noFill/>
+          </p:spPr>
+          <p:txBody>
+            <a:bodyPr wrap="square" rtlCol="0">
+              <a:spAutoFit/>
+            </a:bodyPr>
+            <a:lstStyle/>
+            <a:p>
+              <a:r>
+                <a:rPr lang="hu-HU" sz="3200" dirty="0">
+                  <a:latin typeface="Palatino Linotype" panose="02040502050505030304" pitchFamily="18" charset="0"/>
+                </a:rPr>
+                <a:t>Mozgásfázisok</a:t>
+              </a:r>
+            </a:p>
+          </p:txBody>
+        </p:sp>
+        <p:pic>
+          <p:nvPicPr>
+            <p:cNvPr id="37" name="Kép 36">
+              <a:extLst>
+                <a:ext uri="{FF2B5EF4-FFF2-40B4-BE49-F238E27FC236}">
+                  <a16:creationId xmlns:a16="http://schemas.microsoft.com/office/drawing/2014/main" id="{9A9DE825-BF53-4B00-8DF1-8700AA1E08E4}"/>
+                </a:ext>
+              </a:extLst>
+            </p:cNvPr>
+            <p:cNvPicPr>
+              <a:picLocks noChangeAspect="1"/>
+            </p:cNvPicPr>
+            <p:nvPr/>
+          </p:nvPicPr>
+          <p:blipFill>
+            <a:blip r:embed="rId10">
+              <a:extLst>
+                <a:ext uri="{28A0092B-C50C-407E-A947-70E740481C1C}">
+                  <a14:useLocalDpi xmlns:a14="http://schemas.microsoft.com/office/drawing/2010/main" val="0"/>
+                </a:ext>
+              </a:extLst>
+            </a:blip>
+            <a:stretch>
+              <a:fillRect/>
+            </a:stretch>
+          </p:blipFill>
+          <p:spPr>
+            <a:xfrm>
+              <a:off x="8240200" y="5854683"/>
+              <a:ext cx="4036077" cy="400935"/>
+            </a:xfrm>
+            <a:prstGeom prst="rect">
+              <a:avLst/>
+            </a:prstGeom>
+          </p:spPr>
+        </p:pic>
+        <p:pic>
+          <p:nvPicPr>
+            <p:cNvPr id="38" name="Kép 37">
+              <a:extLst>
+                <a:ext uri="{FF2B5EF4-FFF2-40B4-BE49-F238E27FC236}">
+                  <a16:creationId xmlns:a16="http://schemas.microsoft.com/office/drawing/2014/main" id="{870020D8-8FB1-4CFB-914F-656B1070C50E}"/>
+                </a:ext>
+              </a:extLst>
+            </p:cNvPr>
+            <p:cNvPicPr>
+              <a:picLocks noChangeAspect="1"/>
+            </p:cNvPicPr>
+            <p:nvPr/>
+          </p:nvPicPr>
+          <p:blipFill>
+            <a:blip r:embed="rId11">
+              <a:extLst>
+                <a:ext uri="{28A0092B-C50C-407E-A947-70E740481C1C}">
+                  <a14:useLocalDpi xmlns:a14="http://schemas.microsoft.com/office/drawing/2010/main" val="0"/>
+                </a:ext>
+              </a:extLst>
+            </a:blip>
+            <a:stretch>
+              <a:fillRect/>
+            </a:stretch>
+          </p:blipFill>
+          <p:spPr>
+            <a:xfrm>
+              <a:off x="8061028" y="2967177"/>
+              <a:ext cx="4394420" cy="476176"/>
+            </a:xfrm>
+            <a:prstGeom prst="rect">
+              <a:avLst/>
+            </a:prstGeom>
+          </p:spPr>
+        </p:pic>
+        <p:pic>
+          <p:nvPicPr>
+            <p:cNvPr id="39" name="Kép 38">
+              <a:extLst>
+                <a:ext uri="{FF2B5EF4-FFF2-40B4-BE49-F238E27FC236}">
+                  <a16:creationId xmlns:a16="http://schemas.microsoft.com/office/drawing/2014/main" id="{C70A2CEF-3A4D-4E69-B08E-04BCFB510193}"/>
+                </a:ext>
+              </a:extLst>
+            </p:cNvPr>
+            <p:cNvPicPr>
+              <a:picLocks noChangeAspect="1"/>
+            </p:cNvPicPr>
+            <p:nvPr/>
+          </p:nvPicPr>
+          <p:blipFill>
+            <a:blip r:embed="rId12">
+              <a:extLst>
+                <a:ext uri="{28A0092B-C50C-407E-A947-70E740481C1C}">
+                  <a14:useLocalDpi xmlns:a14="http://schemas.microsoft.com/office/drawing/2010/main" val="0"/>
+                </a:ext>
+              </a:extLst>
+            </a:blip>
+            <a:stretch>
+              <a:fillRect/>
+            </a:stretch>
+          </p:blipFill>
+          <p:spPr>
+            <a:xfrm>
+              <a:off x="2629498" y="4355700"/>
+              <a:ext cx="5182323" cy="1752845"/>
+            </a:xfrm>
+            <a:prstGeom prst="rect">
+              <a:avLst/>
+            </a:prstGeom>
+          </p:spPr>
+        </p:pic>
+        <p:pic>
+          <p:nvPicPr>
+            <p:cNvPr id="40" name="Kép 39">
+              <a:extLst>
+                <a:ext uri="{FF2B5EF4-FFF2-40B4-BE49-F238E27FC236}">
+                  <a16:creationId xmlns:a16="http://schemas.microsoft.com/office/drawing/2014/main" id="{D63D5B61-5251-4859-AA3E-E07E6A30348D}"/>
+                </a:ext>
+              </a:extLst>
+            </p:cNvPr>
+            <p:cNvPicPr>
+              <a:picLocks noChangeAspect="1"/>
+            </p:cNvPicPr>
+            <p:nvPr/>
+          </p:nvPicPr>
+          <p:blipFill>
+            <a:blip r:embed="rId13">
+              <a:extLst>
+                <a:ext uri="{28A0092B-C50C-407E-A947-70E740481C1C}">
+                  <a14:useLocalDpi xmlns:a14="http://schemas.microsoft.com/office/drawing/2010/main" val="0"/>
+                </a:ext>
+              </a:extLst>
+            </a:blip>
+            <a:stretch>
+              <a:fillRect/>
+            </a:stretch>
+          </p:blipFill>
+          <p:spPr>
+            <a:xfrm>
+              <a:off x="2360934" y="2848903"/>
+              <a:ext cx="5189846" cy="329789"/>
+            </a:xfrm>
+            <a:prstGeom prst="rect">
+              <a:avLst/>
+            </a:prstGeom>
+          </p:spPr>
+        </p:pic>
+      </p:grpSp>
     </p:spTree>
     <p:extLst>
       <p:ext uri="{BB962C8B-B14F-4D97-AF65-F5344CB8AC3E}">
